--- a/К защите/Саша/В диплом/На защиту/На защиту.pptx
+++ b/К защите/Саша/В диплом/На защиту/На защиту.pptx
@@ -16,11 +16,11 @@
     <p:sldId id="262" r:id="rId7"/>
     <p:sldId id="275" r:id="rId8"/>
     <p:sldId id="276" r:id="rId9"/>
-    <p:sldId id="272" r:id="rId10"/>
-    <p:sldId id="273" r:id="rId11"/>
-    <p:sldId id="274" r:id="rId12"/>
-    <p:sldId id="270" r:id="rId13"/>
-    <p:sldId id="269" r:id="rId14"/>
+    <p:sldId id="269" r:id="rId10"/>
+    <p:sldId id="272" r:id="rId11"/>
+    <p:sldId id="273" r:id="rId12"/>
+    <p:sldId id="274" r:id="rId13"/>
+    <p:sldId id="270" r:id="rId14"/>
     <p:sldId id="263" r:id="rId15"/>
     <p:sldId id="264" r:id="rId16"/>
     <p:sldId id="266" r:id="rId17"/>
@@ -218,10 +218,10 @@
           <c:layoutTarget val="inner"/>
           <c:xMode val="edge"/>
           <c:yMode val="edge"/>
-          <c:x val="0.10608397993966601"/>
-          <c:y val="0.15078962893614736"/>
-          <c:w val="0.8271106901111045"/>
-          <c:h val="0.75403142315543892"/>
+          <c:x val="7.6634149360799389E-2"/>
+          <c:y val="0.12143388371726141"/>
+          <c:w val="0.85656056222611521"/>
+          <c:h val="0.78338723909831265"/>
         </c:manualLayout>
       </c:layout>
       <c:bar3DChart>
@@ -518,23 +518,61 @@
         </c:dLbls>
         <c:gapWidth val="150"/>
         <c:shape val="box"/>
-        <c:axId val="41562496"/>
-        <c:axId val="41564032"/>
-        <c:axId val="41533888"/>
+        <c:axId val="109089152"/>
+        <c:axId val="109091072"/>
+        <c:axId val="107174976"/>
       </c:bar3DChart>
       <c:catAx>
-        <c:axId val="41562496"/>
+        <c:axId val="109089152"/>
         <c:scaling>
           <c:orientation val="minMax"/>
         </c:scaling>
         <c:delete val="0"/>
         <c:axPos val="b"/>
         <c:majorGridlines/>
+        <c:title>
+          <c:tx>
+            <c:rich>
+              <a:bodyPr/>
+              <a:lstStyle/>
+              <a:p>
+                <a:pPr>
+                  <a:defRPr sz="1000"/>
+                </a:pPr>
+                <a:r>
+                  <a:rPr lang="en-US" sz="1400" dirty="0"/>
+                  <a:t>max/min </a:t>
+                </a:r>
+                <a:r>
+                  <a:rPr lang="ru-RU" sz="1400" dirty="0"/>
+                  <a:t>времени</a:t>
+                </a:r>
+                <a:br>
+                  <a:rPr lang="ru-RU" sz="1400" dirty="0"/>
+                </a:br>
+                <a:r>
+                  <a:rPr lang="ru-RU" sz="1400" dirty="0" smtClean="0"/>
+                  <a:t>переналадки</a:t>
+                </a:r>
+                <a:endParaRPr lang="uk-UA" sz="1000" dirty="0"/>
+              </a:p>
+            </c:rich>
+          </c:tx>
+          <c:layout>
+            <c:manualLayout>
+              <c:xMode val="edge"/>
+              <c:yMode val="edge"/>
+              <c:x val="7.7559206035236694E-2"/>
+              <c:y val="0.83465309516558617"/>
+            </c:manualLayout>
+          </c:layout>
+          <c:overlay val="0"/>
+        </c:title>
         <c:numFmt formatCode="General" sourceLinked="1"/>
         <c:majorTickMark val="none"/>
         <c:minorTickMark val="none"/>
         <c:tickLblPos val="nextTo"/>
-        <c:crossAx val="41564032"/>
+        <c:crossAx val="109091072"/>
         <c:crosses val="autoZero"/>
         <c:auto val="1"/>
         <c:lblAlgn val="ctr"/>
@@ -542,33 +580,103 @@
         <c:noMultiLvlLbl val="0"/>
       </c:catAx>
       <c:valAx>
-        <c:axId val="41564032"/>
+        <c:axId val="109091072"/>
         <c:scaling>
           <c:orientation val="minMax"/>
         </c:scaling>
         <c:delete val="0"/>
         <c:axPos val="l"/>
         <c:majorGridlines/>
+        <c:title>
+          <c:tx>
+            <c:rich>
+              <a:bodyPr rot="0" vert="horz"/>
+              <a:lstStyle/>
+              <a:p>
+                <a:pPr>
+                  <a:defRPr sz="1400"/>
+                </a:pPr>
+                <a:r>
+                  <a:rPr lang="ru-RU" sz="1400" noProof="0" dirty="0" smtClean="0"/>
+                  <a:t>количество обработан-</a:t>
+                </a:r>
+                <a:r>
+                  <a:rPr lang="ru-RU" sz="1400" noProof="0" dirty="0" err="1" smtClean="0"/>
+                  <a:t>ных</a:t>
+                </a:r>
+                <a:r>
+                  <a:rPr lang="ru-RU" sz="1400" noProof="0" dirty="0" smtClean="0"/>
+                  <a:t> партий </a:t>
+                </a:r>
+                <a:endParaRPr lang="ru-RU" sz="1400" noProof="0" dirty="0"/>
+              </a:p>
+            </c:rich>
+          </c:tx>
+          <c:layout>
+            <c:manualLayout>
+              <c:xMode val="edge"/>
+              <c:yMode val="edge"/>
+              <c:x val="6.5761611860418123E-2"/>
+              <c:y val="6.4084198165951942E-2"/>
+            </c:manualLayout>
+          </c:layout>
+          <c:overlay val="0"/>
+        </c:title>
         <c:numFmt formatCode="General" sourceLinked="1"/>
         <c:majorTickMark val="none"/>
         <c:minorTickMark val="none"/>
         <c:tickLblPos val="nextTo"/>
-        <c:crossAx val="41562496"/>
+        <c:crossAx val="109089152"/>
         <c:crosses val="autoZero"/>
         <c:crossBetween val="between"/>
       </c:valAx>
       <c:serAx>
-        <c:axId val="41533888"/>
+        <c:axId val="107174976"/>
         <c:scaling>
           <c:orientation val="minMax"/>
         </c:scaling>
         <c:delete val="0"/>
         <c:axPos val="b"/>
         <c:majorGridlines/>
+        <c:title>
+          <c:tx>
+            <c:rich>
+              <a:bodyPr rot="0" vert="horz"/>
+              <a:lstStyle/>
+              <a:p>
+                <a:pPr>
+                  <a:defRPr sz="1400"/>
+                </a:pPr>
+                <a:r>
+                  <a:rPr lang="en-US" sz="1400" dirty="0"/>
+                  <a:t>max/min </a:t>
+                </a:r>
+                <a:r>
+                  <a:rPr lang="ru-RU" sz="1400" dirty="0"/>
+                  <a:t>времени </a:t>
+                </a:r>
+                <a:r>
+                  <a:rPr lang="ru-RU" sz="1400" dirty="0" smtClean="0"/>
+                  <a:t>обработки</a:t>
+                </a:r>
+                <a:endParaRPr lang="uk-UA" sz="1400" dirty="0"/>
+              </a:p>
+            </c:rich>
+          </c:tx>
+          <c:layout>
+            <c:manualLayout>
+              <c:xMode val="edge"/>
+              <c:yMode val="edge"/>
+              <c:x val="0.72533142211695489"/>
+              <c:y val="0.80333570664361886"/>
+            </c:manualLayout>
+          </c:layout>
+          <c:overlay val="0"/>
+        </c:title>
         <c:majorTickMark val="none"/>
         <c:minorTickMark val="none"/>
         <c:tickLblPos val="nextTo"/>
-        <c:crossAx val="41564032"/>
+        <c:crossAx val="109091072"/>
         <c:crosses val="autoZero"/>
       </c:serAx>
     </c:plotArea>
@@ -986,23 +1094,71 @@
         </c:dLbls>
         <c:gapWidth val="150"/>
         <c:shape val="box"/>
-        <c:axId val="78466048"/>
-        <c:axId val="78578816"/>
-        <c:axId val="77756160"/>
+        <c:axId val="109136128"/>
+        <c:axId val="113875968"/>
+        <c:axId val="85469824"/>
       </c:bar3DChart>
       <c:catAx>
-        <c:axId val="78466048"/>
+        <c:axId val="109136128"/>
         <c:scaling>
           <c:orientation val="minMax"/>
         </c:scaling>
         <c:delete val="0"/>
         <c:axPos val="b"/>
         <c:majorGridlines/>
+        <c:title>
+          <c:tx>
+            <c:rich>
+              <a:bodyPr/>
+              <a:lstStyle/>
+              <a:p>
+                <a:pPr>
+                  <a:defRPr/>
+                </a:pPr>
+                <a:r>
+                  <a:rPr lang="en-US" sz="1400" b="1" i="0" baseline="0">
+                    <a:effectLst/>
+                  </a:rPr>
+                  <a:t>max/min </a:t>
+                </a:r>
+                <a:r>
+                  <a:rPr lang="ru-RU" sz="1400" b="1" i="0" baseline="0">
+                    <a:effectLst/>
+                  </a:rPr>
+                  <a:t>времени</a:t>
+                </a:r>
+                <a:br>
+                  <a:rPr lang="ru-RU" sz="1400" b="1" i="0" baseline="0">
+                    <a:effectLst/>
+                  </a:rPr>
+                </a:br>
+                <a:r>
+                  <a:rPr lang="ru-RU" sz="1400" b="1" i="0" baseline="0">
+                    <a:effectLst/>
+                  </a:rPr>
+                  <a:t>переналадки</a:t>
+                </a:r>
+                <a:endParaRPr lang="uk-UA" sz="1400">
+                  <a:effectLst/>
+                </a:endParaRPr>
+              </a:p>
+            </c:rich>
+          </c:tx>
+          <c:layout>
+            <c:manualLayout>
+              <c:xMode val="edge"/>
+              <c:yMode val="edge"/>
+              <c:x val="7.7648215537848397E-2"/>
+              <c:y val="0.85006189527256737"/>
+            </c:manualLayout>
+          </c:layout>
+          <c:overlay val="0"/>
+        </c:title>
         <c:numFmt formatCode="General" sourceLinked="1"/>
         <c:majorTickMark val="none"/>
         <c:minorTickMark val="none"/>
         <c:tickLblPos val="nextTo"/>
-        <c:crossAx val="78578816"/>
+        <c:crossAx val="113875968"/>
         <c:crosses val="autoZero"/>
         <c:auto val="1"/>
         <c:lblAlgn val="ctr"/>
@@ -1010,33 +1166,159 @@
         <c:noMultiLvlLbl val="0"/>
       </c:catAx>
       <c:valAx>
-        <c:axId val="78578816"/>
+        <c:axId val="113875968"/>
         <c:scaling>
           <c:orientation val="minMax"/>
         </c:scaling>
         <c:delete val="0"/>
         <c:axPos val="l"/>
         <c:majorGridlines/>
+        <c:title>
+          <c:tx>
+            <c:rich>
+              <a:bodyPr rot="0" vert="horz"/>
+              <a:lstStyle/>
+              <a:p>
+                <a:pPr>
+                  <a:defRPr/>
+                </a:pPr>
+                <a:r>
+                  <a:rPr lang="uk-UA" sz="1400" b="1" i="0" baseline="0" dirty="0" err="1" smtClean="0">
+                    <a:effectLst/>
+                  </a:rPr>
+                  <a:t>Количество</a:t>
+                </a:r>
+                <a:r>
+                  <a:rPr lang="uk-UA" sz="1400" b="1" i="0" baseline="0" dirty="0" smtClean="0">
+                    <a:effectLst/>
+                  </a:rPr>
+                  <a:t/>
+                </a:r>
+                <a:br>
+                  <a:rPr lang="uk-UA" sz="1400" b="1" i="0" baseline="0" dirty="0" smtClean="0">
+                    <a:effectLst/>
+                  </a:rPr>
+                </a:br>
+                <a:r>
+                  <a:rPr lang="uk-UA" sz="1400" b="1" i="0" baseline="0" dirty="0" err="1" smtClean="0">
+                    <a:effectLst/>
+                  </a:rPr>
+                  <a:t>обработан-</a:t>
+                </a:r>
+                <a:r>
+                  <a:rPr lang="uk-UA" sz="1400" b="1" i="0" baseline="0" dirty="0">
+                    <a:effectLst/>
+                  </a:rPr>
+                  <a:t/>
+                </a:r>
+                <a:br>
+                  <a:rPr lang="uk-UA" sz="1400" b="1" i="0" baseline="0" dirty="0">
+                    <a:effectLst/>
+                  </a:rPr>
+                </a:br>
+                <a:r>
+                  <a:rPr lang="uk-UA" sz="1400" b="1" i="0" baseline="0" dirty="0" err="1">
+                    <a:effectLst/>
+                  </a:rPr>
+                  <a:t>ных</a:t>
+                </a:r>
+                <a:r>
+                  <a:rPr lang="uk-UA" sz="1400" b="1" i="0" baseline="0" dirty="0">
+                    <a:effectLst/>
+                  </a:rPr>
+                  <a:t> </a:t>
+                </a:r>
+                <a:r>
+                  <a:rPr lang="uk-UA" sz="1400" b="1" i="0" baseline="0" dirty="0" err="1">
+                    <a:effectLst/>
+                  </a:rPr>
+                  <a:t>партий</a:t>
+                </a:r>
+                <a:r>
+                  <a:rPr lang="uk-UA" sz="1400" b="1" i="0" baseline="0" dirty="0">
+                    <a:effectLst/>
+                  </a:rPr>
+                  <a:t> </a:t>
+                </a:r>
+                <a:endParaRPr lang="uk-UA" sz="1400" dirty="0">
+                  <a:effectLst/>
+                </a:endParaRPr>
+              </a:p>
+            </c:rich>
+          </c:tx>
+          <c:layout>
+            <c:manualLayout>
+              <c:xMode val="edge"/>
+              <c:yMode val="edge"/>
+              <c:x val="8.2878192725372876E-2"/>
+              <c:y val="0.12632031528272206"/>
+            </c:manualLayout>
+          </c:layout>
+          <c:overlay val="0"/>
+        </c:title>
         <c:numFmt formatCode="General" sourceLinked="1"/>
         <c:majorTickMark val="none"/>
         <c:minorTickMark val="none"/>
         <c:tickLblPos val="nextTo"/>
-        <c:crossAx val="78466048"/>
+        <c:crossAx val="109136128"/>
         <c:crosses val="autoZero"/>
         <c:crossBetween val="between"/>
       </c:valAx>
       <c:serAx>
-        <c:axId val="77756160"/>
+        <c:axId val="85469824"/>
         <c:scaling>
           <c:orientation val="minMax"/>
         </c:scaling>
         <c:delete val="0"/>
         <c:axPos val="b"/>
         <c:majorGridlines/>
+        <c:title>
+          <c:tx>
+            <c:rich>
+              <a:bodyPr rot="0" vert="horz"/>
+              <a:lstStyle/>
+              <a:p>
+                <a:pPr>
+                  <a:defRPr sz="800"/>
+                </a:pPr>
+                <a:r>
+                  <a:rPr lang="en-US" sz="1400" b="1" i="0" baseline="0" dirty="0">
+                    <a:effectLst/>
+                  </a:rPr>
+                  <a:t>max/min </a:t>
+                </a:r>
+                <a:r>
+                  <a:rPr lang="ru-RU" sz="1400" b="1" i="0" baseline="0" dirty="0">
+                    <a:effectLst/>
+                  </a:rPr>
+                  <a:t>времени </a:t>
+                </a:r>
+                <a:r>
+                  <a:rPr lang="ru-RU" sz="1400" b="1" i="0" baseline="0" dirty="0" smtClean="0">
+                    <a:effectLst/>
+                  </a:rPr>
+                  <a:t>обработки</a:t>
+                </a:r>
+                <a:endParaRPr lang="uk-UA" sz="800" dirty="0">
+                  <a:effectLst/>
+                </a:endParaRPr>
+              </a:p>
+            </c:rich>
+          </c:tx>
+          <c:layout>
+            <c:manualLayout>
+              <c:xMode val="edge"/>
+              <c:yMode val="edge"/>
+              <c:x val="0.73270963655404442"/>
+              <c:y val="0.80217937947441975"/>
+            </c:manualLayout>
+          </c:layout>
+          <c:overlay val="0"/>
+        </c:title>
         <c:majorTickMark val="none"/>
         <c:minorTickMark val="none"/>
         <c:tickLblPos val="nextTo"/>
-        <c:crossAx val="78578816"/>
+        <c:crossAx val="113875968"/>
         <c:crosses val="autoZero"/>
       </c:serAx>
     </c:plotArea>
@@ -8660,7 +8942,7 @@
           <a:bodyPr wrap="none" anchor="ctr"/>
           <a:lstStyle/>
           <a:p>
-            <a:endParaRPr lang="ru-RU" altLang="ru-RU" smtClean="0"/>
+            <a:endParaRPr lang="ru-RU" altLang="ru-RU" dirty="0" smtClean="0"/>
           </a:p>
         </p:txBody>
       </p:sp>
@@ -12467,12 +12749,20 @@
               <a:buNone/>
             </a:pPr>
             <a:r>
-              <a:rPr lang="ru-RU" altLang="ru-RU" sz="3600">
+              <a:rPr lang="ru-RU" altLang="ru-RU" sz="3600" dirty="0">
                 <a:solidFill>
                   <a:srgbClr val="000000"/>
                 </a:solidFill>
               </a:rPr>
-              <a:t>Тема выпускной квалификационной работы:</a:t>
+              <a:t>Тема выпускной квалификационной работы</a:t>
+            </a:r>
+            <a:r>
+              <a:rPr lang="ru-RU" altLang="ru-RU" sz="3600" dirty="0" smtClean="0">
+                <a:solidFill>
+                  <a:srgbClr val="000000"/>
+                </a:solidFill>
+              </a:rPr>
+              <a:t>:</a:t>
             </a:r>
           </a:p>
           <a:p>
@@ -12487,13 +12777,124 @@
               <a:buFont typeface="Times New Roman" pitchFamily="18" charset="0"/>
               <a:buNone/>
             </a:pPr>
-            <a:r>
-              <a:rPr lang="ru-RU" altLang="ru-RU" sz="2800">
+            <a:endParaRPr lang="ru-RU" altLang="ru-RU" sz="3600" dirty="0">
+              <a:solidFill>
+                <a:srgbClr val="000000"/>
+              </a:solidFill>
+            </a:endParaRPr>
+          </a:p>
+          <a:p>
+            <a:pPr algn="ctr" eaLnBrk="1">
+              <a:lnSpc>
+                <a:spcPct val="93000"/>
+              </a:lnSpc>
+              <a:buClr>
+                <a:srgbClr val="000000"/>
+              </a:buClr>
+              <a:buSzPct val="100000"/>
+              <a:buFont typeface="Times New Roman" pitchFamily="18" charset="0"/>
+              <a:buNone/>
+            </a:pPr>
+            <a:r>
+              <a:rPr lang="ru-RU" altLang="ru-RU" sz="3200" dirty="0">
                 <a:solidFill>
                   <a:srgbClr val="000000"/>
                 </a:solidFill>
               </a:rPr>
-              <a:t>«Методы построения расписаний обработки партий данных в конвейерной системе. Подсистема формирования составов партий и расписаний их обработки»</a:t>
+              <a:t>«Методы построения расписаний обработки </a:t>
+            </a:r>
+            <a:r>
+              <a:rPr lang="ru-RU" altLang="ru-RU" sz="3200" dirty="0" smtClean="0">
+                <a:solidFill>
+                  <a:srgbClr val="000000"/>
+                </a:solidFill>
+              </a:rPr>
+              <a:t/>
+            </a:r>
+            <a:br>
+              <a:rPr lang="ru-RU" altLang="ru-RU" sz="3200" dirty="0" smtClean="0">
+                <a:solidFill>
+                  <a:srgbClr val="000000"/>
+                </a:solidFill>
+              </a:rPr>
+            </a:br>
+            <a:r>
+              <a:rPr lang="ru-RU" altLang="ru-RU" sz="3200" dirty="0" smtClean="0">
+                <a:solidFill>
+                  <a:srgbClr val="000000"/>
+                </a:solidFill>
+              </a:rPr>
+              <a:t>партий </a:t>
+            </a:r>
+            <a:r>
+              <a:rPr lang="ru-RU" altLang="ru-RU" sz="3200" dirty="0">
+                <a:solidFill>
+                  <a:srgbClr val="000000"/>
+                </a:solidFill>
+              </a:rPr>
+              <a:t>данных в конвейерной системе. </a:t>
+            </a:r>
+            <a:r>
+              <a:rPr lang="ru-RU" altLang="ru-RU" sz="3200" dirty="0" smtClean="0">
+                <a:solidFill>
+                  <a:srgbClr val="000000"/>
+                </a:solidFill>
+              </a:rPr>
+              <a:t/>
+            </a:r>
+            <a:br>
+              <a:rPr lang="ru-RU" altLang="ru-RU" sz="3200" dirty="0" smtClean="0">
+                <a:solidFill>
+                  <a:srgbClr val="000000"/>
+                </a:solidFill>
+              </a:rPr>
+            </a:br>
+            <a:r>
+              <a:rPr lang="ru-RU" altLang="ru-RU" sz="3200" dirty="0" smtClean="0">
+                <a:solidFill>
+                  <a:srgbClr val="000000"/>
+                </a:solidFill>
+              </a:rPr>
+              <a:t>Подсистема </a:t>
+            </a:r>
+            <a:r>
+              <a:rPr lang="ru-RU" altLang="ru-RU" sz="3200" dirty="0">
+                <a:solidFill>
+                  <a:srgbClr val="000000"/>
+                </a:solidFill>
+              </a:rPr>
+              <a:t>формирования составов партий </a:t>
+            </a:r>
+            <a:r>
+              <a:rPr lang="ru-RU" altLang="ru-RU" sz="3200" dirty="0" smtClean="0">
+                <a:solidFill>
+                  <a:srgbClr val="000000"/>
+                </a:solidFill>
+              </a:rPr>
+              <a:t/>
+            </a:r>
+            <a:br>
+              <a:rPr lang="ru-RU" altLang="ru-RU" sz="3200" dirty="0" smtClean="0">
+                <a:solidFill>
+                  <a:srgbClr val="000000"/>
+                </a:solidFill>
+              </a:rPr>
+            </a:br>
+            <a:r>
+              <a:rPr lang="ru-RU" altLang="ru-RU" sz="3200" dirty="0" smtClean="0">
+                <a:solidFill>
+                  <a:srgbClr val="000000"/>
+                </a:solidFill>
+              </a:rPr>
+              <a:t>и </a:t>
+            </a:r>
+            <a:r>
+              <a:rPr lang="ru-RU" altLang="ru-RU" sz="3200" dirty="0">
+                <a:solidFill>
+                  <a:srgbClr val="000000"/>
+                </a:solidFill>
+              </a:rPr>
+              <a:t>расписаний их обработки»</a:t>
             </a:r>
           </a:p>
         </p:txBody>
@@ -12553,6 +12954,573 @@
       </p:grpSpPr>
       <p:sp>
         <p:nvSpPr>
+          <p:cNvPr id="10242" name="Заголовок 1"/>
+          <p:cNvSpPr>
+            <a:spLocks noGrp="1"/>
+          </p:cNvSpPr>
+          <p:nvPr>
+            <p:ph type="title"/>
+          </p:nvPr>
+        </p:nvSpPr>
+        <p:spPr/>
+        <p:txBody>
+          <a:bodyPr/>
+          <a:lstStyle/>
+          <a:p>
+            <a:r>
+              <a:rPr lang="ru-RU" smtClean="0"/>
+              <a:t>Первый уровень</a:t>
+            </a:r>
+          </a:p>
+        </p:txBody>
+      </p:sp>
+      <p:sp>
+        <p:nvSpPr>
+          <p:cNvPr id="10243" name="Объект 2"/>
+          <p:cNvSpPr>
+            <a:spLocks noGrp="1"/>
+          </p:cNvSpPr>
+          <p:nvPr>
+            <p:ph idx="1"/>
+          </p:nvPr>
+        </p:nvSpPr>
+        <p:spPr/>
+        <p:txBody>
+          <a:bodyPr/>
+          <a:lstStyle/>
+          <a:p>
+            <a:pPr marL="455613" indent="-455613"/>
+            <a:r>
+              <a:rPr lang="ru-RU" dirty="0" smtClean="0"/>
+              <a:t>Формируемое решение: </a:t>
+            </a:r>
+            <a:r>
+              <a:rPr lang="ru-RU" i="1" dirty="0" smtClean="0"/>
+              <a:t>[М, А],</a:t>
+            </a:r>
+          </a:p>
+          <a:p>
+            <a:pPr marL="455613" indent="-455613"/>
+            <a:r>
+              <a:rPr lang="ru-RU" dirty="0" smtClean="0"/>
+              <a:t>Общий вид критерия: </a:t>
+            </a:r>
+          </a:p>
+          <a:p>
+            <a:pPr marL="455613" indent="-455613"/>
+            <a:endParaRPr lang="ru-RU" dirty="0" smtClean="0"/>
+          </a:p>
+          <a:p>
+            <a:pPr marL="455613" indent="-455613"/>
+            <a:r>
+              <a:rPr lang="ru-RU" dirty="0" smtClean="0"/>
+              <a:t>Конкретизация критерия:</a:t>
+            </a:r>
+            <a:br>
+              <a:rPr lang="ru-RU" dirty="0" smtClean="0"/>
+            </a:br>
+            <a:r>
+              <a:rPr lang="ru-RU" dirty="0" smtClean="0"/>
+              <a:t>			</a:t>
+            </a:r>
+            <a:br>
+              <a:rPr lang="ru-RU" dirty="0" smtClean="0"/>
+            </a:br>
+            <a:r>
+              <a:rPr lang="en-US" dirty="0" smtClean="0"/>
+              <a:t>							</a:t>
+            </a:r>
+            <a:r>
+              <a:rPr lang="ru-RU" dirty="0" smtClean="0"/>
+              <a:t> </a:t>
+            </a:r>
+            <a:r>
+              <a:rPr lang="ru-RU" i="1" dirty="0" smtClean="0"/>
+              <a:t>→ </a:t>
+            </a:r>
+            <a:r>
+              <a:rPr lang="en-US" i="1" dirty="0" smtClean="0">
+                <a:latin typeface="Times New Roman" pitchFamily="18" charset="0"/>
+                <a:cs typeface="Times New Roman" pitchFamily="18" charset="0"/>
+              </a:rPr>
+              <a:t>min</a:t>
+            </a:r>
+            <a:r>
+              <a:rPr lang="en-US" i="1" dirty="0" smtClean="0"/>
+              <a:t>.</a:t>
+            </a:r>
+            <a:endParaRPr lang="ru-RU" dirty="0" smtClean="0"/>
+          </a:p>
+        </p:txBody>
+      </p:sp>
+      <p:graphicFrame>
+        <p:nvGraphicFramePr>
+          <p:cNvPr id="10244" name="Объект 3"/>
+          <p:cNvGraphicFramePr>
+            <a:graphicFrameLocks noChangeAspect="1"/>
+          </p:cNvGraphicFramePr>
+          <p:nvPr/>
+        </p:nvGraphicFramePr>
+        <p:xfrm>
+          <a:off x="1511300" y="2916238"/>
+          <a:ext cx="6697663" cy="698500"/>
+        </p:xfrm>
+        <a:graphic>
+          <a:graphicData uri="http://schemas.openxmlformats.org/presentationml/2006/ole">
+            <mc:AlternateContent xmlns:mc="http://schemas.openxmlformats.org/markup-compatibility/2006">
+              <mc:Choice xmlns:v="urn:schemas-microsoft-com:vml" Requires="v">
+                <p:oleObj spid="_x0000_s10272" name="Equation" r:id="rId3" imgW="2184400" imgH="228600" progId="Equation.3">
+                  <p:embed/>
+                </p:oleObj>
+              </mc:Choice>
+              <mc:Fallback>
+                <p:oleObj name="Equation" r:id="rId3" imgW="2184400" imgH="228600" progId="Equation.3">
+                  <p:embed/>
+                  <p:pic>
+                    <p:nvPicPr>
+                      <p:cNvPr id="0" name="Объект 3"/>
+                      <p:cNvPicPr>
+                        <a:picLocks noChangeAspect="1" noChangeArrowheads="1"/>
+                      </p:cNvPicPr>
+                      <p:nvPr/>
+                    </p:nvPicPr>
+                    <p:blipFill>
+                      <a:blip r:embed="rId4">
+                        <a:extLst>
+                          <a:ext uri="{28A0092B-C50C-407E-A947-70E740481C1C}">
+                            <a14:useLocalDpi xmlns:a14="http://schemas.microsoft.com/office/drawing/2010/main" val="0"/>
+                          </a:ext>
+                        </a:extLst>
+                      </a:blip>
+                      <a:srcRect/>
+                      <a:stretch>
+                        <a:fillRect/>
+                      </a:stretch>
+                    </p:blipFill>
+                    <p:spPr bwMode="auto">
+                      <a:xfrm>
+                        <a:off x="1511300" y="2916238"/>
+                        <a:ext cx="6697663" cy="698500"/>
+                      </a:xfrm>
+                      <a:prstGeom prst="rect">
+                        <a:avLst/>
+                      </a:prstGeom>
+                      <a:solidFill>
+                        <a:srgbClr val="FFFFFF"/>
+                      </a:solidFill>
+                      <a:ln>
+                        <a:noFill/>
+                      </a:ln>
+                      <a:extLst>
+                        <a:ext uri="{91240B29-F687-4F45-9708-019B960494DF}">
+                          <a14:hiddenLine xmlns:a14="http://schemas.microsoft.com/office/drawing/2010/main" w="9525">
+                            <a:solidFill>
+                              <a:srgbClr val="000000"/>
+                            </a:solidFill>
+                            <a:miter lim="800000"/>
+                            <a:headEnd/>
+                            <a:tailEnd/>
+                          </a14:hiddenLine>
+                        </a:ext>
+                      </a:extLst>
+                    </p:spPr>
+                  </p:pic>
+                </p:oleObj>
+              </mc:Fallback>
+            </mc:AlternateContent>
+          </a:graphicData>
+        </a:graphic>
+      </p:graphicFrame>
+      <p:sp>
+        <p:nvSpPr>
+          <p:cNvPr id="10245" name="Rectangle 2"/>
+          <p:cNvSpPr>
+            <a:spLocks noChangeArrowheads="1"/>
+          </p:cNvSpPr>
+          <p:nvPr/>
+        </p:nvSpPr>
+        <p:spPr bwMode="auto">
+          <a:xfrm>
+            <a:off x="0" y="-174625"/>
+            <a:ext cx="184150" cy="349250"/>
+          </a:xfrm>
+          <a:prstGeom prst="rect">
+            <a:avLst/>
+          </a:prstGeom>
+          <a:noFill/>
+          <a:ln>
+            <a:noFill/>
+          </a:ln>
+          <a:effectLst/>
+          <a:extLst>
+            <a:ext uri="{909E8E84-426E-40DD-AFC4-6F175D3DCCD1}">
+              <a14:hiddenFill xmlns:a14="http://schemas.microsoft.com/office/drawing/2010/main">
+                <a:solidFill>
+                  <a:srgbClr val="00B8FF"/>
+                </a:solidFill>
+              </a14:hiddenFill>
+            </a:ext>
+            <a:ext uri="{91240B29-F687-4F45-9708-019B960494DF}">
+              <a14:hiddenLine xmlns:a14="http://schemas.microsoft.com/office/drawing/2010/main" w="9525">
+                <a:solidFill>
+                  <a:schemeClr val="tx1"/>
+                </a:solidFill>
+                <a:miter lim="800000"/>
+                <a:headEnd/>
+                <a:tailEnd/>
+              </a14:hiddenLine>
+            </a:ext>
+            <a:ext uri="{AF507438-7753-43E0-B8FC-AC1667EBCBE1}">
+              <a14:hiddenEffects xmlns:a14="http://schemas.microsoft.com/office/drawing/2010/main">
+                <a:effectLst>
+                  <a:outerShdw dist="35921" dir="2700000" algn="ctr" rotWithShape="0">
+                    <a:schemeClr val="bg2"/>
+                  </a:outerShdw>
+                </a:effectLst>
+              </a14:hiddenEffects>
+            </a:ext>
+          </a:extLst>
+        </p:spPr>
+        <p:txBody>
+          <a:bodyPr wrap="none" lIns="91430" tIns="45716" rIns="91430" bIns="45716" anchor="ctr">
+            <a:spAutoFit/>
+          </a:bodyPr>
+          <a:lstStyle/>
+          <a:p>
+            <a:pPr eaLnBrk="1">
+              <a:lnSpc>
+                <a:spcPct val="93000"/>
+              </a:lnSpc>
+              <a:buClr>
+                <a:srgbClr val="000000"/>
+              </a:buClr>
+              <a:buSzPct val="100000"/>
+              <a:buFont typeface="Times New Roman" pitchFamily="18" charset="0"/>
+              <a:buNone/>
+            </a:pPr>
+            <a:endParaRPr lang="ru-RU"/>
+          </a:p>
+        </p:txBody>
+      </p:sp>
+      <p:sp>
+        <p:nvSpPr>
+          <p:cNvPr id="10246" name="Rectangle 4"/>
+          <p:cNvSpPr>
+            <a:spLocks noChangeArrowheads="1"/>
+          </p:cNvSpPr>
+          <p:nvPr/>
+        </p:nvSpPr>
+        <p:spPr bwMode="auto">
+          <a:xfrm>
+            <a:off x="0" y="-174625"/>
+            <a:ext cx="184150" cy="349250"/>
+          </a:xfrm>
+          <a:prstGeom prst="rect">
+            <a:avLst/>
+          </a:prstGeom>
+          <a:noFill/>
+          <a:ln>
+            <a:noFill/>
+          </a:ln>
+          <a:effectLst/>
+          <a:extLst>
+            <a:ext uri="{909E8E84-426E-40DD-AFC4-6F175D3DCCD1}">
+              <a14:hiddenFill xmlns:a14="http://schemas.microsoft.com/office/drawing/2010/main">
+                <a:solidFill>
+                  <a:srgbClr val="00B8FF"/>
+                </a:solidFill>
+              </a14:hiddenFill>
+            </a:ext>
+            <a:ext uri="{91240B29-F687-4F45-9708-019B960494DF}">
+              <a14:hiddenLine xmlns:a14="http://schemas.microsoft.com/office/drawing/2010/main" w="9525">
+                <a:solidFill>
+                  <a:schemeClr val="tx1"/>
+                </a:solidFill>
+                <a:miter lim="800000"/>
+                <a:headEnd/>
+                <a:tailEnd/>
+              </a14:hiddenLine>
+            </a:ext>
+            <a:ext uri="{AF507438-7753-43E0-B8FC-AC1667EBCBE1}">
+              <a14:hiddenEffects xmlns:a14="http://schemas.microsoft.com/office/drawing/2010/main">
+                <a:effectLst>
+                  <a:outerShdw dist="35921" dir="2700000" algn="ctr" rotWithShape="0">
+                    <a:schemeClr val="bg2"/>
+                  </a:outerShdw>
+                </a:effectLst>
+              </a14:hiddenEffects>
+            </a:ext>
+          </a:extLst>
+        </p:spPr>
+        <p:txBody>
+          <a:bodyPr wrap="none" lIns="91430" tIns="45716" rIns="91430" bIns="45716" anchor="ctr">
+            <a:spAutoFit/>
+          </a:bodyPr>
+          <a:lstStyle/>
+          <a:p>
+            <a:pPr eaLnBrk="1">
+              <a:lnSpc>
+                <a:spcPct val="93000"/>
+              </a:lnSpc>
+              <a:buClr>
+                <a:srgbClr val="000000"/>
+              </a:buClr>
+              <a:buSzPct val="100000"/>
+              <a:buFont typeface="Times New Roman" pitchFamily="18" charset="0"/>
+              <a:buNone/>
+            </a:pPr>
+            <a:endParaRPr lang="ru-RU"/>
+          </a:p>
+        </p:txBody>
+      </p:sp>
+      <p:sp>
+        <p:nvSpPr>
+          <p:cNvPr id="10247" name="Rectangle 6"/>
+          <p:cNvSpPr>
+            <a:spLocks noChangeArrowheads="1"/>
+          </p:cNvSpPr>
+          <p:nvPr/>
+        </p:nvSpPr>
+        <p:spPr bwMode="auto">
+          <a:xfrm>
+            <a:off x="0" y="-174625"/>
+            <a:ext cx="184150" cy="349250"/>
+          </a:xfrm>
+          <a:prstGeom prst="rect">
+            <a:avLst/>
+          </a:prstGeom>
+          <a:noFill/>
+          <a:ln>
+            <a:noFill/>
+          </a:ln>
+          <a:effectLst/>
+          <a:extLst>
+            <a:ext uri="{909E8E84-426E-40DD-AFC4-6F175D3DCCD1}">
+              <a14:hiddenFill xmlns:a14="http://schemas.microsoft.com/office/drawing/2010/main">
+                <a:solidFill>
+                  <a:srgbClr val="00B8FF"/>
+                </a:solidFill>
+              </a14:hiddenFill>
+            </a:ext>
+            <a:ext uri="{91240B29-F687-4F45-9708-019B960494DF}">
+              <a14:hiddenLine xmlns:a14="http://schemas.microsoft.com/office/drawing/2010/main" w="9525">
+                <a:solidFill>
+                  <a:schemeClr val="tx1"/>
+                </a:solidFill>
+                <a:miter lim="800000"/>
+                <a:headEnd/>
+                <a:tailEnd/>
+              </a14:hiddenLine>
+            </a:ext>
+            <a:ext uri="{AF507438-7753-43E0-B8FC-AC1667EBCBE1}">
+              <a14:hiddenEffects xmlns:a14="http://schemas.microsoft.com/office/drawing/2010/main">
+                <a:effectLst>
+                  <a:outerShdw dist="35921" dir="2700000" algn="ctr" rotWithShape="0">
+                    <a:schemeClr val="bg2"/>
+                  </a:outerShdw>
+                </a:effectLst>
+              </a14:hiddenEffects>
+            </a:ext>
+          </a:extLst>
+        </p:spPr>
+        <p:txBody>
+          <a:bodyPr wrap="none" lIns="91430" tIns="45716" rIns="91430" bIns="45716" anchor="ctr">
+            <a:spAutoFit/>
+          </a:bodyPr>
+          <a:lstStyle/>
+          <a:p>
+            <a:pPr eaLnBrk="1">
+              <a:lnSpc>
+                <a:spcPct val="93000"/>
+              </a:lnSpc>
+              <a:buClr>
+                <a:srgbClr val="000000"/>
+              </a:buClr>
+              <a:buSzPct val="100000"/>
+              <a:buFont typeface="Times New Roman" pitchFamily="18" charset="0"/>
+              <a:buNone/>
+            </a:pPr>
+            <a:endParaRPr lang="ru-RU"/>
+          </a:p>
+        </p:txBody>
+      </p:sp>
+      <p:sp>
+        <p:nvSpPr>
+          <p:cNvPr id="10248" name="Rectangle 10"/>
+          <p:cNvSpPr>
+            <a:spLocks noChangeArrowheads="1"/>
+          </p:cNvSpPr>
+          <p:nvPr/>
+        </p:nvSpPr>
+        <p:spPr bwMode="auto">
+          <a:xfrm>
+            <a:off x="0" y="-184150"/>
+            <a:ext cx="184150" cy="368300"/>
+          </a:xfrm>
+          <a:prstGeom prst="rect">
+            <a:avLst/>
+          </a:prstGeom>
+          <a:noFill/>
+          <a:ln>
+            <a:noFill/>
+          </a:ln>
+          <a:effectLst/>
+          <a:extLst>
+            <a:ext uri="{909E8E84-426E-40DD-AFC4-6F175D3DCCD1}">
+              <a14:hiddenFill xmlns:a14="http://schemas.microsoft.com/office/drawing/2010/main">
+                <a:solidFill>
+                  <a:srgbClr val="00B8FF"/>
+                </a:solidFill>
+              </a14:hiddenFill>
+            </a:ext>
+            <a:ext uri="{91240B29-F687-4F45-9708-019B960494DF}">
+              <a14:hiddenLine xmlns:a14="http://schemas.microsoft.com/office/drawing/2010/main" w="9525">
+                <a:solidFill>
+                  <a:schemeClr val="tx1"/>
+                </a:solidFill>
+                <a:miter lim="800000"/>
+                <a:headEnd/>
+                <a:tailEnd/>
+              </a14:hiddenLine>
+            </a:ext>
+            <a:ext uri="{AF507438-7753-43E0-B8FC-AC1667EBCBE1}">
+              <a14:hiddenEffects xmlns:a14="http://schemas.microsoft.com/office/drawing/2010/main">
+                <a:effectLst>
+                  <a:outerShdw dist="35921" dir="2700000" algn="ctr" rotWithShape="0">
+                    <a:schemeClr val="bg2"/>
+                  </a:outerShdw>
+                </a:effectLst>
+              </a14:hiddenEffects>
+            </a:ext>
+          </a:extLst>
+        </p:spPr>
+        <p:txBody>
+          <a:bodyPr wrap="none" lIns="91430" tIns="45716" rIns="91430" bIns="45716" anchor="ctr">
+            <a:spAutoFit/>
+          </a:bodyPr>
+          <a:lstStyle/>
+          <a:p>
+            <a:endParaRPr lang="uk-UA"/>
+          </a:p>
+        </p:txBody>
+      </p:sp>
+      <p:graphicFrame>
+        <p:nvGraphicFramePr>
+          <p:cNvPr id="10249" name="Объект 2"/>
+          <p:cNvGraphicFramePr>
+            <a:graphicFrameLocks noChangeAspect="1"/>
+          </p:cNvGraphicFramePr>
+          <p:nvPr/>
+        </p:nvGraphicFramePr>
+        <p:xfrm>
+          <a:off x="1584325" y="4211638"/>
+          <a:ext cx="5360988" cy="1296987"/>
+        </p:xfrm>
+        <a:graphic>
+          <a:graphicData uri="http://schemas.openxmlformats.org/presentationml/2006/ole">
+            <mc:AlternateContent xmlns:mc="http://schemas.openxmlformats.org/markup-compatibility/2006">
+              <mc:Choice xmlns:v="urn:schemas-microsoft-com:vml" Requires="v">
+                <p:oleObj spid="_x0000_s10273" name="Формула" r:id="rId5" imgW="1739900" imgH="419100" progId="Equation.3">
+                  <p:embed/>
+                </p:oleObj>
+              </mc:Choice>
+              <mc:Fallback>
+                <p:oleObj name="Формула" r:id="rId5" imgW="1739900" imgH="419100" progId="Equation.3">
+                  <p:embed/>
+                  <p:pic>
+                    <p:nvPicPr>
+                      <p:cNvPr id="0" name="Объект 2"/>
+                      <p:cNvPicPr>
+                        <a:picLocks noChangeAspect="1" noChangeArrowheads="1"/>
+                      </p:cNvPicPr>
+                      <p:nvPr/>
+                    </p:nvPicPr>
+                    <p:blipFill>
+                      <a:blip r:embed="rId6">
+                        <a:extLst>
+                          <a:ext uri="{28A0092B-C50C-407E-A947-70E740481C1C}">
+                            <a14:useLocalDpi xmlns:a14="http://schemas.microsoft.com/office/drawing/2010/main" val="0"/>
+                          </a:ext>
+                        </a:extLst>
+                      </a:blip>
+                      <a:srcRect/>
+                      <a:stretch>
+                        <a:fillRect/>
+                      </a:stretch>
+                    </p:blipFill>
+                    <p:spPr bwMode="auto">
+                      <a:xfrm>
+                        <a:off x="1584325" y="4211638"/>
+                        <a:ext cx="5360988" cy="1296987"/>
+                      </a:xfrm>
+                      <a:prstGeom prst="rect">
+                        <a:avLst/>
+                      </a:prstGeom>
+                      <a:noFill/>
+                      <a:ln>
+                        <a:noFill/>
+                      </a:ln>
+                      <a:extLst>
+                        <a:ext uri="{909E8E84-426E-40DD-AFC4-6F175D3DCCD1}">
+                          <a14:hiddenFill xmlns:a14="http://schemas.microsoft.com/office/drawing/2010/main">
+                            <a:solidFill>
+                              <a:srgbClr val="FFFFFF"/>
+                            </a:solidFill>
+                          </a14:hiddenFill>
+                        </a:ext>
+                        <a:ext uri="{91240B29-F687-4F45-9708-019B960494DF}">
+                          <a14:hiddenLine xmlns:a14="http://schemas.microsoft.com/office/drawing/2010/main" w="9525">
+                            <a:solidFill>
+                              <a:srgbClr val="000000"/>
+                            </a:solidFill>
+                            <a:miter lim="800000"/>
+                            <a:headEnd/>
+                            <a:tailEnd/>
+                          </a14:hiddenLine>
+                        </a:ext>
+                      </a:extLst>
+                    </p:spPr>
+                  </p:pic>
+                </p:oleObj>
+              </mc:Fallback>
+            </mc:AlternateContent>
+          </a:graphicData>
+        </a:graphic>
+      </p:graphicFrame>
+    </p:spTree>
+  </p:cSld>
+  <p:clrMapOvr>
+    <a:masterClrMapping/>
+  </p:clrMapOvr>
+  <p:timing>
+    <p:tnLst>
+      <p:par>
+        <p:cTn id="1" dur="indefinite" restart="never" nodeType="tmRoot"/>
+      </p:par>
+    </p:tnLst>
+  </p:timing>
+</p:sld>
+</file>
+
+<file path=ppt/slides/slide11.xml><?xml version="1.0" encoding="utf-8"?>
+<p:sld xmlns:a="http://schemas.openxmlformats.org/drawingml/2006/main" xmlns:r="http://schemas.openxmlformats.org/officeDocument/2006/relationships" xmlns:p="http://schemas.openxmlformats.org/presentationml/2006/main">
+  <p:cSld>
+    <p:spTree>
+      <p:nvGrpSpPr>
+        <p:cNvPr id="1" name=""/>
+        <p:cNvGrpSpPr/>
+        <p:nvPr/>
+      </p:nvGrpSpPr>
+      <p:grpSpPr>
+        <a:xfrm>
+          <a:off x="0" y="0"/>
+          <a:ext cx="0" cy="0"/>
+          <a:chOff x="0" y="0"/>
+          <a:chExt cx="0" cy="0"/>
+        </a:xfrm>
+      </p:grpSpPr>
+      <p:sp>
+        <p:nvSpPr>
           <p:cNvPr id="11266" name="Заголовок 1"/>
           <p:cNvSpPr>
             <a:spLocks noGrp="1"/>
@@ -12586,7 +13554,7 @@
         <p:spPr/>
         <p:txBody>
           <a:bodyPr rtlCol="0">
-            <a:normAutofit fontScale="77500" lnSpcReduction="20000"/>
+            <a:normAutofit/>
           </a:bodyPr>
           <a:lstStyle/>
           <a:p>
@@ -12633,78 +13601,18 @@
               </a:spcAft>
               <a:defRPr/>
             </a:pPr>
-            <a:endParaRPr lang="ru-RU" dirty="0" smtClean="0"/>
-          </a:p>
-          <a:p>
-            <a:pPr marL="457152" indent="-457152" defTabSz="1007838" fontAlgn="auto">
-              <a:spcAft>
-                <a:spcPts val="0"/>
-              </a:spcAft>
-              <a:defRPr/>
-            </a:pPr>
-            <a:endParaRPr lang="ru-RU" dirty="0" smtClean="0"/>
-          </a:p>
-          <a:p>
-            <a:pPr marL="457152" indent="-457152" defTabSz="1007838" fontAlgn="auto">
-              <a:spcAft>
-                <a:spcPts val="0"/>
-              </a:spcAft>
-              <a:defRPr/>
-            </a:pPr>
             <a:r>
               <a:rPr lang="ru-RU" dirty="0" smtClean="0"/>
-              <a:t>Конкретизация критерия:</a:t>
-            </a:r>
-            <a:br>
+              <a:t>Конкретизация </a:t>
+            </a:r>
+            <a:r>
               <a:rPr lang="ru-RU" dirty="0" smtClean="0"/>
-            </a:br>
+              <a:t>критерия</a:t>
+            </a:r>
             <a:r>
               <a:rPr lang="ru-RU" dirty="0" smtClean="0"/>
-              <a:t>			</a:t>
-            </a:r>
-            <a:br>
-              <a:rPr lang="ru-RU" dirty="0" smtClean="0"/>
-            </a:br>
-            <a:r>
-              <a:rPr lang="ru-RU" dirty="0" smtClean="0"/>
-              <a:t> 				 											</a:t>
-            </a:r>
-          </a:p>
-          <a:p>
-            <a:pPr marL="0" indent="0" defTabSz="1007838" fontAlgn="auto">
-              <a:spcAft>
-                <a:spcPts val="0"/>
-              </a:spcAft>
-              <a:buFont typeface="Arial" pitchFamily="34" charset="0"/>
-              <a:buNone/>
-              <a:defRPr/>
-            </a:pPr>
-            <a:r>
-              <a:rPr lang="ru-RU" i="1" dirty="0"/>
-              <a:t>	</a:t>
-            </a:r>
-            <a:r>
-              <a:rPr lang="ru-RU" i="1" dirty="0" smtClean="0"/>
-              <a:t>														       → </a:t>
-            </a:r>
-            <a:r>
-              <a:rPr lang="en-US" i="1" dirty="0" smtClean="0">
-                <a:latin typeface="Times New Roman" pitchFamily="18" charset="0"/>
-                <a:cs typeface="Times New Roman" pitchFamily="18" charset="0"/>
-              </a:rPr>
-              <a:t>min</a:t>
-            </a:r>
-            <a:r>
-              <a:rPr lang="en-US" i="1" dirty="0" smtClean="0"/>
-              <a:t>.</a:t>
-            </a:r>
-            <a:r>
-              <a:rPr lang="ru-RU" dirty="0" smtClean="0"/>
-              <a:t/>
-            </a:r>
-            <a:br>
-              <a:rPr lang="ru-RU" dirty="0" smtClean="0"/>
-            </a:br>
+              <a:t>:</a:t>
+            </a:r>
             <a:r>
               <a:rPr lang="ru-RU" dirty="0" smtClean="0"/>
               <a:t>			</a:t>
@@ -13009,7 +13917,7 @@
           <a:graphicData uri="http://schemas.openxmlformats.org/presentationml/2006/ole">
             <mc:AlternateContent xmlns:mc="http://schemas.openxmlformats.org/markup-compatibility/2006">
               <mc:Choice xmlns:v="urn:schemas-microsoft-com:vml" Requires="v">
-                <p:oleObj spid="_x0000_s11290" name="Equation" r:id="rId4" imgW="3149600" imgH="228600" progId="Equation.3">
+                <p:oleObj spid="_x0000_s11298" name="Equation" r:id="rId4" imgW="3149600" imgH="228600" progId="Equation.3">
                   <p:embed/>
                 </p:oleObj>
               </mc:Choice>
@@ -13208,22 +14116,28 @@
           <p:cNvGraphicFramePr>
             <a:graphicFrameLocks noChangeAspect="1"/>
           </p:cNvGraphicFramePr>
-          <p:nvPr/>
+          <p:nvPr>
+            <p:extLst>
+              <p:ext uri="{D42A27DB-BD31-4B8C-83A1-F6EECF244321}">
+                <p14:modId xmlns:p14="http://schemas.microsoft.com/office/powerpoint/2010/main" val="1231651842"/>
+              </p:ext>
+            </p:extLst>
+          </p:nvPr>
         </p:nvGraphicFramePr>
         <p:xfrm>
-          <a:off x="1368425" y="4284663"/>
-          <a:ext cx="6761163" cy="2425700"/>
+          <a:off x="1091381" y="4161234"/>
+          <a:ext cx="8053387" cy="3074987"/>
         </p:xfrm>
         <a:graphic>
           <a:graphicData uri="http://schemas.openxmlformats.org/presentationml/2006/ole">
             <mc:AlternateContent xmlns:mc="http://schemas.openxmlformats.org/markup-compatibility/2006">
               <mc:Choice xmlns:v="urn:schemas-microsoft-com:vml" Requires="v">
-                <p:oleObj spid="_x0000_s11291" name="Формула" r:id="rId6" imgW="4051300" imgH="1473200" progId="Equation.3">
+                <p:oleObj spid="_x0000_s11299" name="Формула" r:id="rId6" imgW="4825800" imgH="1866600" progId="Equation.3">
                   <p:embed/>
                 </p:oleObj>
               </mc:Choice>
               <mc:Fallback>
-                <p:oleObj name="Формула" r:id="rId6" imgW="4051300" imgH="1473200" progId="Equation.3">
+                <p:oleObj name="Формула" r:id="rId6" imgW="4825800" imgH="1866600" progId="Equation.3">
                   <p:embed/>
                   <p:pic>
                     <p:nvPicPr>
@@ -13234,13 +14148,7 @@
                       <p:nvPr/>
                     </p:nvPicPr>
                     <p:blipFill>
-                      <a:blip r:embed="rId7">
-                        <a:extLst>
-                          <a:ext uri="{28A0092B-C50C-407E-A947-70E740481C1C}">
-                            <a14:useLocalDpi xmlns:a14="http://schemas.microsoft.com/office/drawing/2010/main" val="0"/>
-                          </a:ext>
-                        </a:extLst>
-                      </a:blip>
+                      <a:blip r:embed="rId7"/>
                       <a:srcRect/>
                       <a:stretch>
                         <a:fillRect/>
@@ -13248,8 +14156,8 @@
                     </p:blipFill>
                     <p:spPr bwMode="auto">
                       <a:xfrm>
-                        <a:off x="1368425" y="4284663"/>
-                        <a:ext cx="6761163" cy="2425700"/>
+                        <a:off x="1091381" y="4161234"/>
+                        <a:ext cx="8053387" cy="3074987"/>
                       </a:xfrm>
                       <a:prstGeom prst="rect">
                         <a:avLst/>
@@ -13285,6 +14193,55 @@
           </a:graphicData>
         </a:graphic>
       </p:graphicFrame>
+      <p:sp>
+        <p:nvSpPr>
+          <p:cNvPr id="2" name="TextBox 1"/>
+          <p:cNvSpPr txBox="1"/>
+          <p:nvPr/>
+        </p:nvSpPr>
+        <p:spPr>
+          <a:xfrm>
+            <a:off x="7488584" y="5724053"/>
+            <a:ext cx="1800200" cy="646331"/>
+          </a:xfrm>
+          <a:prstGeom prst="rect">
+            <a:avLst/>
+          </a:prstGeom>
+          <a:noFill/>
+        </p:spPr>
+        <p:txBody>
+          <a:bodyPr wrap="square" rtlCol="0">
+            <a:spAutoFit/>
+          </a:bodyPr>
+          <a:lstStyle/>
+          <a:p>
+            <a:r>
+              <a:rPr lang="en-US" sz="3600" dirty="0" smtClean="0">
+                <a:solidFill>
+                  <a:schemeClr val="tx1"/>
+                </a:solidFill>
+                <a:latin typeface="+mn-lt"/>
+              </a:rPr>
+              <a:t>→ </a:t>
+            </a:r>
+            <a:r>
+              <a:rPr lang="en-US" sz="3600" i="1" dirty="0" smtClean="0">
+                <a:solidFill>
+                  <a:schemeClr val="tx1"/>
+                </a:solidFill>
+                <a:latin typeface="+mn-lt"/>
+              </a:rPr>
+              <a:t>min</a:t>
+            </a:r>
+            <a:endParaRPr lang="uk-UA" sz="3600" i="1" dirty="0">
+              <a:solidFill>
+                <a:schemeClr val="tx1"/>
+              </a:solidFill>
+              <a:latin typeface="+mn-lt"/>
+            </a:endParaRPr>
+          </a:p>
+        </p:txBody>
+      </p:sp>
     </p:spTree>
   </p:cSld>
   <p:clrMapOvr>
@@ -13300,7 +14257,7 @@
 </p:sld>
 </file>
 
-<file path=ppt/slides/slide11.xml><?xml version="1.0" encoding="utf-8"?>
+<file path=ppt/slides/slide12.xml><?xml version="1.0" encoding="utf-8"?>
 <p:sld xmlns:a="http://schemas.openxmlformats.org/drawingml/2006/main" xmlns:r="http://schemas.openxmlformats.org/officeDocument/2006/relationships" xmlns:p="http://schemas.openxmlformats.org/presentationml/2006/main">
   <p:cSld>
     <p:spTree>
@@ -13404,44 +14361,12 @@
             <a:pPr marL="455613" indent="-455613"/>
             <a:r>
               <a:rPr lang="ru-RU" dirty="0" smtClean="0"/>
-              <a:t>Конкретизация критерия:</a:t>
-            </a:r>
-            <a:br>
+              <a:t>Конкретизация критерия</a:t>
+            </a:r>
+            <a:r>
               <a:rPr lang="ru-RU" dirty="0" smtClean="0"/>
-            </a:br>
-            <a:r>
-              <a:rPr lang="ru-RU" dirty="0" smtClean="0"/>
-              <a:t>			</a:t>
-            </a:r>
-            <a:br>
-              <a:rPr lang="ru-RU" dirty="0" smtClean="0"/>
-            </a:br>
-            <a:r>
-              <a:rPr lang="ru-RU" dirty="0" smtClean="0"/>
-              <a:t> 				 												       </a:t>
-            </a:r>
-            <a:r>
-              <a:rPr lang="ru-RU" i="1" dirty="0" smtClean="0"/>
-              <a:t>→ </a:t>
-            </a:r>
-            <a:r>
-              <a:rPr lang="en-US" i="1" dirty="0" smtClean="0">
-                <a:latin typeface="Times New Roman" pitchFamily="18" charset="0"/>
-                <a:cs typeface="Times New Roman" pitchFamily="18" charset="0"/>
-              </a:rPr>
-              <a:t>min</a:t>
-            </a:r>
-            <a:r>
-              <a:rPr lang="en-US" i="1" dirty="0" smtClean="0"/>
-              <a:t>.</a:t>
-            </a:r>
-            <a:r>
-              <a:rPr lang="ru-RU" dirty="0" smtClean="0"/>
-              <a:t/>
-            </a:r>
-            <a:br>
-              <a:rPr lang="ru-RU" dirty="0" smtClean="0"/>
-            </a:br>
+              <a:t>:</a:t>
+            </a:r>
             <a:r>
               <a:rPr lang="ru-RU" dirty="0" smtClean="0"/>
               <a:t>			</a:t>
@@ -13753,7 +14678,7 @@
           <a:graphicData uri="http://schemas.openxmlformats.org/presentationml/2006/ole">
             <mc:AlternateContent xmlns:mc="http://schemas.openxmlformats.org/markup-compatibility/2006">
               <mc:Choice xmlns:v="urn:schemas-microsoft-com:vml" Requires="v">
-                <p:oleObj spid="_x0000_s12321" name="Equation" r:id="rId3" imgW="1308100" imgH="241300" progId="Equation.3">
+                <p:oleObj spid="_x0000_s12333" name="Equation" r:id="rId3" imgW="1308100" imgH="241300" progId="Equation.3">
                   <p:embed/>
                 </p:oleObj>
               </mc:Choice>
@@ -13836,7 +14761,7 @@
           <a:graphicData uri="http://schemas.openxmlformats.org/presentationml/2006/ole">
             <mc:AlternateContent xmlns:mc="http://schemas.openxmlformats.org/markup-compatibility/2006">
               <mc:Choice xmlns:v="urn:schemas-microsoft-com:vml" Requires="v">
-                <p:oleObj spid="_x0000_s12322" name="Equation" r:id="rId5" imgW="3060700" imgH="228600" progId="Equation.3">
+                <p:oleObj spid="_x0000_s12334" name="Equation" r:id="rId5" imgW="3060700" imgH="228600" progId="Equation.3">
                   <p:embed/>
                 </p:oleObj>
               </mc:Choice>
@@ -13974,7 +14899,7 @@
           <a:graphicData uri="http://schemas.openxmlformats.org/presentationml/2006/ole">
             <mc:AlternateContent xmlns:mc="http://schemas.openxmlformats.org/markup-compatibility/2006">
               <mc:Choice xmlns:v="urn:schemas-microsoft-com:vml" Requires="v">
-                <p:oleObj spid="_x0000_s12323" name="Формула" r:id="rId7" imgW="3784600" imgH="952500" progId="Equation.3">
+                <p:oleObj spid="_x0000_s12335" name="Формула" r:id="rId7" imgW="3784600" imgH="952500" progId="Equation.3">
                   <p:embed/>
                 </p:oleObj>
               </mc:Choice>
@@ -14041,6 +14966,55 @@
           </a:graphicData>
         </a:graphic>
       </p:graphicFrame>
+      <p:sp>
+        <p:nvSpPr>
+          <p:cNvPr id="12" name="TextBox 11"/>
+          <p:cNvSpPr txBox="1"/>
+          <p:nvPr/>
+        </p:nvSpPr>
+        <p:spPr>
+          <a:xfrm>
+            <a:off x="7920632" y="5079401"/>
+            <a:ext cx="1800200" cy="646331"/>
+          </a:xfrm>
+          <a:prstGeom prst="rect">
+            <a:avLst/>
+          </a:prstGeom>
+          <a:noFill/>
+        </p:spPr>
+        <p:txBody>
+          <a:bodyPr wrap="square" rtlCol="0">
+            <a:spAutoFit/>
+          </a:bodyPr>
+          <a:lstStyle/>
+          <a:p>
+            <a:r>
+              <a:rPr lang="en-US" sz="3600" dirty="0" smtClean="0">
+                <a:solidFill>
+                  <a:schemeClr val="tx1"/>
+                </a:solidFill>
+                <a:latin typeface="+mn-lt"/>
+              </a:rPr>
+              <a:t>→ </a:t>
+            </a:r>
+            <a:r>
+              <a:rPr lang="en-US" sz="3600" i="1" dirty="0" smtClean="0">
+                <a:solidFill>
+                  <a:schemeClr val="tx1"/>
+                </a:solidFill>
+                <a:latin typeface="+mn-lt"/>
+              </a:rPr>
+              <a:t>min</a:t>
+            </a:r>
+            <a:endParaRPr lang="uk-UA" sz="3600" i="1" dirty="0">
+              <a:solidFill>
+                <a:schemeClr val="tx1"/>
+              </a:solidFill>
+              <a:latin typeface="+mn-lt"/>
+            </a:endParaRPr>
+          </a:p>
+        </p:txBody>
+      </p:sp>
     </p:spTree>
   </p:cSld>
   <p:clrMapOvr>
@@ -14056,7 +15030,7 @@
 </p:sld>
 </file>
 
-<file path=ppt/slides/slide12.xml><?xml version="1.0" encoding="utf-8"?>
+<file path=ppt/slides/slide13.xml><?xml version="1.0" encoding="utf-8"?>
 <p:sld xmlns:a="http://schemas.openxmlformats.org/drawingml/2006/main" xmlns:r="http://schemas.openxmlformats.org/officeDocument/2006/relationships" xmlns:p="http://schemas.openxmlformats.org/presentationml/2006/main">
   <p:cSld>
     <p:spTree>
@@ -14326,7 +15300,7 @@
           <a:graphicData uri="http://schemas.openxmlformats.org/presentationml/2006/ole">
             <mc:AlternateContent xmlns:mc="http://schemas.openxmlformats.org/markup-compatibility/2006">
               <mc:Choice xmlns:v="urn:schemas-microsoft-com:vml" Requires="v">
-                <p:oleObj spid="_x0000_s13327" name="Equation" r:id="rId4" imgW="1308100" imgH="241300" progId="Equation.3">
+                <p:oleObj spid="_x0000_s13331" name="Equation" r:id="rId4" imgW="1308100" imgH="241300" progId="Equation.3">
                   <p:embed/>
                 </p:oleObj>
               </mc:Choice>
@@ -14479,380 +15453,6 @@
 </p:sld>
 </file>
 
-<file path=ppt/slides/slide13.xml><?xml version="1.0" encoding="utf-8"?>
-<p:sld xmlns:a="http://schemas.openxmlformats.org/drawingml/2006/main" xmlns:r="http://schemas.openxmlformats.org/officeDocument/2006/relationships" xmlns:p="http://schemas.openxmlformats.org/presentationml/2006/main">
-  <p:cSld>
-    <p:spTree>
-      <p:nvGrpSpPr>
-        <p:cNvPr id="1" name=""/>
-        <p:cNvGrpSpPr/>
-        <p:nvPr/>
-      </p:nvGrpSpPr>
-      <p:grpSpPr>
-        <a:xfrm>
-          <a:off x="0" y="0"/>
-          <a:ext cx="0" cy="0"/>
-          <a:chOff x="0" y="0"/>
-          <a:chExt cx="0" cy="0"/>
-        </a:xfrm>
-      </p:grpSpPr>
-      <p:sp>
-        <p:nvSpPr>
-          <p:cNvPr id="14338" name="Заголовок 1"/>
-          <p:cNvSpPr>
-            <a:spLocks noGrp="1"/>
-          </p:cNvSpPr>
-          <p:nvPr>
-            <p:ph type="title"/>
-          </p:nvPr>
-        </p:nvSpPr>
-        <p:spPr/>
-        <p:txBody>
-          <a:bodyPr/>
-          <a:lstStyle/>
-          <a:p>
-            <a:r>
-              <a:rPr lang="ru-RU" smtClean="0"/>
-              <a:t>Критерии</a:t>
-            </a:r>
-          </a:p>
-        </p:txBody>
-      </p:sp>
-      <p:sp>
-        <p:nvSpPr>
-          <p:cNvPr id="14339" name="Объект 17"/>
-          <p:cNvSpPr>
-            <a:spLocks noGrp="1"/>
-          </p:cNvSpPr>
-          <p:nvPr>
-            <p:ph idx="1"/>
-          </p:nvPr>
-        </p:nvSpPr>
-        <p:spPr>
-          <a:xfrm>
-            <a:off x="471488" y="1692275"/>
-            <a:ext cx="9067800" cy="4986338"/>
-          </a:xfrm>
-        </p:spPr>
-        <p:txBody>
-          <a:bodyPr/>
-          <a:lstStyle/>
-          <a:p>
-            <a:pPr marL="512763" indent="-512763">
-              <a:buFont typeface="Times New Roman" pitchFamily="18" charset="0"/>
-              <a:buAutoNum type="arabicParenR"/>
-            </a:pPr>
-            <a:r>
-              <a:rPr lang="ru-RU" smtClean="0"/>
-              <a:t>Первый уровень:</a:t>
-            </a:r>
-          </a:p>
-          <a:p>
-            <a:pPr marL="512763" indent="-512763">
-              <a:buFont typeface="Times New Roman" pitchFamily="18" charset="0"/>
-              <a:buAutoNum type="arabicParenR"/>
-            </a:pPr>
-            <a:endParaRPr lang="ru-RU" smtClean="0"/>
-          </a:p>
-          <a:p>
-            <a:pPr marL="512763" indent="-512763">
-              <a:buFont typeface="Times New Roman" pitchFamily="18" charset="0"/>
-              <a:buAutoNum type="arabicParenR"/>
-            </a:pPr>
-            <a:r>
-              <a:rPr lang="ru-RU" smtClean="0"/>
-              <a:t>Второй уровень:</a:t>
-            </a:r>
-          </a:p>
-          <a:p>
-            <a:pPr marL="512763" indent="-512763">
-              <a:buFont typeface="Times New Roman" pitchFamily="18" charset="0"/>
-              <a:buAutoNum type="arabicParenR"/>
-            </a:pPr>
-            <a:endParaRPr lang="ru-RU" smtClean="0"/>
-          </a:p>
-          <a:p>
-            <a:pPr marL="512763" indent="-512763">
-              <a:buFont typeface="Times New Roman" pitchFamily="18" charset="0"/>
-              <a:buAutoNum type="arabicParenR"/>
-            </a:pPr>
-            <a:r>
-              <a:rPr lang="ru-RU" smtClean="0"/>
-              <a:t>Третий уровень:</a:t>
-            </a:r>
-          </a:p>
-          <a:p>
-            <a:pPr marL="512763" indent="-512763">
-              <a:buFont typeface="Times New Roman" pitchFamily="18" charset="0"/>
-              <a:buAutoNum type="arabicParenR"/>
-            </a:pPr>
-            <a:endParaRPr lang="ru-RU" smtClean="0"/>
-          </a:p>
-          <a:p>
-            <a:pPr marL="512763" indent="-512763">
-              <a:buFont typeface="Times New Roman" pitchFamily="18" charset="0"/>
-              <a:buAutoNum type="arabicParenR"/>
-            </a:pPr>
-            <a:endParaRPr lang="ru-RU" smtClean="0"/>
-          </a:p>
-          <a:p>
-            <a:pPr marL="512763" indent="-512763">
-              <a:buFont typeface="Times New Roman" pitchFamily="18" charset="0"/>
-              <a:buAutoNum type="arabicParenR"/>
-            </a:pPr>
-            <a:endParaRPr lang="ru-RU" smtClean="0"/>
-          </a:p>
-        </p:txBody>
-      </p:sp>
-      <p:graphicFrame>
-        <p:nvGraphicFramePr>
-          <p:cNvPr id="14340" name="Объект 10"/>
-          <p:cNvGraphicFramePr>
-            <a:graphicFrameLocks noChangeAspect="1"/>
-          </p:cNvGraphicFramePr>
-          <p:nvPr/>
-        </p:nvGraphicFramePr>
-        <p:xfrm>
-          <a:off x="792163" y="2217738"/>
-          <a:ext cx="6696075" cy="698500"/>
-        </p:xfrm>
-        <a:graphic>
-          <a:graphicData uri="http://schemas.openxmlformats.org/presentationml/2006/ole">
-            <mc:AlternateContent xmlns:mc="http://schemas.openxmlformats.org/markup-compatibility/2006">
-              <mc:Choice xmlns:v="urn:schemas-microsoft-com:vml" Requires="v">
-                <p:oleObj spid="_x0000_s14364" name="Equation" r:id="rId3" imgW="2184400" imgH="228600" progId="Equation.3">
-                  <p:embed/>
-                </p:oleObj>
-              </mc:Choice>
-              <mc:Fallback>
-                <p:oleObj name="Equation" r:id="rId3" imgW="2184400" imgH="228600" progId="Equation.3">
-                  <p:embed/>
-                  <p:pic>
-                    <p:nvPicPr>
-                      <p:cNvPr id="0" name="Объект 10"/>
-                      <p:cNvPicPr>
-                        <a:picLocks noChangeAspect="1" noChangeArrowheads="1"/>
-                      </p:cNvPicPr>
-                      <p:nvPr/>
-                    </p:nvPicPr>
-                    <p:blipFill>
-                      <a:blip r:embed="rId4">
-                        <a:extLst>
-                          <a:ext uri="{28A0092B-C50C-407E-A947-70E740481C1C}">
-                            <a14:useLocalDpi xmlns:a14="http://schemas.microsoft.com/office/drawing/2010/main" val="0"/>
-                          </a:ext>
-                        </a:extLst>
-                      </a:blip>
-                      <a:srcRect/>
-                      <a:stretch>
-                        <a:fillRect/>
-                      </a:stretch>
-                    </p:blipFill>
-                    <p:spPr bwMode="auto">
-                      <a:xfrm>
-                        <a:off x="792163" y="2217738"/>
-                        <a:ext cx="6696075" cy="698500"/>
-                      </a:xfrm>
-                      <a:prstGeom prst="rect">
-                        <a:avLst/>
-                      </a:prstGeom>
-                      <a:solidFill>
-                        <a:srgbClr val="FFFFFF"/>
-                      </a:solidFill>
-                      <a:ln>
-                        <a:noFill/>
-                      </a:ln>
-                      <a:extLst>
-                        <a:ext uri="{91240B29-F687-4F45-9708-019B960494DF}">
-                          <a14:hiddenLine xmlns:a14="http://schemas.microsoft.com/office/drawing/2010/main" w="9525">
-                            <a:solidFill>
-                              <a:srgbClr val="000000"/>
-                            </a:solidFill>
-                            <a:miter lim="800000"/>
-                            <a:headEnd/>
-                            <a:tailEnd/>
-                          </a14:hiddenLine>
-                        </a:ext>
-                      </a:extLst>
-                    </p:spPr>
-                  </p:pic>
-                </p:oleObj>
-              </mc:Fallback>
-            </mc:AlternateContent>
-          </a:graphicData>
-        </a:graphic>
-      </p:graphicFrame>
-      <p:graphicFrame>
-        <p:nvGraphicFramePr>
-          <p:cNvPr id="14341" name="Объект 11"/>
-          <p:cNvGraphicFramePr>
-            <a:graphicFrameLocks noChangeAspect="1"/>
-          </p:cNvGraphicFramePr>
-          <p:nvPr/>
-        </p:nvGraphicFramePr>
-        <p:xfrm>
-          <a:off x="814388" y="3470275"/>
-          <a:ext cx="8856662" cy="644525"/>
-        </p:xfrm>
-        <a:graphic>
-          <a:graphicData uri="http://schemas.openxmlformats.org/presentationml/2006/ole">
-            <mc:AlternateContent xmlns:mc="http://schemas.openxmlformats.org/markup-compatibility/2006">
-              <mc:Choice xmlns:v="urn:schemas-microsoft-com:vml" Requires="v">
-                <p:oleObj spid="_x0000_s14365" name="Equation" r:id="rId5" imgW="3149600" imgH="228600" progId="Equation.3">
-                  <p:embed/>
-                </p:oleObj>
-              </mc:Choice>
-              <mc:Fallback>
-                <p:oleObj name="Equation" r:id="rId5" imgW="3149600" imgH="228600" progId="Equation.3">
-                  <p:embed/>
-                  <p:pic>
-                    <p:nvPicPr>
-                      <p:cNvPr id="0" name="Объект 11"/>
-                      <p:cNvPicPr>
-                        <a:picLocks noChangeAspect="1" noChangeArrowheads="1"/>
-                      </p:cNvPicPr>
-                      <p:nvPr/>
-                    </p:nvPicPr>
-                    <p:blipFill>
-                      <a:blip r:embed="rId6">
-                        <a:extLst>
-                          <a:ext uri="{28A0092B-C50C-407E-A947-70E740481C1C}">
-                            <a14:useLocalDpi xmlns:a14="http://schemas.microsoft.com/office/drawing/2010/main" val="0"/>
-                          </a:ext>
-                        </a:extLst>
-                      </a:blip>
-                      <a:srcRect/>
-                      <a:stretch>
-                        <a:fillRect/>
-                      </a:stretch>
-                    </p:blipFill>
-                    <p:spPr bwMode="auto">
-                      <a:xfrm>
-                        <a:off x="814388" y="3470275"/>
-                        <a:ext cx="8856662" cy="644525"/>
-                      </a:xfrm>
-                      <a:prstGeom prst="rect">
-                        <a:avLst/>
-                      </a:prstGeom>
-                      <a:solidFill>
-                        <a:srgbClr val="FFFFFF"/>
-                      </a:solidFill>
-                      <a:ln>
-                        <a:noFill/>
-                      </a:ln>
-                      <a:extLst>
-                        <a:ext uri="{91240B29-F687-4F45-9708-019B960494DF}">
-                          <a14:hiddenLine xmlns:a14="http://schemas.microsoft.com/office/drawing/2010/main" w="9525">
-                            <a:solidFill>
-                              <a:srgbClr val="000000"/>
-                            </a:solidFill>
-                            <a:miter lim="800000"/>
-                            <a:headEnd/>
-                            <a:tailEnd/>
-                          </a14:hiddenLine>
-                        </a:ext>
-                      </a:extLst>
-                    </p:spPr>
-                  </p:pic>
-                </p:oleObj>
-              </mc:Fallback>
-            </mc:AlternateContent>
-          </a:graphicData>
-        </a:graphic>
-      </p:graphicFrame>
-      <p:graphicFrame>
-        <p:nvGraphicFramePr>
-          <p:cNvPr id="14342" name="Объект 12"/>
-          <p:cNvGraphicFramePr>
-            <a:graphicFrameLocks noChangeAspect="1"/>
-          </p:cNvGraphicFramePr>
-          <p:nvPr/>
-        </p:nvGraphicFramePr>
-        <p:xfrm>
-          <a:off x="531813" y="5035550"/>
-          <a:ext cx="9421812" cy="720725"/>
-        </p:xfrm>
-        <a:graphic>
-          <a:graphicData uri="http://schemas.openxmlformats.org/presentationml/2006/ole">
-            <mc:AlternateContent xmlns:mc="http://schemas.openxmlformats.org/markup-compatibility/2006">
-              <mc:Choice xmlns:v="urn:schemas-microsoft-com:vml" Requires="v">
-                <p:oleObj spid="_x0000_s14366" name="Equation" r:id="rId7" imgW="3060700" imgH="228600" progId="Equation.3">
-                  <p:embed/>
-                </p:oleObj>
-              </mc:Choice>
-              <mc:Fallback>
-                <p:oleObj name="Equation" r:id="rId7" imgW="3060700" imgH="228600" progId="Equation.3">
-                  <p:embed/>
-                  <p:pic>
-                    <p:nvPicPr>
-                      <p:cNvPr id="0" name="Объект 12"/>
-                      <p:cNvPicPr>
-                        <a:picLocks noChangeAspect="1" noChangeArrowheads="1"/>
-                      </p:cNvPicPr>
-                      <p:nvPr/>
-                    </p:nvPicPr>
-                    <p:blipFill>
-                      <a:blip r:embed="rId8">
-                        <a:extLst>
-                          <a:ext uri="{28A0092B-C50C-407E-A947-70E740481C1C}">
-                            <a14:useLocalDpi xmlns:a14="http://schemas.microsoft.com/office/drawing/2010/main" val="0"/>
-                          </a:ext>
-                        </a:extLst>
-                      </a:blip>
-                      <a:srcRect/>
-                      <a:stretch>
-                        <a:fillRect/>
-                      </a:stretch>
-                    </p:blipFill>
-                    <p:spPr bwMode="auto">
-                      <a:xfrm>
-                        <a:off x="531813" y="5035550"/>
-                        <a:ext cx="9421812" cy="720725"/>
-                      </a:xfrm>
-                      <a:prstGeom prst="rect">
-                        <a:avLst/>
-                      </a:prstGeom>
-                      <a:solidFill>
-                        <a:srgbClr val="FFFFFF"/>
-                      </a:solidFill>
-                      <a:ln>
-                        <a:noFill/>
-                      </a:ln>
-                      <a:extLst>
-                        <a:ext uri="{91240B29-F687-4F45-9708-019B960494DF}">
-                          <a14:hiddenLine xmlns:a14="http://schemas.microsoft.com/office/drawing/2010/main" w="9525">
-                            <a:solidFill>
-                              <a:srgbClr val="000000"/>
-                            </a:solidFill>
-                            <a:miter lim="800000"/>
-                            <a:headEnd/>
-                            <a:tailEnd/>
-                          </a14:hiddenLine>
-                        </a:ext>
-                      </a:extLst>
-                    </p:spPr>
-                  </p:pic>
-                </p:oleObj>
-              </mc:Fallback>
-            </mc:AlternateContent>
-          </a:graphicData>
-        </a:graphic>
-      </p:graphicFrame>
-    </p:spTree>
-  </p:cSld>
-  <p:clrMapOvr>
-    <a:masterClrMapping/>
-  </p:clrMapOvr>
-  <p:timing>
-    <p:tnLst>
-      <p:par>
-        <p:cTn id="1" dur="indefinite" restart="never" nodeType="tmRoot"/>
-      </p:par>
-    </p:tnLst>
-  </p:timing>
-</p:sld>
-</file>
-
 <file path=ppt/slides/slide14.xml><?xml version="1.0" encoding="utf-8"?>
 <p:sld xmlns:a="http://schemas.openxmlformats.org/drawingml/2006/main" xmlns:r="http://schemas.openxmlformats.org/officeDocument/2006/relationships" xmlns:p="http://schemas.openxmlformats.org/presentationml/2006/main">
   <p:cSld>
@@ -15183,21 +15783,21 @@
       </p:sp>
       <p:graphicFrame>
         <p:nvGraphicFramePr>
-          <p:cNvPr id="4" name="Диаграмма 3"/>
+          <p:cNvPr id="11" name="Диаграмма 10"/>
           <p:cNvGraphicFramePr>
             <a:graphicFrameLocks/>
           </p:cNvGraphicFramePr>
           <p:nvPr>
             <p:extLst>
               <p:ext uri="{D42A27DB-BD31-4B8C-83A1-F6EECF244321}">
-                <p14:modId xmlns:p14="http://schemas.microsoft.com/office/powerpoint/2010/main" val="3046299683"/>
+                <p14:modId xmlns:p14="http://schemas.microsoft.com/office/powerpoint/2010/main" val="2687231618"/>
               </p:ext>
             </p:extLst>
           </p:nvPr>
         </p:nvGraphicFramePr>
         <p:xfrm>
-          <a:off x="-720328" y="2771725"/>
-          <a:ext cx="6552728" cy="4248472"/>
+          <a:off x="4608264" y="1979637"/>
+          <a:ext cx="5966183" cy="3677002"/>
         </p:xfrm>
         <a:graphic>
           <a:graphicData uri="http://schemas.openxmlformats.org/drawingml/2006/chart">
@@ -15207,21 +15807,21 @@
       </p:graphicFrame>
       <p:graphicFrame>
         <p:nvGraphicFramePr>
-          <p:cNvPr id="5" name="Диаграмма 4"/>
+          <p:cNvPr id="12" name="Диаграмма 11"/>
           <p:cNvGraphicFramePr>
             <a:graphicFrameLocks/>
           </p:cNvGraphicFramePr>
           <p:nvPr>
             <p:extLst>
               <p:ext uri="{D42A27DB-BD31-4B8C-83A1-F6EECF244321}">
-                <p14:modId xmlns:p14="http://schemas.microsoft.com/office/powerpoint/2010/main" val="1718900923"/>
+                <p14:modId xmlns:p14="http://schemas.microsoft.com/office/powerpoint/2010/main" val="1909794548"/>
               </p:ext>
             </p:extLst>
           </p:nvPr>
         </p:nvGraphicFramePr>
         <p:xfrm>
-          <a:off x="4176216" y="2771725"/>
-          <a:ext cx="6696744" cy="4320480"/>
+          <a:off x="-432296" y="2051645"/>
+          <a:ext cx="5976664" cy="3628127"/>
         </p:xfrm>
         <a:graphic>
           <a:graphicData uri="http://schemas.openxmlformats.org/drawingml/2006/chart">
@@ -15366,13 +15966,13 @@
           <p:nvPr>
             <p:extLst>
               <p:ext uri="{D42A27DB-BD31-4B8C-83A1-F6EECF244321}">
-                <p14:modId xmlns:p14="http://schemas.microsoft.com/office/powerpoint/2010/main" val="283617817"/>
+                <p14:modId xmlns:p14="http://schemas.microsoft.com/office/powerpoint/2010/main" val="1770516116"/>
               </p:ext>
             </p:extLst>
           </p:nvPr>
         </p:nvGraphicFramePr>
         <p:xfrm>
-          <a:off x="-1008360" y="1979637"/>
+          <a:off x="3888184" y="1979637"/>
           <a:ext cx="6984776" cy="4464496"/>
         </p:xfrm>
         <a:graphic>
@@ -15390,13 +15990,13 @@
           <p:nvPr>
             <p:extLst>
               <p:ext uri="{D42A27DB-BD31-4B8C-83A1-F6EECF244321}">
-                <p14:modId xmlns:p14="http://schemas.microsoft.com/office/powerpoint/2010/main" val="909170777"/>
+                <p14:modId xmlns:p14="http://schemas.microsoft.com/office/powerpoint/2010/main" val="2730621677"/>
               </p:ext>
             </p:extLst>
           </p:nvPr>
         </p:nvGraphicFramePr>
         <p:xfrm>
-          <a:off x="3744168" y="1979637"/>
+          <a:off x="-1008360" y="2051645"/>
           <a:ext cx="7128792" cy="4320480"/>
         </p:xfrm>
         <a:graphic>
@@ -16418,15 +17018,15 @@
               </a:tabLst>
             </a:pPr>
             <a:r>
-              <a:rPr lang="ru-RU" altLang="ru-RU" sz="3200" smtClean="0"/>
+              <a:rPr lang="ru-RU" altLang="ru-RU" sz="3200" dirty="0" smtClean="0"/>
               <a:t>Обоснование модели многоуровневой иерархической</a:t>
             </a:r>
             <a:r>
-              <a:rPr lang="en-US" altLang="ru-RU" sz="3200" smtClean="0"/>
+              <a:rPr lang="en-US" altLang="ru-RU" sz="3200" dirty="0" smtClean="0"/>
               <a:t> </a:t>
             </a:r>
             <a:r>
-              <a:rPr lang="ru-RU" altLang="ru-RU" sz="3200" smtClean="0"/>
+              <a:rPr lang="ru-RU" altLang="ru-RU" sz="3200" dirty="0" smtClean="0"/>
               <a:t>игры</a:t>
             </a:r>
           </a:p>
@@ -16457,7 +17057,7 @@
               </a:tabLst>
             </a:pPr>
             <a:r>
-              <a:rPr lang="ru-RU" altLang="ru-RU" sz="3200" smtClean="0"/>
+              <a:rPr lang="ru-RU" altLang="ru-RU" sz="3200" dirty="0" smtClean="0"/>
               <a:t>Обоснование вида критериев эффективности на каждом из уровней системы </a:t>
             </a:r>
           </a:p>
@@ -16488,7 +17088,7 @@
               </a:tabLst>
             </a:pPr>
             <a:r>
-              <a:rPr lang="ru-RU" altLang="ru-RU" sz="3200" smtClean="0"/>
+              <a:rPr lang="ru-RU" altLang="ru-RU" sz="3200" dirty="0" smtClean="0"/>
               <a:t>Обоснование методов формирования составов партий данных и расписаний их обработки</a:t>
             </a:r>
           </a:p>
@@ -16519,8 +17119,16 @@
               </a:tabLst>
             </a:pPr>
             <a:r>
-              <a:rPr lang="ru-RU" altLang="ru-RU" sz="3200" smtClean="0"/>
-              <a:t>Проведение исследования по выявлению особенностей выч. процесса в конвейерных системах </a:t>
+              <a:rPr lang="ru-RU" altLang="ru-RU" sz="3200" dirty="0" smtClean="0"/>
+              <a:t>Проведение исследования по выявлению особенностей </a:t>
+            </a:r>
+            <a:r>
+              <a:rPr lang="ru-RU" altLang="ru-RU" sz="3200" dirty="0" smtClean="0"/>
+              <a:t>вычислительного </a:t>
+            </a:r>
+            <a:r>
+              <a:rPr lang="ru-RU" altLang="ru-RU" sz="3200" dirty="0" smtClean="0"/>
+              <a:t>процесса в конвейерных системах </a:t>
             </a:r>
           </a:p>
           <a:p>
@@ -16550,7 +17158,7 @@
               </a:tabLst>
             </a:pPr>
             <a:r>
-              <a:rPr lang="ru-RU" altLang="ru-RU" sz="3200" smtClean="0"/>
+              <a:rPr lang="ru-RU" altLang="ru-RU" sz="3200" dirty="0" smtClean="0"/>
               <a:t>Анализ эффективности используемых методов</a:t>
             </a:r>
           </a:p>
@@ -16655,8 +17263,23 @@
               </a:tabLst>
             </a:pPr>
             <a:r>
-              <a:rPr lang="ru-RU" altLang="ru-RU" sz="3200" smtClean="0"/>
-              <a:t>Логическая схема системы конвеерной обработки</a:t>
+              <a:rPr lang="ru-RU" altLang="ru-RU" sz="3200" dirty="0" smtClean="0"/>
+              <a:t>Логическая схема </a:t>
+            </a:r>
+            <a:r>
+              <a:rPr lang="ru-RU" altLang="ru-RU" sz="3200" dirty="0" smtClean="0"/>
+              <a:t/>
+            </a:r>
+            <a:br>
+              <a:rPr lang="ru-RU" altLang="ru-RU" sz="3200" dirty="0" smtClean="0"/>
+            </a:br>
+            <a:r>
+              <a:rPr lang="ru-RU" altLang="ru-RU" sz="3200" dirty="0" smtClean="0"/>
+              <a:t>системы конвейерной </a:t>
+            </a:r>
+            <a:r>
+              <a:rPr lang="ru-RU" altLang="ru-RU" sz="3200" dirty="0" smtClean="0"/>
+              <a:t>обработки</a:t>
             </a:r>
           </a:p>
         </p:txBody>
@@ -16854,8 +17477,8 @@
         </p:blipFill>
         <p:spPr bwMode="auto">
           <a:xfrm>
-            <a:off x="1511300" y="1547813"/>
-            <a:ext cx="7921625" cy="5543550"/>
+            <a:off x="601736" y="1542312"/>
+            <a:ext cx="8848911" cy="6192464"/>
           </a:xfrm>
           <a:prstGeom prst="rect">
             <a:avLst/>
@@ -17263,7 +17886,7 @@
             </a:endParaRPr>
           </a:p>
           <a:p>
-            <a:pPr marL="377940" indent="-377940" defTabSz="1007838" fontAlgn="auto">
+            <a:pPr marL="523875" defTabSz="1007838" fontAlgn="auto">
               <a:spcAft>
                 <a:spcPts val="0"/>
               </a:spcAft>
@@ -17285,7 +17908,7 @@
             </a:r>
           </a:p>
           <a:p>
-            <a:pPr marL="377940" indent="-377940" defTabSz="1007838" fontAlgn="auto">
+            <a:pPr marL="523875" defTabSz="1007838" fontAlgn="auto">
               <a:spcAft>
                 <a:spcPts val="0"/>
               </a:spcAft>
@@ -17313,11 +17936,16 @@
             </a:r>
             <a:r>
               <a:rPr lang="ru-RU" dirty="0" smtClean="0"/>
-              <a:t>идентификатор типа требований (         ),</a:t>
-            </a:r>
-          </a:p>
-          <a:p>
-            <a:pPr marL="377940" indent="-377940" defTabSz="1007838" fontAlgn="auto">
+              <a:t>идентификатор типа требований (         </a:t>
+            </a:r>
+            <a:r>
+              <a:rPr lang="ru-RU" dirty="0" smtClean="0"/>
+              <a:t> ),</a:t>
+            </a:r>
+            <a:endParaRPr lang="ru-RU" dirty="0" smtClean="0"/>
+          </a:p>
+          <a:p>
+            <a:pPr marL="523875" defTabSz="1007838" fontAlgn="auto">
               <a:spcAft>
                 <a:spcPts val="0"/>
               </a:spcAft>
@@ -17346,7 +17974,7 @@
             </a:r>
           </a:p>
           <a:p>
-            <a:pPr marL="377940" indent="-377940" defTabSz="1007838" fontAlgn="auto">
+            <a:pPr marL="523875" defTabSz="1007838" fontAlgn="auto">
               <a:spcAft>
                 <a:spcPts val="0"/>
               </a:spcAft>
@@ -17418,7 +18046,7 @@
             </a:r>
           </a:p>
           <a:p>
-            <a:pPr marL="377940" indent="-377940" defTabSz="1007838" fontAlgn="auto">
+            <a:pPr marL="523875" defTabSz="1007838" fontAlgn="auto">
               <a:spcAft>
                 <a:spcPts val="0"/>
               </a:spcAft>
@@ -17467,7 +18095,7 @@
             </a:r>
           </a:p>
           <a:p>
-            <a:pPr marL="377940" indent="-377940" defTabSz="1007838" fontAlgn="auto">
+            <a:pPr marL="523875" defTabSz="1007838" fontAlgn="auto">
               <a:spcAft>
                 <a:spcPts val="0"/>
               </a:spcAft>
@@ -17524,7 +18152,7 @@
             <a:endParaRPr lang="en-US" dirty="0" smtClean="0"/>
           </a:p>
           <a:p>
-            <a:pPr marL="377940" indent="-377940" defTabSz="1007838" fontAlgn="auto">
+            <a:pPr marL="523875" defTabSz="1007838" fontAlgn="auto">
               <a:spcAft>
                 <a:spcPts val="0"/>
               </a:spcAft>
@@ -17556,7 +18184,7 @@
             </a:r>
           </a:p>
           <a:p>
-            <a:pPr marL="377940" indent="-377940" defTabSz="1007838" fontAlgn="auto">
+            <a:pPr marL="523875" defTabSz="1007838" fontAlgn="auto">
               <a:spcAft>
                 <a:spcPts val="0"/>
               </a:spcAft>
@@ -17669,7 +18297,7 @@
           <a:graphicData uri="http://schemas.openxmlformats.org/presentationml/2006/ole">
             <mc:AlternateContent xmlns:mc="http://schemas.openxmlformats.org/markup-compatibility/2006">
               <mc:Choice xmlns:v="urn:schemas-microsoft-com:vml" Requires="v">
-                <p:oleObj spid="_x0000_s8256" name="Equation" r:id="rId3" imgW="432363" imgH="241615" progId="Equation.3">
+                <p:oleObj spid="_x0000_s8284" name="Equation" r:id="rId3" imgW="432363" imgH="241615" progId="Equation.3">
                   <p:embed/>
                 </p:oleObj>
               </mc:Choice>
@@ -17813,17 +18441,23 @@
           <p:cNvGraphicFramePr>
             <a:graphicFrameLocks noChangeAspect="1"/>
           </p:cNvGraphicFramePr>
-          <p:nvPr/>
+          <p:nvPr>
+            <p:extLst>
+              <p:ext uri="{D42A27DB-BD31-4B8C-83A1-F6EECF244321}">
+                <p14:modId xmlns:p14="http://schemas.microsoft.com/office/powerpoint/2010/main" val="870503641"/>
+              </p:ext>
+            </p:extLst>
+          </p:nvPr>
         </p:nvGraphicFramePr>
         <p:xfrm>
-          <a:off x="538163" y="2555875"/>
+          <a:off x="647824" y="2555701"/>
           <a:ext cx="398462" cy="504825"/>
         </p:xfrm>
         <a:graphic>
           <a:graphicData uri="http://schemas.openxmlformats.org/presentationml/2006/ole">
             <mc:AlternateContent xmlns:mc="http://schemas.openxmlformats.org/markup-compatibility/2006">
               <mc:Choice xmlns:v="urn:schemas-microsoft-com:vml" Requires="v">
-                <p:oleObj spid="_x0000_s8257" name="Equation" r:id="rId5" imgW="177646" imgH="228402" progId="Equation.3">
+                <p:oleObj spid="_x0000_s8285" name="Equation" r:id="rId5" imgW="177646" imgH="228402" progId="Equation.3">
                   <p:embed/>
                 </p:oleObj>
               </mc:Choice>
@@ -17853,7 +18487,7 @@
                     </p:blipFill>
                     <p:spPr bwMode="auto">
                       <a:xfrm>
-                        <a:off x="538163" y="2555875"/>
+                        <a:off x="647824" y="2555701"/>
                         <a:ext cx="398462" cy="504825"/>
                       </a:xfrm>
                       <a:prstGeom prst="rect">
@@ -17896,17 +18530,23 @@
           <p:cNvGraphicFramePr>
             <a:graphicFrameLocks noChangeAspect="1"/>
           </p:cNvGraphicFramePr>
-          <p:nvPr/>
+          <p:nvPr>
+            <p:extLst>
+              <p:ext uri="{D42A27DB-BD31-4B8C-83A1-F6EECF244321}">
+                <p14:modId xmlns:p14="http://schemas.microsoft.com/office/powerpoint/2010/main" val="1079227385"/>
+              </p:ext>
+            </p:extLst>
+          </p:nvPr>
         </p:nvGraphicFramePr>
         <p:xfrm>
-          <a:off x="2016125" y="3076575"/>
+          <a:off x="2159992" y="3077021"/>
           <a:ext cx="1008063" cy="558800"/>
         </p:xfrm>
         <a:graphic>
           <a:graphicData uri="http://schemas.openxmlformats.org/presentationml/2006/ole">
             <mc:AlternateContent xmlns:mc="http://schemas.openxmlformats.org/markup-compatibility/2006">
               <mc:Choice xmlns:v="urn:schemas-microsoft-com:vml" Requires="v">
-                <p:oleObj spid="_x0000_s8258" name="Equation" r:id="rId7" imgW="432363" imgH="241615" progId="Equation.3">
+                <p:oleObj spid="_x0000_s8286" name="Equation" r:id="rId7" imgW="432363" imgH="241615" progId="Equation.3">
                   <p:embed/>
                 </p:oleObj>
               </mc:Choice>
@@ -17936,7 +18576,7 @@
                     </p:blipFill>
                     <p:spPr bwMode="auto">
                       <a:xfrm>
-                        <a:off x="2016125" y="3076575"/>
+                        <a:off x="2159992" y="3077021"/>
                         <a:ext cx="1008063" cy="558800"/>
                       </a:xfrm>
                       <a:prstGeom prst="rect">
@@ -18050,17 +18690,23 @@
           <p:cNvGraphicFramePr>
             <a:graphicFrameLocks noChangeAspect="1"/>
           </p:cNvGraphicFramePr>
-          <p:nvPr/>
+          <p:nvPr>
+            <p:extLst>
+              <p:ext uri="{D42A27DB-BD31-4B8C-83A1-F6EECF244321}">
+                <p14:modId xmlns:p14="http://schemas.microsoft.com/office/powerpoint/2010/main" val="4134635520"/>
+              </p:ext>
+            </p:extLst>
+          </p:nvPr>
         </p:nvGraphicFramePr>
         <p:xfrm>
-          <a:off x="534988" y="4716463"/>
+          <a:off x="719832" y="4715941"/>
           <a:ext cx="617537" cy="644525"/>
         </p:xfrm>
         <a:graphic>
           <a:graphicData uri="http://schemas.openxmlformats.org/presentationml/2006/ole">
             <mc:AlternateContent xmlns:mc="http://schemas.openxmlformats.org/markup-compatibility/2006">
               <mc:Choice xmlns:v="urn:schemas-microsoft-com:vml" Requires="v">
-                <p:oleObj spid="_x0000_s8259" name="Equation" r:id="rId8" imgW="215806" imgH="228501" progId="Equation.3">
+                <p:oleObj spid="_x0000_s8287" name="Equation" r:id="rId8" imgW="215806" imgH="228501" progId="Equation.3">
                   <p:embed/>
                 </p:oleObj>
               </mc:Choice>
@@ -18090,7 +18736,7 @@
                     </p:blipFill>
                     <p:spPr bwMode="auto">
                       <a:xfrm>
-                        <a:off x="534988" y="4716463"/>
+                        <a:off x="719832" y="4715941"/>
                         <a:ext cx="617537" cy="644525"/>
                       </a:xfrm>
                       <a:prstGeom prst="rect">
@@ -18204,17 +18850,23 @@
           <p:cNvGraphicFramePr>
             <a:graphicFrameLocks noChangeAspect="1"/>
           </p:cNvGraphicFramePr>
-          <p:nvPr/>
+          <p:nvPr>
+            <p:extLst>
+              <p:ext uri="{D42A27DB-BD31-4B8C-83A1-F6EECF244321}">
+                <p14:modId xmlns:p14="http://schemas.microsoft.com/office/powerpoint/2010/main" val="160424135"/>
+              </p:ext>
+            </p:extLst>
+          </p:nvPr>
         </p:nvGraphicFramePr>
         <p:xfrm>
-          <a:off x="5327650" y="4217988"/>
+          <a:off x="5472360" y="4211885"/>
           <a:ext cx="1079500" cy="576262"/>
         </p:xfrm>
         <a:graphic>
           <a:graphicData uri="http://schemas.openxmlformats.org/presentationml/2006/ole">
             <mc:AlternateContent xmlns:mc="http://schemas.openxmlformats.org/markup-compatibility/2006">
               <mc:Choice xmlns:v="urn:schemas-microsoft-com:vml" Requires="v">
-                <p:oleObj spid="_x0000_s8260" name="Equation" r:id="rId10" imgW="431613" imgH="228501" progId="Equation.3">
+                <p:oleObj spid="_x0000_s8288" name="Equation" r:id="rId10" imgW="431613" imgH="228501" progId="Equation.3">
                   <p:embed/>
                 </p:oleObj>
               </mc:Choice>
@@ -18244,7 +18896,7 @@
                     </p:blipFill>
                     <p:spPr bwMode="auto">
                       <a:xfrm>
-                        <a:off x="5327650" y="4217988"/>
+                        <a:off x="5472360" y="4211885"/>
                         <a:ext cx="1079500" cy="576262"/>
                       </a:xfrm>
                       <a:prstGeom prst="rect">
@@ -18368,7 +19020,7 @@
           <a:graphicData uri="http://schemas.openxmlformats.org/presentationml/2006/ole">
             <mc:AlternateContent xmlns:mc="http://schemas.openxmlformats.org/markup-compatibility/2006">
               <mc:Choice xmlns:v="urn:schemas-microsoft-com:vml" Requires="v">
-                <p:oleObj spid="_x0000_s8261" name="Equation" r:id="rId12" imgW="215806" imgH="228501" progId="Equation.3">
+                <p:oleObj spid="_x0000_s8289" name="Equation" r:id="rId12" imgW="215806" imgH="228501" progId="Equation.3">
                   <p:embed/>
                 </p:oleObj>
               </mc:Choice>
@@ -18441,17 +19093,23 @@
           <p:cNvGraphicFramePr>
             <a:graphicFrameLocks noChangeAspect="1"/>
           </p:cNvGraphicFramePr>
-          <p:nvPr/>
+          <p:nvPr>
+            <p:extLst>
+              <p:ext uri="{D42A27DB-BD31-4B8C-83A1-F6EECF244321}">
+                <p14:modId xmlns:p14="http://schemas.microsoft.com/office/powerpoint/2010/main" val="2107431786"/>
+              </p:ext>
+            </p:extLst>
+          </p:nvPr>
         </p:nvGraphicFramePr>
         <p:xfrm>
-          <a:off x="1473200" y="3130550"/>
+          <a:off x="1583928" y="3131765"/>
           <a:ext cx="398463" cy="504825"/>
         </p:xfrm>
         <a:graphic>
           <a:graphicData uri="http://schemas.openxmlformats.org/presentationml/2006/ole">
             <mc:AlternateContent xmlns:mc="http://schemas.openxmlformats.org/markup-compatibility/2006">
               <mc:Choice xmlns:v="urn:schemas-microsoft-com:vml" Requires="v">
-                <p:oleObj spid="_x0000_s8262" name="Equation" r:id="rId13" imgW="177646" imgH="228402" progId="Equation.3">
+                <p:oleObj spid="_x0000_s8290" name="Equation" r:id="rId13" imgW="177646" imgH="228402" progId="Equation.3">
                   <p:embed/>
                 </p:oleObj>
               </mc:Choice>
@@ -18481,7 +19139,7 @@
                     </p:blipFill>
                     <p:spPr bwMode="auto">
                       <a:xfrm>
-                        <a:off x="1473200" y="3130550"/>
+                        <a:off x="1583928" y="3131765"/>
                         <a:ext cx="398463" cy="504825"/>
                       </a:xfrm>
                       <a:prstGeom prst="rect">
@@ -19071,7 +19729,7 @@
           <a:graphicData uri="http://schemas.openxmlformats.org/presentationml/2006/ole">
             <mc:AlternateContent xmlns:mc="http://schemas.openxmlformats.org/markup-compatibility/2006">
               <mc:Choice xmlns:v="urn:schemas-microsoft-com:vml" Requires="v">
-                <p:oleObj spid="_x0000_s9317" name="Equation" r:id="rId3" imgW="177646" imgH="228402" progId="Equation.3">
+                <p:oleObj spid="_x0000_s9361" name="Equation" r:id="rId3" imgW="177646" imgH="228402" progId="Equation.3">
                   <p:embed/>
                 </p:oleObj>
               </mc:Choice>
@@ -19160,7 +19818,7 @@
           <a:graphicData uri="http://schemas.openxmlformats.org/presentationml/2006/ole">
             <mc:AlternateContent xmlns:mc="http://schemas.openxmlformats.org/markup-compatibility/2006">
               <mc:Choice xmlns:v="urn:schemas-microsoft-com:vml" Requires="v">
-                <p:oleObj spid="_x0000_s9318" name="Equation" r:id="rId5" imgW="432363" imgH="241615" progId="Equation.3">
+                <p:oleObj spid="_x0000_s9362" name="Equation" r:id="rId5" imgW="432363" imgH="241615" progId="Equation.3">
                   <p:embed/>
                 </p:oleObj>
               </mc:Choice>
@@ -19314,7 +19972,7 @@
           <a:graphicData uri="http://schemas.openxmlformats.org/presentationml/2006/ole">
             <mc:AlternateContent xmlns:mc="http://schemas.openxmlformats.org/markup-compatibility/2006">
               <mc:Choice xmlns:v="urn:schemas-microsoft-com:vml" Requires="v">
-                <p:oleObj spid="_x0000_s9319" name="Equation" r:id="rId7" imgW="215806" imgH="228501" progId="Equation.3">
+                <p:oleObj spid="_x0000_s9363" name="Equation" r:id="rId7" imgW="215806" imgH="228501" progId="Equation.3">
                   <p:embed/>
                 </p:oleObj>
               </mc:Choice>
@@ -19468,7 +20126,7 @@
           <a:graphicData uri="http://schemas.openxmlformats.org/presentationml/2006/ole">
             <mc:AlternateContent xmlns:mc="http://schemas.openxmlformats.org/markup-compatibility/2006">
               <mc:Choice xmlns:v="urn:schemas-microsoft-com:vml" Requires="v">
-                <p:oleObj spid="_x0000_s9320" name="Equation" r:id="rId9" imgW="431613" imgH="228501" progId="Equation.3">
+                <p:oleObj spid="_x0000_s9364" name="Equation" r:id="rId9" imgW="431613" imgH="228501" progId="Equation.3">
                   <p:embed/>
                 </p:oleObj>
               </mc:Choice>
@@ -19622,7 +20280,7 @@
           <a:graphicData uri="http://schemas.openxmlformats.org/presentationml/2006/ole">
             <mc:AlternateContent xmlns:mc="http://schemas.openxmlformats.org/markup-compatibility/2006">
               <mc:Choice xmlns:v="urn:schemas-microsoft-com:vml" Requires="v">
-                <p:oleObj spid="_x0000_s9321" name="Формула" r:id="rId11" imgW="203040" imgH="241200" progId="Equation.3">
+                <p:oleObj spid="_x0000_s9365" name="Формула" r:id="rId11" imgW="203040" imgH="241200" progId="Equation.3">
                   <p:embed/>
                 </p:oleObj>
               </mc:Choice>
@@ -19782,7 +20440,7 @@
           <a:graphicData uri="http://schemas.openxmlformats.org/presentationml/2006/ole">
             <mc:AlternateContent xmlns:mc="http://schemas.openxmlformats.org/markup-compatibility/2006">
               <mc:Choice xmlns:v="urn:schemas-microsoft-com:vml" Requires="v">
-                <p:oleObj spid="_x0000_s9322" name="Equation" r:id="rId13" imgW="139882" imgH="203465" progId="Equation.3">
+                <p:oleObj spid="_x0000_s9366" name="Equation" r:id="rId13" imgW="139882" imgH="203465" progId="Equation.3">
                   <p:embed/>
                 </p:oleObj>
               </mc:Choice>
@@ -19936,7 +20594,7 @@
           <a:graphicData uri="http://schemas.openxmlformats.org/presentationml/2006/ole">
             <mc:AlternateContent xmlns:mc="http://schemas.openxmlformats.org/markup-compatibility/2006">
               <mc:Choice xmlns:v="urn:schemas-microsoft-com:vml" Requires="v">
-                <p:oleObj spid="_x0000_s9323" name="Формула" r:id="rId15" imgW="545760" imgH="253800" progId="Equation.3">
+                <p:oleObj spid="_x0000_s9367" name="Формула" r:id="rId15" imgW="545760" imgH="253800" progId="Equation.3">
                   <p:embed/>
                 </p:oleObj>
               </mc:Choice>
@@ -20096,7 +20754,7 @@
           <a:graphicData uri="http://schemas.openxmlformats.org/presentationml/2006/ole">
             <mc:AlternateContent xmlns:mc="http://schemas.openxmlformats.org/markup-compatibility/2006">
               <mc:Choice xmlns:v="urn:schemas-microsoft-com:vml" Requires="v">
-                <p:oleObj spid="_x0000_s9324" name="Equation" r:id="rId17" imgW="229097" imgH="203642" progId="Equation.3">
+                <p:oleObj spid="_x0000_s9368" name="Equation" r:id="rId17" imgW="229097" imgH="203642" progId="Equation.3">
                   <p:embed/>
                 </p:oleObj>
               </mc:Choice>
@@ -20256,7 +20914,7 @@
           <a:graphicData uri="http://schemas.openxmlformats.org/presentationml/2006/ole">
             <mc:AlternateContent xmlns:mc="http://schemas.openxmlformats.org/markup-compatibility/2006">
               <mc:Choice xmlns:v="urn:schemas-microsoft-com:vml" Requires="v">
-                <p:oleObj spid="_x0000_s9325" name="Equation" r:id="rId19" imgW="216275" imgH="241720" progId="Equation.3">
+                <p:oleObj spid="_x0000_s9369" name="Equation" r:id="rId19" imgW="216275" imgH="241720" progId="Equation.3">
                   <p:embed/>
                 </p:oleObj>
               </mc:Choice>
@@ -20339,7 +20997,7 @@
           <a:graphicData uri="http://schemas.openxmlformats.org/presentationml/2006/ole">
             <mc:AlternateContent xmlns:mc="http://schemas.openxmlformats.org/markup-compatibility/2006">
               <mc:Choice xmlns:v="urn:schemas-microsoft-com:vml" Requires="v">
-                <p:oleObj spid="_x0000_s9326" name="Equation" r:id="rId21" imgW="229097" imgH="203642" progId="Equation.3">
+                <p:oleObj spid="_x0000_s9370" name="Equation" r:id="rId21" imgW="229097" imgH="203642" progId="Equation.3">
                   <p:embed/>
                 </p:oleObj>
               </mc:Choice>
@@ -20493,7 +21151,7 @@
           <a:graphicData uri="http://schemas.openxmlformats.org/presentationml/2006/ole">
             <mc:AlternateContent xmlns:mc="http://schemas.openxmlformats.org/markup-compatibility/2006">
               <mc:Choice xmlns:v="urn:schemas-microsoft-com:vml" Requires="v">
-                <p:oleObj spid="_x0000_s9327" name="Equation" r:id="rId22" imgW="305330" imgH="241720" progId="Equation.3">
+                <p:oleObj spid="_x0000_s9371" name="Equation" r:id="rId22" imgW="305330" imgH="241720" progId="Equation.3">
                   <p:embed/>
                 </p:oleObj>
               </mc:Choice>
@@ -20594,7 +21252,7 @@
       </p:grpSpPr>
       <p:sp>
         <p:nvSpPr>
-          <p:cNvPr id="10242" name="Заголовок 1"/>
+          <p:cNvPr id="14338" name="Заголовок 1"/>
           <p:cNvSpPr>
             <a:spLocks noGrp="1"/>
           </p:cNvSpPr>
@@ -20609,14 +21267,14 @@
           <a:p>
             <a:r>
               <a:rPr lang="ru-RU" smtClean="0"/>
-              <a:t>Первый уровень</a:t>
+              <a:t>Критерии</a:t>
             </a:r>
           </a:p>
         </p:txBody>
       </p:sp>
       <p:sp>
         <p:nvSpPr>
-          <p:cNvPr id="10243" name="Объект 2"/>
+          <p:cNvPr id="14339" name="Объект 17"/>
           <p:cNvSpPr>
             <a:spLocks noGrp="1"/>
           </p:cNvSpPr>
@@ -20624,92 +21282,99 @@
             <p:ph idx="1"/>
           </p:nvPr>
         </p:nvSpPr>
-        <p:spPr/>
+        <p:spPr>
+          <a:xfrm>
+            <a:off x="471488" y="1692275"/>
+            <a:ext cx="9067800" cy="4986338"/>
+          </a:xfrm>
+        </p:spPr>
         <p:txBody>
           <a:bodyPr/>
           <a:lstStyle/>
           <a:p>
-            <a:pPr marL="455613" indent="-455613"/>
-            <a:r>
-              <a:rPr lang="ru-RU" dirty="0" smtClean="0"/>
-              <a:t>Формируемое решение: </a:t>
-            </a:r>
-            <a:r>
-              <a:rPr lang="ru-RU" i="1" dirty="0" smtClean="0"/>
-              <a:t>[М, А],</a:t>
-            </a:r>
-          </a:p>
-          <a:p>
-            <a:pPr marL="455613" indent="-455613"/>
-            <a:r>
-              <a:rPr lang="ru-RU" dirty="0" smtClean="0"/>
-              <a:t>Общий вид критерия: </a:t>
-            </a:r>
-          </a:p>
-          <a:p>
-            <a:pPr marL="455613" indent="-455613"/>
-            <a:endParaRPr lang="ru-RU" dirty="0" smtClean="0"/>
-          </a:p>
-          <a:p>
-            <a:pPr marL="455613" indent="-455613"/>
-            <a:r>
-              <a:rPr lang="ru-RU" dirty="0" smtClean="0"/>
-              <a:t>Конкретизация критерия:</a:t>
-            </a:r>
-            <a:br>
-              <a:rPr lang="ru-RU" dirty="0" smtClean="0"/>
-            </a:br>
-            <a:r>
-              <a:rPr lang="ru-RU" dirty="0" smtClean="0"/>
-              <a:t>			</a:t>
-            </a:r>
-            <a:br>
-              <a:rPr lang="ru-RU" dirty="0" smtClean="0"/>
-            </a:br>
-            <a:r>
-              <a:rPr lang="en-US" dirty="0" smtClean="0"/>
-              <a:t>							</a:t>
-            </a:r>
-            <a:r>
-              <a:rPr lang="ru-RU" dirty="0" smtClean="0"/>
-              <a:t> </a:t>
-            </a:r>
-            <a:r>
-              <a:rPr lang="ru-RU" i="1" dirty="0" smtClean="0"/>
-              <a:t>→ </a:t>
-            </a:r>
-            <a:r>
-              <a:rPr lang="en-US" i="1" dirty="0" smtClean="0">
-                <a:latin typeface="Times New Roman" pitchFamily="18" charset="0"/>
-                <a:cs typeface="Times New Roman" pitchFamily="18" charset="0"/>
-              </a:rPr>
-              <a:t>min</a:t>
-            </a:r>
-            <a:r>
-              <a:rPr lang="en-US" i="1" dirty="0" smtClean="0"/>
-              <a:t>.</a:t>
-            </a:r>
-            <a:endParaRPr lang="ru-RU" dirty="0" smtClean="0"/>
+            <a:pPr marL="512763" indent="-512763">
+              <a:buFont typeface="Times New Roman" pitchFamily="18" charset="0"/>
+              <a:buAutoNum type="arabicParenR"/>
+            </a:pPr>
+            <a:r>
+              <a:rPr lang="ru-RU" smtClean="0"/>
+              <a:t>Первый уровень:</a:t>
+            </a:r>
+          </a:p>
+          <a:p>
+            <a:pPr marL="512763" indent="-512763">
+              <a:buFont typeface="Times New Roman" pitchFamily="18" charset="0"/>
+              <a:buAutoNum type="arabicParenR"/>
+            </a:pPr>
+            <a:endParaRPr lang="ru-RU" smtClean="0"/>
+          </a:p>
+          <a:p>
+            <a:pPr marL="512763" indent="-512763">
+              <a:buFont typeface="Times New Roman" pitchFamily="18" charset="0"/>
+              <a:buAutoNum type="arabicParenR"/>
+            </a:pPr>
+            <a:r>
+              <a:rPr lang="ru-RU" smtClean="0"/>
+              <a:t>Второй уровень:</a:t>
+            </a:r>
+          </a:p>
+          <a:p>
+            <a:pPr marL="512763" indent="-512763">
+              <a:buFont typeface="Times New Roman" pitchFamily="18" charset="0"/>
+              <a:buAutoNum type="arabicParenR"/>
+            </a:pPr>
+            <a:endParaRPr lang="ru-RU" smtClean="0"/>
+          </a:p>
+          <a:p>
+            <a:pPr marL="512763" indent="-512763">
+              <a:buFont typeface="Times New Roman" pitchFamily="18" charset="0"/>
+              <a:buAutoNum type="arabicParenR"/>
+            </a:pPr>
+            <a:r>
+              <a:rPr lang="ru-RU" smtClean="0"/>
+              <a:t>Третий уровень:</a:t>
+            </a:r>
+          </a:p>
+          <a:p>
+            <a:pPr marL="512763" indent="-512763">
+              <a:buFont typeface="Times New Roman" pitchFamily="18" charset="0"/>
+              <a:buAutoNum type="arabicParenR"/>
+            </a:pPr>
+            <a:endParaRPr lang="ru-RU" smtClean="0"/>
+          </a:p>
+          <a:p>
+            <a:pPr marL="512763" indent="-512763">
+              <a:buFont typeface="Times New Roman" pitchFamily="18" charset="0"/>
+              <a:buAutoNum type="arabicParenR"/>
+            </a:pPr>
+            <a:endParaRPr lang="ru-RU" smtClean="0"/>
+          </a:p>
+          <a:p>
+            <a:pPr marL="512763" indent="-512763">
+              <a:buFont typeface="Times New Roman" pitchFamily="18" charset="0"/>
+              <a:buAutoNum type="arabicParenR"/>
+            </a:pPr>
+            <a:endParaRPr lang="ru-RU" smtClean="0"/>
           </a:p>
         </p:txBody>
       </p:sp>
       <p:graphicFrame>
         <p:nvGraphicFramePr>
-          <p:cNvPr id="10244" name="Объект 3"/>
+          <p:cNvPr id="14340" name="Объект 10"/>
           <p:cNvGraphicFramePr>
             <a:graphicFrameLocks noChangeAspect="1"/>
           </p:cNvGraphicFramePr>
           <p:nvPr/>
         </p:nvGraphicFramePr>
         <p:xfrm>
-          <a:off x="1511300" y="2916238"/>
-          <a:ext cx="6697663" cy="698500"/>
+          <a:off x="792163" y="2217738"/>
+          <a:ext cx="6696075" cy="698500"/>
         </p:xfrm>
         <a:graphic>
           <a:graphicData uri="http://schemas.openxmlformats.org/presentationml/2006/ole">
             <mc:AlternateContent xmlns:mc="http://schemas.openxmlformats.org/markup-compatibility/2006">
               <mc:Choice xmlns:v="urn:schemas-microsoft-com:vml" Requires="v">
-                <p:oleObj spid="_x0000_s10264" name="Equation" r:id="rId3" imgW="2184400" imgH="228600" progId="Equation.3">
+                <p:oleObj spid="_x0000_s14376" name="Equation" r:id="rId3" imgW="2184400" imgH="228600" progId="Equation.3">
                   <p:embed/>
                 </p:oleObj>
               </mc:Choice>
@@ -20718,7 +21383,7 @@
                   <p:embed/>
                   <p:pic>
                     <p:nvPicPr>
-                      <p:cNvPr id="0" name="Объект 3"/>
+                      <p:cNvPr id="0" name="Объект 10"/>
                       <p:cNvPicPr>
                         <a:picLocks noChangeAspect="1" noChangeArrowheads="1"/>
                       </p:cNvPicPr>
@@ -20739,8 +21404,8 @@
                     </p:blipFill>
                     <p:spPr bwMode="auto">
                       <a:xfrm>
-                        <a:off x="1511300" y="2916238"/>
-                        <a:ext cx="6697663" cy="698500"/>
+                        <a:off x="792163" y="2217738"/>
+                        <a:ext cx="6696075" cy="698500"/>
                       </a:xfrm>
                       <a:prstGeom prst="rect">
                         <a:avLst/>
@@ -20771,305 +21436,38 @@
           </a:graphicData>
         </a:graphic>
       </p:graphicFrame>
-      <p:sp>
-        <p:nvSpPr>
-          <p:cNvPr id="10245" name="Rectangle 2"/>
-          <p:cNvSpPr>
-            <a:spLocks noChangeArrowheads="1"/>
-          </p:cNvSpPr>
-          <p:nvPr/>
-        </p:nvSpPr>
-        <p:spPr bwMode="auto">
-          <a:xfrm>
-            <a:off x="0" y="-174625"/>
-            <a:ext cx="184150" cy="349250"/>
-          </a:xfrm>
-          <a:prstGeom prst="rect">
-            <a:avLst/>
-          </a:prstGeom>
-          <a:noFill/>
-          <a:ln>
-            <a:noFill/>
-          </a:ln>
-          <a:effectLst/>
-          <a:extLst>
-            <a:ext uri="{909E8E84-426E-40DD-AFC4-6F175D3DCCD1}">
-              <a14:hiddenFill xmlns:a14="http://schemas.microsoft.com/office/drawing/2010/main">
-                <a:solidFill>
-                  <a:srgbClr val="00B8FF"/>
-                </a:solidFill>
-              </a14:hiddenFill>
-            </a:ext>
-            <a:ext uri="{91240B29-F687-4F45-9708-019B960494DF}">
-              <a14:hiddenLine xmlns:a14="http://schemas.microsoft.com/office/drawing/2010/main" w="9525">
-                <a:solidFill>
-                  <a:schemeClr val="tx1"/>
-                </a:solidFill>
-                <a:miter lim="800000"/>
-                <a:headEnd/>
-                <a:tailEnd/>
-              </a14:hiddenLine>
-            </a:ext>
-            <a:ext uri="{AF507438-7753-43E0-B8FC-AC1667EBCBE1}">
-              <a14:hiddenEffects xmlns:a14="http://schemas.microsoft.com/office/drawing/2010/main">
-                <a:effectLst>
-                  <a:outerShdw dist="35921" dir="2700000" algn="ctr" rotWithShape="0">
-                    <a:schemeClr val="bg2"/>
-                  </a:outerShdw>
-                </a:effectLst>
-              </a14:hiddenEffects>
-            </a:ext>
-          </a:extLst>
-        </p:spPr>
-        <p:txBody>
-          <a:bodyPr wrap="none" lIns="91430" tIns="45716" rIns="91430" bIns="45716" anchor="ctr">
-            <a:spAutoFit/>
-          </a:bodyPr>
-          <a:lstStyle/>
-          <a:p>
-            <a:pPr eaLnBrk="1">
-              <a:lnSpc>
-                <a:spcPct val="93000"/>
-              </a:lnSpc>
-              <a:buClr>
-                <a:srgbClr val="000000"/>
-              </a:buClr>
-              <a:buSzPct val="100000"/>
-              <a:buFont typeface="Times New Roman" pitchFamily="18" charset="0"/>
-              <a:buNone/>
-            </a:pPr>
-            <a:endParaRPr lang="ru-RU"/>
-          </a:p>
-        </p:txBody>
-      </p:sp>
-      <p:sp>
-        <p:nvSpPr>
-          <p:cNvPr id="10246" name="Rectangle 4"/>
-          <p:cNvSpPr>
-            <a:spLocks noChangeArrowheads="1"/>
-          </p:cNvSpPr>
-          <p:nvPr/>
-        </p:nvSpPr>
-        <p:spPr bwMode="auto">
-          <a:xfrm>
-            <a:off x="0" y="-174625"/>
-            <a:ext cx="184150" cy="349250"/>
-          </a:xfrm>
-          <a:prstGeom prst="rect">
-            <a:avLst/>
-          </a:prstGeom>
-          <a:noFill/>
-          <a:ln>
-            <a:noFill/>
-          </a:ln>
-          <a:effectLst/>
-          <a:extLst>
-            <a:ext uri="{909E8E84-426E-40DD-AFC4-6F175D3DCCD1}">
-              <a14:hiddenFill xmlns:a14="http://schemas.microsoft.com/office/drawing/2010/main">
-                <a:solidFill>
-                  <a:srgbClr val="00B8FF"/>
-                </a:solidFill>
-              </a14:hiddenFill>
-            </a:ext>
-            <a:ext uri="{91240B29-F687-4F45-9708-019B960494DF}">
-              <a14:hiddenLine xmlns:a14="http://schemas.microsoft.com/office/drawing/2010/main" w="9525">
-                <a:solidFill>
-                  <a:schemeClr val="tx1"/>
-                </a:solidFill>
-                <a:miter lim="800000"/>
-                <a:headEnd/>
-                <a:tailEnd/>
-              </a14:hiddenLine>
-            </a:ext>
-            <a:ext uri="{AF507438-7753-43E0-B8FC-AC1667EBCBE1}">
-              <a14:hiddenEffects xmlns:a14="http://schemas.microsoft.com/office/drawing/2010/main">
-                <a:effectLst>
-                  <a:outerShdw dist="35921" dir="2700000" algn="ctr" rotWithShape="0">
-                    <a:schemeClr val="bg2"/>
-                  </a:outerShdw>
-                </a:effectLst>
-              </a14:hiddenEffects>
-            </a:ext>
-          </a:extLst>
-        </p:spPr>
-        <p:txBody>
-          <a:bodyPr wrap="none" lIns="91430" tIns="45716" rIns="91430" bIns="45716" anchor="ctr">
-            <a:spAutoFit/>
-          </a:bodyPr>
-          <a:lstStyle/>
-          <a:p>
-            <a:pPr eaLnBrk="1">
-              <a:lnSpc>
-                <a:spcPct val="93000"/>
-              </a:lnSpc>
-              <a:buClr>
-                <a:srgbClr val="000000"/>
-              </a:buClr>
-              <a:buSzPct val="100000"/>
-              <a:buFont typeface="Times New Roman" pitchFamily="18" charset="0"/>
-              <a:buNone/>
-            </a:pPr>
-            <a:endParaRPr lang="ru-RU"/>
-          </a:p>
-        </p:txBody>
-      </p:sp>
-      <p:sp>
-        <p:nvSpPr>
-          <p:cNvPr id="10247" name="Rectangle 6"/>
-          <p:cNvSpPr>
-            <a:spLocks noChangeArrowheads="1"/>
-          </p:cNvSpPr>
-          <p:nvPr/>
-        </p:nvSpPr>
-        <p:spPr bwMode="auto">
-          <a:xfrm>
-            <a:off x="0" y="-174625"/>
-            <a:ext cx="184150" cy="349250"/>
-          </a:xfrm>
-          <a:prstGeom prst="rect">
-            <a:avLst/>
-          </a:prstGeom>
-          <a:noFill/>
-          <a:ln>
-            <a:noFill/>
-          </a:ln>
-          <a:effectLst/>
-          <a:extLst>
-            <a:ext uri="{909E8E84-426E-40DD-AFC4-6F175D3DCCD1}">
-              <a14:hiddenFill xmlns:a14="http://schemas.microsoft.com/office/drawing/2010/main">
-                <a:solidFill>
-                  <a:srgbClr val="00B8FF"/>
-                </a:solidFill>
-              </a14:hiddenFill>
-            </a:ext>
-            <a:ext uri="{91240B29-F687-4F45-9708-019B960494DF}">
-              <a14:hiddenLine xmlns:a14="http://schemas.microsoft.com/office/drawing/2010/main" w="9525">
-                <a:solidFill>
-                  <a:schemeClr val="tx1"/>
-                </a:solidFill>
-                <a:miter lim="800000"/>
-                <a:headEnd/>
-                <a:tailEnd/>
-              </a14:hiddenLine>
-            </a:ext>
-            <a:ext uri="{AF507438-7753-43E0-B8FC-AC1667EBCBE1}">
-              <a14:hiddenEffects xmlns:a14="http://schemas.microsoft.com/office/drawing/2010/main">
-                <a:effectLst>
-                  <a:outerShdw dist="35921" dir="2700000" algn="ctr" rotWithShape="0">
-                    <a:schemeClr val="bg2"/>
-                  </a:outerShdw>
-                </a:effectLst>
-              </a14:hiddenEffects>
-            </a:ext>
-          </a:extLst>
-        </p:spPr>
-        <p:txBody>
-          <a:bodyPr wrap="none" lIns="91430" tIns="45716" rIns="91430" bIns="45716" anchor="ctr">
-            <a:spAutoFit/>
-          </a:bodyPr>
-          <a:lstStyle/>
-          <a:p>
-            <a:pPr eaLnBrk="1">
-              <a:lnSpc>
-                <a:spcPct val="93000"/>
-              </a:lnSpc>
-              <a:buClr>
-                <a:srgbClr val="000000"/>
-              </a:buClr>
-              <a:buSzPct val="100000"/>
-              <a:buFont typeface="Times New Roman" pitchFamily="18" charset="0"/>
-              <a:buNone/>
-            </a:pPr>
-            <a:endParaRPr lang="ru-RU"/>
-          </a:p>
-        </p:txBody>
-      </p:sp>
-      <p:sp>
-        <p:nvSpPr>
-          <p:cNvPr id="10248" name="Rectangle 10"/>
-          <p:cNvSpPr>
-            <a:spLocks noChangeArrowheads="1"/>
-          </p:cNvSpPr>
-          <p:nvPr/>
-        </p:nvSpPr>
-        <p:spPr bwMode="auto">
-          <a:xfrm>
-            <a:off x="0" y="-184150"/>
-            <a:ext cx="184150" cy="368300"/>
-          </a:xfrm>
-          <a:prstGeom prst="rect">
-            <a:avLst/>
-          </a:prstGeom>
-          <a:noFill/>
-          <a:ln>
-            <a:noFill/>
-          </a:ln>
-          <a:effectLst/>
-          <a:extLst>
-            <a:ext uri="{909E8E84-426E-40DD-AFC4-6F175D3DCCD1}">
-              <a14:hiddenFill xmlns:a14="http://schemas.microsoft.com/office/drawing/2010/main">
-                <a:solidFill>
-                  <a:srgbClr val="00B8FF"/>
-                </a:solidFill>
-              </a14:hiddenFill>
-            </a:ext>
-            <a:ext uri="{91240B29-F687-4F45-9708-019B960494DF}">
-              <a14:hiddenLine xmlns:a14="http://schemas.microsoft.com/office/drawing/2010/main" w="9525">
-                <a:solidFill>
-                  <a:schemeClr val="tx1"/>
-                </a:solidFill>
-                <a:miter lim="800000"/>
-                <a:headEnd/>
-                <a:tailEnd/>
-              </a14:hiddenLine>
-            </a:ext>
-            <a:ext uri="{AF507438-7753-43E0-B8FC-AC1667EBCBE1}">
-              <a14:hiddenEffects xmlns:a14="http://schemas.microsoft.com/office/drawing/2010/main">
-                <a:effectLst>
-                  <a:outerShdw dist="35921" dir="2700000" algn="ctr" rotWithShape="0">
-                    <a:schemeClr val="bg2"/>
-                  </a:outerShdw>
-                </a:effectLst>
-              </a14:hiddenEffects>
-            </a:ext>
-          </a:extLst>
-        </p:spPr>
-        <p:txBody>
-          <a:bodyPr wrap="none" lIns="91430" tIns="45716" rIns="91430" bIns="45716" anchor="ctr">
-            <a:spAutoFit/>
-          </a:bodyPr>
-          <a:lstStyle/>
-          <a:p>
-            <a:endParaRPr lang="uk-UA"/>
-          </a:p>
-        </p:txBody>
-      </p:sp>
       <p:graphicFrame>
         <p:nvGraphicFramePr>
-          <p:cNvPr id="10249" name="Объект 2"/>
+          <p:cNvPr id="14341" name="Объект 11"/>
           <p:cNvGraphicFramePr>
             <a:graphicFrameLocks noChangeAspect="1"/>
           </p:cNvGraphicFramePr>
-          <p:nvPr/>
+          <p:nvPr>
+            <p:extLst>
+              <p:ext uri="{D42A27DB-BD31-4B8C-83A1-F6EECF244321}">
+                <p14:modId xmlns:p14="http://schemas.microsoft.com/office/powerpoint/2010/main" val="2114326435"/>
+              </p:ext>
+            </p:extLst>
+          </p:nvPr>
         </p:nvGraphicFramePr>
         <p:xfrm>
-          <a:off x="1584325" y="4211638"/>
-          <a:ext cx="5360988" cy="1296987"/>
+          <a:off x="359792" y="3561864"/>
+          <a:ext cx="9577064" cy="696951"/>
         </p:xfrm>
         <a:graphic>
           <a:graphicData uri="http://schemas.openxmlformats.org/presentationml/2006/ole">
             <mc:AlternateContent xmlns:mc="http://schemas.openxmlformats.org/markup-compatibility/2006">
               <mc:Choice xmlns:v="urn:schemas-microsoft-com:vml" Requires="v">
-                <p:oleObj spid="_x0000_s10265" name="Формула" r:id="rId5" imgW="1739900" imgH="419100" progId="Equation.3">
+                <p:oleObj spid="_x0000_s14377" name="Equation" r:id="rId5" imgW="3149600" imgH="228600" progId="Equation.3">
                   <p:embed/>
                 </p:oleObj>
               </mc:Choice>
               <mc:Fallback>
-                <p:oleObj name="Формула" r:id="rId5" imgW="1739900" imgH="419100" progId="Equation.3">
+                <p:oleObj name="Equation" r:id="rId5" imgW="3149600" imgH="228600" progId="Equation.3">
                   <p:embed/>
                   <p:pic>
                     <p:nvPicPr>
-                      <p:cNvPr id="0" name="Объект 2"/>
+                      <p:cNvPr id="0" name="Объект 11"/>
                       <p:cNvPicPr>
                         <a:picLocks noChangeAspect="1" noChangeArrowheads="1"/>
                       </p:cNvPicPr>
@@ -21090,35 +21488,84 @@
                     </p:blipFill>
                     <p:spPr bwMode="auto">
                       <a:xfrm>
-                        <a:off x="1584325" y="4211638"/>
-                        <a:ext cx="5360988" cy="1296987"/>
+                        <a:off x="359792" y="3561864"/>
+                        <a:ext cx="9577064" cy="696951"/>
                       </a:xfrm>
                       <a:prstGeom prst="rect">
                         <a:avLst/>
                       </a:prstGeom>
-                      <a:noFill/>
+                      <a:solidFill>
+                        <a:srgbClr val="FFFFFF"/>
+                      </a:solidFill>
                       <a:ln>
                         <a:noFill/>
                       </a:ln>
-                      <a:extLst>
-                        <a:ext uri="{909E8E84-426E-40DD-AFC4-6F175D3DCCD1}">
-                          <a14:hiddenFill xmlns:a14="http://schemas.microsoft.com/office/drawing/2010/main">
-                            <a:solidFill>
-                              <a:srgbClr val="FFFFFF"/>
-                            </a:solidFill>
-                          </a14:hiddenFill>
-                        </a:ext>
-                        <a:ext uri="{91240B29-F687-4F45-9708-019B960494DF}">
-                          <a14:hiddenLine xmlns:a14="http://schemas.microsoft.com/office/drawing/2010/main" w="9525">
-                            <a:solidFill>
-                              <a:srgbClr val="000000"/>
-                            </a:solidFill>
-                            <a:miter lim="800000"/>
-                            <a:headEnd/>
-                            <a:tailEnd/>
-                          </a14:hiddenLine>
-                        </a:ext>
-                      </a:extLst>
+                    </p:spPr>
+                  </p:pic>
+                </p:oleObj>
+              </mc:Fallback>
+            </mc:AlternateContent>
+          </a:graphicData>
+        </a:graphic>
+      </p:graphicFrame>
+      <p:graphicFrame>
+        <p:nvGraphicFramePr>
+          <p:cNvPr id="14342" name="Объект 12"/>
+          <p:cNvGraphicFramePr>
+            <a:graphicFrameLocks noChangeAspect="1"/>
+          </p:cNvGraphicFramePr>
+          <p:nvPr>
+            <p:extLst>
+              <p:ext uri="{D42A27DB-BD31-4B8C-83A1-F6EECF244321}">
+                <p14:modId xmlns:p14="http://schemas.microsoft.com/office/powerpoint/2010/main" val="2637501709"/>
+              </p:ext>
+            </p:extLst>
+          </p:nvPr>
+        </p:nvGraphicFramePr>
+        <p:xfrm>
+          <a:off x="731838" y="5106988"/>
+          <a:ext cx="8543925" cy="612775"/>
+        </p:xfrm>
+        <a:graphic>
+          <a:graphicData uri="http://schemas.openxmlformats.org/presentationml/2006/ole">
+            <mc:AlternateContent xmlns:mc="http://schemas.openxmlformats.org/markup-compatibility/2006">
+              <mc:Choice xmlns:v="urn:schemas-microsoft-com:vml" Requires="v">
+                <p:oleObj spid="_x0000_s14378" name="Формула" r:id="rId7" imgW="4356000" imgH="304560" progId="Equation.3">
+                  <p:embed/>
+                </p:oleObj>
+              </mc:Choice>
+              <mc:Fallback>
+                <p:oleObj name="Формула" r:id="rId7" imgW="4356000" imgH="304560" progId="Equation.3">
+                  <p:embed/>
+                  <p:pic>
+                    <p:nvPicPr>
+                      <p:cNvPr id="0" name="Объект 12"/>
+                      <p:cNvPicPr>
+                        <a:picLocks noChangeAspect="1" noChangeArrowheads="1"/>
+                      </p:cNvPicPr>
+                      <p:nvPr/>
+                    </p:nvPicPr>
+                    <p:blipFill>
+                      <a:blip r:embed="rId8"/>
+                      <a:srcRect/>
+                      <a:stretch>
+                        <a:fillRect/>
+                      </a:stretch>
+                    </p:blipFill>
+                    <p:spPr bwMode="auto">
+                      <a:xfrm>
+                        <a:off x="731838" y="5106988"/>
+                        <a:ext cx="8543925" cy="612775"/>
+                      </a:xfrm>
+                      <a:prstGeom prst="rect">
+                        <a:avLst/>
+                      </a:prstGeom>
+                      <a:solidFill>
+                        <a:srgbClr val="FFFFFF"/>
+                      </a:solidFill>
+                      <a:ln>
+                        <a:noFill/>
+                      </a:ln>
                     </p:spPr>
                   </p:pic>
                 </p:oleObj>

--- a/К защите/Саша/В диплом/На защиту/На защиту.pptx
+++ b/К защите/Саша/В диплом/На защиту/На защиту.pptx
@@ -518,12 +518,12 @@
         </c:dLbls>
         <c:gapWidth val="150"/>
         <c:shape val="box"/>
-        <c:axId val="109089152"/>
-        <c:axId val="109091072"/>
-        <c:axId val="107174976"/>
+        <c:axId val="86808064"/>
+        <c:axId val="86809984"/>
+        <c:axId val="84398976"/>
       </c:bar3DChart>
       <c:catAx>
-        <c:axId val="109089152"/>
+        <c:axId val="86808064"/>
         <c:scaling>
           <c:orientation val="minMax"/>
         </c:scaling>
@@ -572,7 +572,7 @@
         <c:majorTickMark val="none"/>
         <c:minorTickMark val="none"/>
         <c:tickLblPos val="nextTo"/>
-        <c:crossAx val="109091072"/>
+        <c:crossAx val="86809984"/>
         <c:crosses val="autoZero"/>
         <c:auto val="1"/>
         <c:lblAlgn val="ctr"/>
@@ -580,7 +580,7 @@
         <c:noMultiLvlLbl val="0"/>
       </c:catAx>
       <c:valAx>
-        <c:axId val="109091072"/>
+        <c:axId val="86809984"/>
         <c:scaling>
           <c:orientation val="minMax"/>
         </c:scaling>
@@ -598,7 +598,11 @@
                 </a:pPr>
                 <a:r>
                   <a:rPr lang="ru-RU" sz="1400" noProof="0" dirty="0" smtClean="0"/>
-                  <a:t>количество обработан-</a:t>
+                  <a:t>Количество </a:t>
+                </a:r>
+                <a:r>
+                  <a:rPr lang="ru-RU" sz="1400" noProof="0" dirty="0" smtClean="0"/>
+                  <a:t>обработан-</a:t>
                 </a:r>
                 <a:r>
                   <a:rPr lang="ru-RU" sz="1400" noProof="0" dirty="0" err="1" smtClean="0"/>
@@ -626,12 +630,12 @@
         <c:majorTickMark val="none"/>
         <c:minorTickMark val="none"/>
         <c:tickLblPos val="nextTo"/>
-        <c:crossAx val="109089152"/>
+        <c:crossAx val="86808064"/>
         <c:crosses val="autoZero"/>
         <c:crossBetween val="between"/>
       </c:valAx>
       <c:serAx>
-        <c:axId val="107174976"/>
+        <c:axId val="84398976"/>
         <c:scaling>
           <c:orientation val="minMax"/>
         </c:scaling>
@@ -676,7 +680,7 @@
         <c:majorTickMark val="none"/>
         <c:minorTickMark val="none"/>
         <c:tickLblPos val="nextTo"/>
-        <c:crossAx val="109091072"/>
+        <c:crossAx val="86809984"/>
         <c:crosses val="autoZero"/>
       </c:serAx>
     </c:plotArea>
@@ -1094,12 +1098,12 @@
         </c:dLbls>
         <c:gapWidth val="150"/>
         <c:shape val="box"/>
-        <c:axId val="109136128"/>
-        <c:axId val="113875968"/>
-        <c:axId val="85469824"/>
+        <c:axId val="86893312"/>
+        <c:axId val="86895232"/>
+        <c:axId val="86859776"/>
       </c:bar3DChart>
       <c:catAx>
-        <c:axId val="109136128"/>
+        <c:axId val="86893312"/>
         <c:scaling>
           <c:orientation val="minMax"/>
         </c:scaling>
@@ -1158,7 +1162,7 @@
         <c:majorTickMark val="none"/>
         <c:minorTickMark val="none"/>
         <c:tickLblPos val="nextTo"/>
-        <c:crossAx val="113875968"/>
+        <c:crossAx val="86895232"/>
         <c:crosses val="autoZero"/>
         <c:auto val="1"/>
         <c:lblAlgn val="ctr"/>
@@ -1166,7 +1170,7 @@
         <c:noMultiLvlLbl val="0"/>
       </c:catAx>
       <c:valAx>
-        <c:axId val="113875968"/>
+        <c:axId val="86895232"/>
         <c:scaling>
           <c:orientation val="minMax"/>
         </c:scaling>
@@ -1180,67 +1184,43 @@
               <a:lstStyle/>
               <a:p>
                 <a:pPr>
-                  <a:defRPr/>
+                  <a:defRPr lang="ru-RU" noProof="0"/>
                 </a:pPr>
                 <a:r>
-                  <a:rPr lang="uk-UA" sz="1400" b="1" i="0" baseline="0" dirty="0" err="1" smtClean="0">
+                  <a:rPr lang="ru-RU" sz="1400" b="1" i="0" baseline="0" noProof="0" smtClean="0">
                     <a:effectLst/>
                   </a:rPr>
                   <a:t>Количество</a:t>
                 </a:r>
+                <a:br>
+                  <a:rPr lang="ru-RU" sz="1400" b="1" i="0" baseline="0" noProof="0" smtClean="0">
+                    <a:effectLst/>
+                  </a:rPr>
+                </a:br>
                 <a:r>
-                  <a:rPr lang="uk-UA" sz="1400" b="1" i="0" baseline="0" dirty="0" smtClean="0">
+                  <a:rPr lang="ru-RU" sz="1400" b="1" i="0" baseline="0" noProof="0" smtClean="0">
+                    <a:effectLst/>
+                  </a:rPr>
+                  <a:t>обработан-</a:t>
+                </a:r>
+                <a:r>
+                  <a:rPr lang="ru-RU" sz="1400" b="1" i="0" baseline="0" noProof="0">
                     <a:effectLst/>
                   </a:rPr>
                   <a:t/>
                 </a:r>
                 <a:br>
-                  <a:rPr lang="uk-UA" sz="1400" b="1" i="0" baseline="0" dirty="0" smtClean="0">
+                  <a:rPr lang="ru-RU" sz="1400" b="1" i="0" baseline="0" noProof="0">
                     <a:effectLst/>
                   </a:rPr>
                 </a:br>
                 <a:r>
-                  <a:rPr lang="uk-UA" sz="1400" b="1" i="0" baseline="0" dirty="0" err="1" smtClean="0">
+                  <a:rPr lang="ru-RU" sz="1400" b="1" i="0" baseline="0" noProof="0">
                     <a:effectLst/>
                   </a:rPr>
-                  <a:t>обработан-</a:t>
+                  <a:t>ных партий </a:t>
                 </a:r>
-                <a:r>
-                  <a:rPr lang="uk-UA" sz="1400" b="1" i="0" baseline="0" dirty="0">
-                    <a:effectLst/>
-                  </a:rPr>
-                  <a:t/>
-                </a:r>
-                <a:br>
-                  <a:rPr lang="uk-UA" sz="1400" b="1" i="0" baseline="0" dirty="0">
-                    <a:effectLst/>
-                  </a:rPr>
-                </a:br>
-                <a:r>
-                  <a:rPr lang="uk-UA" sz="1400" b="1" i="0" baseline="0" dirty="0" err="1">
-                    <a:effectLst/>
-                  </a:rPr>
-                  <a:t>ных</a:t>
-                </a:r>
-                <a:r>
-                  <a:rPr lang="uk-UA" sz="1400" b="1" i="0" baseline="0" dirty="0">
-                    <a:effectLst/>
-                  </a:rPr>
-                  <a:t> </a:t>
-                </a:r>
-                <a:r>
-                  <a:rPr lang="uk-UA" sz="1400" b="1" i="0" baseline="0" dirty="0" err="1">
-                    <a:effectLst/>
-                  </a:rPr>
-                  <a:t>партий</a:t>
-                </a:r>
-                <a:r>
-                  <a:rPr lang="uk-UA" sz="1400" b="1" i="0" baseline="0" dirty="0">
-                    <a:effectLst/>
-                  </a:rPr>
-                  <a:t> </a:t>
-                </a:r>
-                <a:endParaRPr lang="uk-UA" sz="1400" dirty="0">
+                <a:endParaRPr lang="ru-RU" sz="1400" noProof="0">
                   <a:effectLst/>
                 </a:endParaRPr>
               </a:p>
@@ -1260,12 +1240,12 @@
         <c:majorTickMark val="none"/>
         <c:minorTickMark val="none"/>
         <c:tickLblPos val="nextTo"/>
-        <c:crossAx val="109136128"/>
+        <c:crossAx val="86893312"/>
         <c:crosses val="autoZero"/>
         <c:crossBetween val="between"/>
       </c:valAx>
       <c:serAx>
-        <c:axId val="85469824"/>
+        <c:axId val="86859776"/>
         <c:scaling>
           <c:orientation val="minMax"/>
         </c:scaling>
@@ -1318,7 +1298,7 @@
         <c:majorTickMark val="none"/>
         <c:minorTickMark val="none"/>
         <c:tickLblPos val="nextTo"/>
-        <c:crossAx val="113875968"/>
+        <c:crossAx val="86895232"/>
         <c:crosses val="autoZero"/>
       </c:serAx>
     </c:plotArea>
@@ -1744,12 +1724,12 @@
         </c:dLbls>
         <c:gapWidth val="150"/>
         <c:shape val="box"/>
-        <c:axId val="75141504"/>
-        <c:axId val="75143808"/>
-        <c:axId val="41989888"/>
+        <c:axId val="86943616"/>
+        <c:axId val="86945152"/>
+        <c:axId val="86862912"/>
       </c:bar3DChart>
       <c:catAx>
-        <c:axId val="75141504"/>
+        <c:axId val="86943616"/>
         <c:scaling>
           <c:orientation val="minMax"/>
         </c:scaling>
@@ -1760,7 +1740,7 @@
         <c:majorTickMark val="none"/>
         <c:minorTickMark val="none"/>
         <c:tickLblPos val="nextTo"/>
-        <c:crossAx val="75143808"/>
+        <c:crossAx val="86945152"/>
         <c:crosses val="autoZero"/>
         <c:auto val="1"/>
         <c:lblAlgn val="ctr"/>
@@ -1768,7 +1748,7 @@
         <c:noMultiLvlLbl val="0"/>
       </c:catAx>
       <c:valAx>
-        <c:axId val="75143808"/>
+        <c:axId val="86945152"/>
         <c:scaling>
           <c:orientation val="minMax"/>
         </c:scaling>
@@ -1779,12 +1759,12 @@
         <c:majorTickMark val="none"/>
         <c:minorTickMark val="none"/>
         <c:tickLblPos val="nextTo"/>
-        <c:crossAx val="75141504"/>
+        <c:crossAx val="86943616"/>
         <c:crosses val="autoZero"/>
         <c:crossBetween val="between"/>
       </c:valAx>
       <c:serAx>
-        <c:axId val="41989888"/>
+        <c:axId val="86862912"/>
         <c:scaling>
           <c:orientation val="minMax"/>
         </c:scaling>
@@ -1794,7 +1774,7 @@
         <c:majorTickMark val="none"/>
         <c:minorTickMark val="none"/>
         <c:tickLblPos val="nextTo"/>
-        <c:crossAx val="75143808"/>
+        <c:crossAx val="86945152"/>
         <c:crosses val="autoZero"/>
       </c:serAx>
     </c:plotArea>
@@ -2224,12 +2204,12 @@
         </c:dLbls>
         <c:gapWidth val="150"/>
         <c:shape val="box"/>
-        <c:axId val="80219136"/>
-        <c:axId val="80225792"/>
-        <c:axId val="79362240"/>
+        <c:axId val="87969792"/>
+        <c:axId val="87971328"/>
+        <c:axId val="86948032"/>
       </c:bar3DChart>
       <c:catAx>
-        <c:axId val="80219136"/>
+        <c:axId val="87969792"/>
         <c:scaling>
           <c:orientation val="minMax"/>
         </c:scaling>
@@ -2240,7 +2220,7 @@
         <c:majorTickMark val="none"/>
         <c:minorTickMark val="none"/>
         <c:tickLblPos val="nextTo"/>
-        <c:crossAx val="80225792"/>
+        <c:crossAx val="87971328"/>
         <c:crosses val="autoZero"/>
         <c:auto val="1"/>
         <c:lblAlgn val="ctr"/>
@@ -2248,7 +2228,7 @@
         <c:noMultiLvlLbl val="0"/>
       </c:catAx>
       <c:valAx>
-        <c:axId val="80225792"/>
+        <c:axId val="87971328"/>
         <c:scaling>
           <c:orientation val="minMax"/>
         </c:scaling>
@@ -2259,12 +2239,12 @@
         <c:majorTickMark val="none"/>
         <c:minorTickMark val="none"/>
         <c:tickLblPos val="nextTo"/>
-        <c:crossAx val="80219136"/>
+        <c:crossAx val="87969792"/>
         <c:crosses val="autoZero"/>
         <c:crossBetween val="between"/>
       </c:valAx>
       <c:serAx>
-        <c:axId val="79362240"/>
+        <c:axId val="86948032"/>
         <c:scaling>
           <c:orientation val="minMax"/>
         </c:scaling>
@@ -2274,7 +2254,7 @@
         <c:majorTickMark val="none"/>
         <c:minorTickMark val="none"/>
         <c:tickLblPos val="nextTo"/>
-        <c:crossAx val="80225792"/>
+        <c:crossAx val="87971328"/>
         <c:crosses val="autoZero"/>
       </c:serAx>
     </c:plotArea>
@@ -2383,7 +2363,7 @@
         <p:nvSpPr>
           <p:cNvPr id="22531" name="Rectangle 2"/>
           <p:cNvSpPr>
-            <a:spLocks noGrp="1" noChangeArrowheads="1"/>
+            <a:spLocks noGrp="1" noRot="1" noChangeAspect="1" noChangeArrowheads="1"/>
           </p:cNvSpPr>
           <p:nvPr>
             <p:ph type="sldImg"/>
@@ -3486,7 +3466,7 @@
         <p:nvSpPr>
           <p:cNvPr id="23555" name="Rectangle 1"/>
           <p:cNvSpPr>
-            <a:spLocks noChangeArrowheads="1" noTextEdit="1"/>
+            <a:spLocks noGrp="1" noRot="1" noChangeAspect="1" noChangeArrowheads="1" noTextEdit="1"/>
           </p:cNvSpPr>
           <p:nvPr>
             <p:ph type="sldImg"/>
@@ -3525,7 +3505,7 @@
         <p:nvSpPr>
           <p:cNvPr id="23556" name="Rectangle 2"/>
           <p:cNvSpPr>
-            <a:spLocks noChangeArrowheads="1"/>
+            <a:spLocks noGrp="1" noChangeArrowheads="1"/>
           </p:cNvSpPr>
           <p:nvPr>
             <p:ph type="body" idx="1"/>
@@ -3975,7 +3955,7 @@
         <p:nvSpPr>
           <p:cNvPr id="33795" name="Rectangle 1"/>
           <p:cNvSpPr>
-            <a:spLocks noChangeArrowheads="1" noTextEdit="1"/>
+            <a:spLocks noGrp="1" noRot="1" noChangeAspect="1" noChangeArrowheads="1" noTextEdit="1"/>
           </p:cNvSpPr>
           <p:nvPr>
             <p:ph type="sldImg"/>
@@ -4014,7 +3994,7 @@
         <p:nvSpPr>
           <p:cNvPr id="33796" name="Rectangle 2"/>
           <p:cNvSpPr>
-            <a:spLocks noChangeArrowheads="1"/>
+            <a:spLocks noGrp="1" noChangeArrowheads="1"/>
           </p:cNvSpPr>
           <p:nvPr>
             <p:ph type="body" idx="1"/>
@@ -4464,7 +4444,7 @@
         <p:nvSpPr>
           <p:cNvPr id="34819" name="Rectangle 1"/>
           <p:cNvSpPr>
-            <a:spLocks noChangeArrowheads="1" noTextEdit="1"/>
+            <a:spLocks noGrp="1" noRot="1" noChangeAspect="1" noChangeArrowheads="1" noTextEdit="1"/>
           </p:cNvSpPr>
           <p:nvPr>
             <p:ph type="sldImg"/>
@@ -4503,7 +4483,7 @@
         <p:nvSpPr>
           <p:cNvPr id="34820" name="Rectangle 2"/>
           <p:cNvSpPr>
-            <a:spLocks noChangeArrowheads="1"/>
+            <a:spLocks noGrp="1" noChangeArrowheads="1"/>
           </p:cNvSpPr>
           <p:nvPr>
             <p:ph type="body" idx="1"/>
@@ -4953,7 +4933,7 @@
         <p:nvSpPr>
           <p:cNvPr id="35843" name="Rectangle 1"/>
           <p:cNvSpPr>
-            <a:spLocks noChangeArrowheads="1" noTextEdit="1"/>
+            <a:spLocks noGrp="1" noRot="1" noChangeAspect="1" noChangeArrowheads="1" noTextEdit="1"/>
           </p:cNvSpPr>
           <p:nvPr>
             <p:ph type="sldImg"/>
@@ -4992,7 +4972,7 @@
         <p:nvSpPr>
           <p:cNvPr id="35844" name="Rectangle 2"/>
           <p:cNvSpPr>
-            <a:spLocks noChangeArrowheads="1"/>
+            <a:spLocks noGrp="1" noChangeArrowheads="1"/>
           </p:cNvSpPr>
           <p:nvPr>
             <p:ph type="body" idx="1"/>
@@ -5442,7 +5422,7 @@
         <p:nvSpPr>
           <p:cNvPr id="24579" name="Rectangle 1"/>
           <p:cNvSpPr>
-            <a:spLocks noChangeArrowheads="1" noTextEdit="1"/>
+            <a:spLocks noGrp="1" noRot="1" noChangeAspect="1" noChangeArrowheads="1" noTextEdit="1"/>
           </p:cNvSpPr>
           <p:nvPr>
             <p:ph type="sldImg"/>
@@ -5481,7 +5461,7 @@
         <p:nvSpPr>
           <p:cNvPr id="24580" name="Rectangle 2"/>
           <p:cNvSpPr>
-            <a:spLocks noChangeArrowheads="1"/>
+            <a:spLocks noGrp="1" noChangeArrowheads="1"/>
           </p:cNvSpPr>
           <p:nvPr>
             <p:ph type="body" idx="1"/>
@@ -5931,7 +5911,7 @@
         <p:nvSpPr>
           <p:cNvPr id="25603" name="Rectangle 1"/>
           <p:cNvSpPr>
-            <a:spLocks noChangeArrowheads="1" noTextEdit="1"/>
+            <a:spLocks noGrp="1" noRot="1" noChangeAspect="1" noChangeArrowheads="1" noTextEdit="1"/>
           </p:cNvSpPr>
           <p:nvPr>
             <p:ph type="sldImg"/>
@@ -5970,7 +5950,7 @@
         <p:nvSpPr>
           <p:cNvPr id="25604" name="Rectangle 2"/>
           <p:cNvSpPr>
-            <a:spLocks noChangeArrowheads="1"/>
+            <a:spLocks noGrp="1" noChangeArrowheads="1"/>
           </p:cNvSpPr>
           <p:nvPr>
             <p:ph type="body" idx="1"/>
@@ -6420,7 +6400,7 @@
         <p:nvSpPr>
           <p:cNvPr id="26627" name="Rectangle 1"/>
           <p:cNvSpPr>
-            <a:spLocks noChangeArrowheads="1" noTextEdit="1"/>
+            <a:spLocks noGrp="1" noRot="1" noChangeAspect="1" noChangeArrowheads="1" noTextEdit="1"/>
           </p:cNvSpPr>
           <p:nvPr>
             <p:ph type="sldImg"/>
@@ -6459,7 +6439,7 @@
         <p:nvSpPr>
           <p:cNvPr id="26628" name="Rectangle 2"/>
           <p:cNvSpPr>
-            <a:spLocks noChangeArrowheads="1"/>
+            <a:spLocks noGrp="1" noChangeArrowheads="1"/>
           </p:cNvSpPr>
           <p:nvPr>
             <p:ph type="body" idx="1"/>
@@ -6909,7 +6889,7 @@
         <p:nvSpPr>
           <p:cNvPr id="27651" name="Rectangle 1"/>
           <p:cNvSpPr>
-            <a:spLocks noChangeArrowheads="1" noTextEdit="1"/>
+            <a:spLocks noGrp="1" noRot="1" noChangeAspect="1" noChangeArrowheads="1" noTextEdit="1"/>
           </p:cNvSpPr>
           <p:nvPr>
             <p:ph type="sldImg"/>
@@ -6948,7 +6928,7 @@
         <p:nvSpPr>
           <p:cNvPr id="27652" name="Rectangle 2"/>
           <p:cNvSpPr>
-            <a:spLocks noChangeArrowheads="1"/>
+            <a:spLocks noGrp="1" noChangeArrowheads="1"/>
           </p:cNvSpPr>
           <p:nvPr>
             <p:ph type="body" idx="1"/>
@@ -7398,7 +7378,7 @@
         <p:nvSpPr>
           <p:cNvPr id="28675" name="Rectangle 1"/>
           <p:cNvSpPr>
-            <a:spLocks noChangeArrowheads="1" noTextEdit="1"/>
+            <a:spLocks noGrp="1" noRot="1" noChangeAspect="1" noChangeArrowheads="1" noTextEdit="1"/>
           </p:cNvSpPr>
           <p:nvPr>
             <p:ph type="sldImg"/>
@@ -7437,7 +7417,7 @@
         <p:nvSpPr>
           <p:cNvPr id="28676" name="Rectangle 2"/>
           <p:cNvSpPr>
-            <a:spLocks noChangeArrowheads="1"/>
+            <a:spLocks noGrp="1" noChangeArrowheads="1"/>
           </p:cNvSpPr>
           <p:nvPr>
             <p:ph type="body" idx="1"/>
@@ -7887,7 +7867,7 @@
         <p:nvSpPr>
           <p:cNvPr id="29699" name="Rectangle 1"/>
           <p:cNvSpPr>
-            <a:spLocks noChangeArrowheads="1" noTextEdit="1"/>
+            <a:spLocks noGrp="1" noRot="1" noChangeAspect="1" noChangeArrowheads="1" noTextEdit="1"/>
           </p:cNvSpPr>
           <p:nvPr>
             <p:ph type="sldImg"/>
@@ -7926,7 +7906,7 @@
         <p:nvSpPr>
           <p:cNvPr id="29700" name="Rectangle 2"/>
           <p:cNvSpPr>
-            <a:spLocks noChangeArrowheads="1"/>
+            <a:spLocks noGrp="1" noChangeArrowheads="1"/>
           </p:cNvSpPr>
           <p:nvPr>
             <p:ph type="body" idx="1"/>
@@ -8376,7 +8356,7 @@
         <p:nvSpPr>
           <p:cNvPr id="30723" name="Rectangle 1"/>
           <p:cNvSpPr>
-            <a:spLocks noChangeArrowheads="1" noTextEdit="1"/>
+            <a:spLocks noGrp="1" noRot="1" noChangeAspect="1" noChangeArrowheads="1" noTextEdit="1"/>
           </p:cNvSpPr>
           <p:nvPr>
             <p:ph type="sldImg"/>
@@ -8415,7 +8395,7 @@
         <p:nvSpPr>
           <p:cNvPr id="30724" name="Rectangle 2"/>
           <p:cNvSpPr>
-            <a:spLocks noChangeArrowheads="1"/>
+            <a:spLocks noGrp="1" noChangeArrowheads="1"/>
           </p:cNvSpPr>
           <p:nvPr>
             <p:ph type="body" idx="1"/>
@@ -8865,7 +8845,7 @@
         <p:nvSpPr>
           <p:cNvPr id="32771" name="Rectangle 1"/>
           <p:cNvSpPr>
-            <a:spLocks noChangeArrowheads="1" noTextEdit="1"/>
+            <a:spLocks noGrp="1" noRot="1" noChangeAspect="1" noChangeArrowheads="1" noTextEdit="1"/>
           </p:cNvSpPr>
           <p:nvPr>
             <p:ph type="sldImg"/>
@@ -8904,7 +8884,7 @@
         <p:nvSpPr>
           <p:cNvPr id="32772" name="Rectangle 2"/>
           <p:cNvSpPr>
-            <a:spLocks noChangeArrowheads="1"/>
+            <a:spLocks noGrp="1" noChangeArrowheads="1"/>
           </p:cNvSpPr>
           <p:nvPr>
             <p:ph type="body" idx="1"/>
@@ -12908,7 +12888,7 @@
   <p:timing>
     <p:tnLst>
       <p:par>
-        <p:cTn id="1" dur="indefinite" nodeType="tmRoot">
+        <p:cTn id="1" dur="indefinite" restart="never" nodeType="tmRoot">
           <p:childTnLst>
             <p:seq concurrent="1" nextAc="seek">
               <p:cTn id="2" dur="0" nodeType="mainSeq"/>
@@ -13069,7 +13049,7 @@
           <a:graphicData uri="http://schemas.openxmlformats.org/presentationml/2006/ole">
             <mc:AlternateContent xmlns:mc="http://schemas.openxmlformats.org/markup-compatibility/2006">
               <mc:Choice xmlns:v="urn:schemas-microsoft-com:vml" Requires="v">
-                <p:oleObj spid="_x0000_s10272" name="Equation" r:id="rId3" imgW="2184400" imgH="228600" progId="Equation.3">
+                <p:oleObj spid="_x0000_s10296" name="Equation" r:id="rId3" imgW="2184400" imgH="228600" progId="Equation.3">
                   <p:embed/>
                 </p:oleObj>
               </mc:Choice>
@@ -13420,7 +13400,7 @@
           <a:graphicData uri="http://schemas.openxmlformats.org/presentationml/2006/ole">
             <mc:AlternateContent xmlns:mc="http://schemas.openxmlformats.org/markup-compatibility/2006">
               <mc:Choice xmlns:v="urn:schemas-microsoft-com:vml" Requires="v">
-                <p:oleObj spid="_x0000_s10273" name="Формула" r:id="rId5" imgW="1739900" imgH="419100" progId="Equation.3">
+                <p:oleObj spid="_x0000_s10297" name="Формула" r:id="rId5" imgW="1739900" imgH="419100" progId="Equation.3">
                   <p:embed/>
                 </p:oleObj>
               </mc:Choice>
@@ -13603,19 +13583,7 @@
             </a:pPr>
             <a:r>
               <a:rPr lang="ru-RU" dirty="0" smtClean="0"/>
-              <a:t>Конкретизация </a:t>
-            </a:r>
-            <a:r>
-              <a:rPr lang="ru-RU" dirty="0" smtClean="0"/>
-              <a:t>критерия</a:t>
-            </a:r>
-            <a:r>
-              <a:rPr lang="ru-RU" dirty="0" smtClean="0"/>
-              <a:t>:</a:t>
-            </a:r>
-            <a:r>
-              <a:rPr lang="ru-RU" dirty="0" smtClean="0"/>
-              <a:t>			</a:t>
+              <a:t>Конкретизация критерия:			</a:t>
             </a:r>
           </a:p>
           <a:p>
@@ -13917,7 +13885,7 @@
           <a:graphicData uri="http://schemas.openxmlformats.org/presentationml/2006/ole">
             <mc:AlternateContent xmlns:mc="http://schemas.openxmlformats.org/markup-compatibility/2006">
               <mc:Choice xmlns:v="urn:schemas-microsoft-com:vml" Requires="v">
-                <p:oleObj spid="_x0000_s11298" name="Equation" r:id="rId4" imgW="3149600" imgH="228600" progId="Equation.3">
+                <p:oleObj spid="_x0000_s11322" name="Equation" r:id="rId4" imgW="3149600" imgH="228600" progId="Equation.3">
                   <p:embed/>
                 </p:oleObj>
               </mc:Choice>
@@ -14132,7 +14100,7 @@
           <a:graphicData uri="http://schemas.openxmlformats.org/presentationml/2006/ole">
             <mc:AlternateContent xmlns:mc="http://schemas.openxmlformats.org/markup-compatibility/2006">
               <mc:Choice xmlns:v="urn:schemas-microsoft-com:vml" Requires="v">
-                <p:oleObj spid="_x0000_s11299" name="Формула" r:id="rId6" imgW="4825800" imgH="1866600" progId="Equation.3">
+                <p:oleObj spid="_x0000_s11323" name="Формула" r:id="rId6" imgW="4825800" imgH="1866600" progId="Equation.3">
                   <p:embed/>
                 </p:oleObj>
               </mc:Choice>
@@ -14361,15 +14329,7 @@
             <a:pPr marL="455613" indent="-455613"/>
             <a:r>
               <a:rPr lang="ru-RU" dirty="0" smtClean="0"/>
-              <a:t>Конкретизация критерия</a:t>
-            </a:r>
-            <a:r>
-              <a:rPr lang="ru-RU" dirty="0" smtClean="0"/>
-              <a:t>:</a:t>
-            </a:r>
-            <a:r>
-              <a:rPr lang="ru-RU" dirty="0" smtClean="0"/>
-              <a:t>			</a:t>
+              <a:t>Конкретизация критерия:			</a:t>
             </a:r>
           </a:p>
           <a:p>
@@ -14678,7 +14638,7 @@
           <a:graphicData uri="http://schemas.openxmlformats.org/presentationml/2006/ole">
             <mc:AlternateContent xmlns:mc="http://schemas.openxmlformats.org/markup-compatibility/2006">
               <mc:Choice xmlns:v="urn:schemas-microsoft-com:vml" Requires="v">
-                <p:oleObj spid="_x0000_s12333" name="Equation" r:id="rId3" imgW="1308100" imgH="241300" progId="Equation.3">
+                <p:oleObj spid="_x0000_s12369" name="Equation" r:id="rId3" imgW="1308100" imgH="241300" progId="Equation.3">
                   <p:embed/>
                 </p:oleObj>
               </mc:Choice>
@@ -14761,7 +14721,7 @@
           <a:graphicData uri="http://schemas.openxmlformats.org/presentationml/2006/ole">
             <mc:AlternateContent xmlns:mc="http://schemas.openxmlformats.org/markup-compatibility/2006">
               <mc:Choice xmlns:v="urn:schemas-microsoft-com:vml" Requires="v">
-                <p:oleObj spid="_x0000_s12334" name="Equation" r:id="rId5" imgW="3060700" imgH="228600" progId="Equation.3">
+                <p:oleObj spid="_x0000_s12370" name="Equation" r:id="rId5" imgW="3060700" imgH="228600" progId="Equation.3">
                   <p:embed/>
                 </p:oleObj>
               </mc:Choice>
@@ -14899,7 +14859,7 @@
           <a:graphicData uri="http://schemas.openxmlformats.org/presentationml/2006/ole">
             <mc:AlternateContent xmlns:mc="http://schemas.openxmlformats.org/markup-compatibility/2006">
               <mc:Choice xmlns:v="urn:schemas-microsoft-com:vml" Requires="v">
-                <p:oleObj spid="_x0000_s12335" name="Формула" r:id="rId7" imgW="3784600" imgH="952500" progId="Equation.3">
+                <p:oleObj spid="_x0000_s12371" name="Формула" r:id="rId7" imgW="3784600" imgH="952500" progId="Equation.3">
                   <p:embed/>
                 </p:oleObj>
               </mc:Choice>
@@ -15300,7 +15260,7 @@
           <a:graphicData uri="http://schemas.openxmlformats.org/presentationml/2006/ole">
             <mc:AlternateContent xmlns:mc="http://schemas.openxmlformats.org/markup-compatibility/2006">
               <mc:Choice xmlns:v="urn:schemas-microsoft-com:vml" Requires="v">
-                <p:oleObj spid="_x0000_s13331" name="Equation" r:id="rId4" imgW="1308100" imgH="241300" progId="Equation.3">
+                <p:oleObj spid="_x0000_s13343" name="Equation" r:id="rId4" imgW="1308100" imgH="241300" progId="Equation.3">
                   <p:embed/>
                 </p:oleObj>
               </mc:Choice>
@@ -15517,24 +15477,75 @@
             </a:pPr>
             <a:r>
               <a:rPr lang="ru-RU" altLang="ru-RU" sz="3200" dirty="0" smtClean="0"/>
-              <a:t>Метод формирования </a:t>
-            </a:r>
-            <a:r>
-              <a:rPr lang="ru-RU" altLang="ru-RU" sz="3200" dirty="0" smtClean="0"/>
-              <a:t>партий данных. </a:t>
-            </a:r>
-            <a:r>
-              <a:rPr lang="ru-RU" altLang="ru-RU" sz="3200" dirty="0" smtClean="0"/>
-              <a:t>Формирование </a:t>
-            </a:r>
-            <a:r>
-              <a:rPr lang="ru-RU" altLang="ru-RU" sz="3200" dirty="0" smtClean="0"/>
-              <a:t>решения по составу партий фиксированного типа</a:t>
-            </a:r>
-            <a:endParaRPr lang="ru-RU" altLang="ru-RU" sz="3200" dirty="0" smtClean="0"/>
+              <a:t>Метод формирования партий данных. Формирование решения по составу партий фиксированного типа</a:t>
+            </a:r>
           </a:p>
         </p:txBody>
       </p:sp>
+      <p:pic>
+        <p:nvPicPr>
+          <p:cNvPr id="2" name="Picture 2"/>
+          <p:cNvPicPr>
+            <a:picLocks noChangeAspect="1" noChangeArrowheads="1"/>
+          </p:cNvPicPr>
+          <p:nvPr/>
+        </p:nvPicPr>
+        <p:blipFill>
+          <a:blip r:embed="rId3">
+            <a:extLst>
+              <a:ext uri="{28A0092B-C50C-407E-A947-70E740481C1C}">
+                <a14:useLocalDpi xmlns:a14="http://schemas.microsoft.com/office/drawing/2010/main" val="0"/>
+              </a:ext>
+            </a:extLst>
+          </a:blip>
+          <a:srcRect/>
+          <a:stretch>
+            <a:fillRect/>
+          </a:stretch>
+        </p:blipFill>
+        <p:spPr bwMode="auto">
+          <a:xfrm>
+            <a:off x="2087984" y="1187550"/>
+            <a:ext cx="5688632" cy="6372126"/>
+          </a:xfrm>
+          <a:prstGeom prst="rect">
+            <a:avLst/>
+          </a:prstGeom>
+          <a:noFill/>
+          <a:ln>
+            <a:noFill/>
+          </a:ln>
+          <a:effectLst/>
+          <a:extLst>
+            <a:ext uri="{909E8E84-426E-40DD-AFC4-6F175D3DCCD1}">
+              <a14:hiddenFill xmlns:a14="http://schemas.microsoft.com/office/drawing/2010/main">
+                <a:solidFill>
+                  <a:schemeClr val="accent1"/>
+                </a:solidFill>
+              </a14:hiddenFill>
+            </a:ext>
+            <a:ext uri="{91240B29-F687-4F45-9708-019B960494DF}">
+              <a14:hiddenLine xmlns:a14="http://schemas.microsoft.com/office/drawing/2010/main" w="9525">
+                <a:solidFill>
+                  <a:schemeClr val="tx1"/>
+                </a:solidFill>
+                <a:miter lim="800000"/>
+                <a:headEnd/>
+                <a:tailEnd/>
+              </a14:hiddenLine>
+            </a:ext>
+            <a:ext uri="{AF507438-7753-43E0-B8FC-AC1667EBCBE1}">
+              <a14:hiddenEffects xmlns:a14="http://schemas.microsoft.com/office/drawing/2010/main">
+                <a:effectLst>
+                  <a:outerShdw dist="35921" dir="2700000" algn="ctr" rotWithShape="0">
+                    <a:schemeClr val="bg2"/>
+                  </a:outerShdw>
+                </a:effectLst>
+              </a14:hiddenEffects>
+            </a:ext>
+          </a:extLst>
+        </p:spPr>
+      </p:pic>
     </p:spTree>
   </p:cSld>
   <p:clrMapOvr>
@@ -15544,7 +15555,7 @@
   <p:timing>
     <p:tnLst>
       <p:par>
-        <p:cTn id="1" dur="indefinite" nodeType="tmRoot">
+        <p:cTn id="1" dur="indefinite" restart="never" nodeType="tmRoot">
           <p:childTnLst>
             <p:seq concurrent="1" nextAc="seek">
               <p:cTn id="2" dur="0" nodeType="mainSeq"/>
@@ -15635,21 +15646,8 @@
             </a:pPr>
             <a:r>
               <a:rPr lang="ru-RU" altLang="ru-RU" sz="3200" dirty="0" smtClean="0"/>
-              <a:t>Метод формирования </a:t>
-            </a:r>
-            <a:r>
-              <a:rPr lang="ru-RU" altLang="ru-RU" sz="3200" dirty="0" smtClean="0"/>
-              <a:t>партий данных. </a:t>
-            </a:r>
-            <a:r>
-              <a:rPr lang="ru-RU" altLang="ru-RU" sz="3200" dirty="0" smtClean="0"/>
-              <a:t>Формирование </a:t>
-            </a:r>
-            <a:r>
-              <a:rPr lang="ru-RU" altLang="ru-RU" sz="3200" dirty="0" smtClean="0"/>
-              <a:t>решения по составу партий данных</a:t>
-            </a:r>
-            <a:endParaRPr lang="ru-RU" altLang="ru-RU" sz="3200" dirty="0" smtClean="0"/>
+              <a:t>Метод формирования партий данных. Формирование решения по составу партий данных</a:t>
+            </a:r>
           </a:p>
         </p:txBody>
       </p:sp>
@@ -15662,7 +15660,7 @@
   <p:timing>
     <p:tnLst>
       <p:par>
-        <p:cTn id="1" dur="indefinite" nodeType="tmRoot">
+        <p:cTn id="1" dur="indefinite" restart="never" nodeType="tmRoot">
           <p:childTnLst>
             <p:seq concurrent="1" nextAc="seek">
               <p:cTn id="2" dur="0" nodeType="mainSeq"/>
@@ -15759,15 +15757,7 @@
             </a:pPr>
             <a:r>
               <a:rPr lang="ru-RU" altLang="ru-RU" dirty="0" smtClean="0"/>
-              <a:t>Графики </a:t>
-            </a:r>
-            <a:r>
-              <a:rPr lang="ru-RU" altLang="ru-RU" dirty="0" smtClean="0"/>
-              <a:t>эффективности метода формирования </a:t>
-            </a:r>
-            <a:r>
-              <a:rPr lang="ru-RU" altLang="ru-RU" dirty="0" smtClean="0"/>
-              <a:t>партий</a:t>
+              <a:t>Графики эффективности метода формирования партий</a:t>
             </a:r>
             <a:r>
               <a:rPr lang="en-US" altLang="ru-RU" dirty="0" smtClean="0"/>
@@ -15777,7 +15767,6 @@
               <a:rPr lang="ru-RU" altLang="ru-RU" dirty="0" smtClean="0"/>
               <a:t>данных</a:t>
             </a:r>
-            <a:endParaRPr lang="ru-RU" altLang="ru-RU" dirty="0" smtClean="0"/>
           </a:p>
         </p:txBody>
       </p:sp>
@@ -15790,7 +15779,7 @@
           <p:nvPr>
             <p:extLst>
               <p:ext uri="{D42A27DB-BD31-4B8C-83A1-F6EECF244321}">
-                <p14:modId xmlns:p14="http://schemas.microsoft.com/office/powerpoint/2010/main" val="2687231618"/>
+                <p14:modId xmlns:p14="http://schemas.microsoft.com/office/powerpoint/2010/main" val="219817681"/>
               </p:ext>
             </p:extLst>
           </p:nvPr>
@@ -15814,7 +15803,7 @@
           <p:nvPr>
             <p:extLst>
               <p:ext uri="{D42A27DB-BD31-4B8C-83A1-F6EECF244321}">
-                <p14:modId xmlns:p14="http://schemas.microsoft.com/office/powerpoint/2010/main" val="1909794548"/>
+                <p14:modId xmlns:p14="http://schemas.microsoft.com/office/powerpoint/2010/main" val="2557071497"/>
               </p:ext>
             </p:extLst>
           </p:nvPr>
@@ -15838,7 +15827,7 @@
   <p:timing>
     <p:tnLst>
       <p:par>
-        <p:cTn id="1" dur="indefinite" nodeType="tmRoot">
+        <p:cTn id="1" dur="indefinite" restart="never" nodeType="tmRoot">
           <p:childTnLst>
             <p:seq concurrent="1" nextAc="seek">
               <p:cTn id="2" dur="0" nodeType="mainSeq"/>
@@ -15935,15 +15924,7 @@
             </a:pPr>
             <a:r>
               <a:rPr lang="ru-RU" altLang="ru-RU" dirty="0" smtClean="0"/>
-              <a:t>Графики </a:t>
-            </a:r>
-            <a:r>
-              <a:rPr lang="ru-RU" altLang="ru-RU" dirty="0" smtClean="0"/>
-              <a:t>эффективности метода формирования </a:t>
-            </a:r>
-            <a:r>
-              <a:rPr lang="ru-RU" altLang="ru-RU" dirty="0" smtClean="0"/>
-              <a:t>партий</a:t>
+              <a:t>Графики эффективности метода формирования партий</a:t>
             </a:r>
             <a:r>
               <a:rPr lang="en-US" altLang="ru-RU" dirty="0" smtClean="0"/>
@@ -15953,7 +15934,6 @@
               <a:rPr lang="ru-RU" altLang="ru-RU" dirty="0" smtClean="0"/>
               <a:t>данных</a:t>
             </a:r>
-            <a:endParaRPr lang="ru-RU" altLang="ru-RU" dirty="0" smtClean="0"/>
           </a:p>
         </p:txBody>
       </p:sp>
@@ -16014,7 +15994,7 @@
   <p:timing>
     <p:tnLst>
       <p:par>
-        <p:cTn id="1" dur="indefinite" nodeType="tmRoot">
+        <p:cTn id="1" dur="indefinite" restart="never" nodeType="tmRoot">
           <p:childTnLst>
             <p:seq concurrent="1" nextAc="seek">
               <p:cTn id="2" dur="0" nodeType="mainSeq"/>
@@ -16104,7 +16084,7 @@
               </a:tabLst>
             </a:pPr>
             <a:r>
-              <a:rPr lang="ru-RU" altLang="ru-RU" smtClean="0"/>
+              <a:rPr lang="ru-RU" altLang="ru-RU" dirty="0" smtClean="0"/>
               <a:t>Применение</a:t>
             </a:r>
           </a:p>
@@ -16128,7 +16108,7 @@
         </p:spPr>
         <p:txBody>
           <a:bodyPr rtlCol="0">
-            <a:normAutofit fontScale="92500"/>
+            <a:normAutofit fontScale="85000" lnSpcReduction="20000"/>
           </a:bodyPr>
           <a:lstStyle/>
           <a:p>
@@ -16239,8 +16219,9 @@
             </a:pPr>
             <a:r>
               <a:rPr lang="ru-RU" altLang="ru-RU" dirty="0" smtClean="0"/>
-              <a:t>Требования — отдельные изображения.</a:t>
-            </a:r>
+              <a:t>Данные— информация от разных типов измерительных устройств, формируемые спутников.</a:t>
+            </a:r>
+            <a:endParaRPr lang="ru-RU" altLang="ru-RU" dirty="0" smtClean="0"/>
           </a:p>
           <a:p>
             <a:pPr marL="377940" indent="-341278" defTabSz="1007838" fontAlgn="auto">
@@ -16276,8 +16257,13 @@
             </a:pPr>
             <a:r>
               <a:rPr lang="ru-RU" altLang="ru-RU" dirty="0" smtClean="0"/>
-              <a:t>Устройства — функции обработки изображений.</a:t>
-            </a:r>
+              <a:t>Устройства — </a:t>
+            </a:r>
+            <a:r>
+              <a:rPr lang="ru-RU" altLang="ru-RU" dirty="0" smtClean="0"/>
+              <a:t>сегмент, реализующий выполнение программы для обработки данных разных типов.</a:t>
+            </a:r>
+            <a:endParaRPr lang="ru-RU" altLang="ru-RU" dirty="0" smtClean="0"/>
           </a:p>
           <a:p>
             <a:pPr marL="377940" indent="-341278" defTabSz="1007838" fontAlgn="auto">
@@ -16313,8 +16299,13 @@
             </a:pPr>
             <a:r>
               <a:rPr lang="ru-RU" altLang="ru-RU" dirty="0" smtClean="0"/>
-              <a:t>Тип требования — информация от разных измерительных устройств, установленных на спутниках передачи данных.</a:t>
-            </a:r>
+              <a:t>Тип </a:t>
+            </a:r>
+            <a:r>
+              <a:rPr lang="ru-RU" altLang="ru-RU" dirty="0" smtClean="0"/>
+              <a:t>данных— снимок поверхности, геотермальный снимок, спектральный снимок, снимки малого разрешения и т.д.</a:t>
+            </a:r>
+            <a:endParaRPr lang="ru-RU" altLang="ru-RU" dirty="0" smtClean="0"/>
           </a:p>
         </p:txBody>
       </p:sp>
@@ -16327,7 +16318,7 @@
   <p:timing>
     <p:tnLst>
       <p:par>
-        <p:cTn id="1" dur="indefinite" nodeType="tmRoot">
+        <p:cTn id="1" dur="indefinite" restart="never" nodeType="tmRoot">
           <p:childTnLst>
             <p:seq concurrent="1" nextAc="seek">
               <p:cTn id="2" dur="0" nodeType="mainSeq"/>
@@ -16555,7 +16546,7 @@
   <p:timing>
     <p:tnLst>
       <p:par>
-        <p:cTn id="1" dur="indefinite" nodeType="tmRoot">
+        <p:cTn id="1" dur="indefinite" restart="never" nodeType="tmRoot">
           <p:childTnLst>
             <p:seq concurrent="1" nextAc="seek">
               <p:cTn id="2" dur="0" nodeType="mainSeq"/>
@@ -16876,7 +16867,7 @@
   <p:timing>
     <p:tnLst>
       <p:par>
-        <p:cTn id="1" dur="indefinite" nodeType="tmRoot">
+        <p:cTn id="1" dur="indefinite" restart="never" nodeType="tmRoot">
           <p:childTnLst>
             <p:seq concurrent="1" nextAc="seek">
               <p:cTn id="2" dur="0" nodeType="mainSeq"/>
@@ -17120,15 +17111,7 @@
             </a:pPr>
             <a:r>
               <a:rPr lang="ru-RU" altLang="ru-RU" sz="3200" dirty="0" smtClean="0"/>
-              <a:t>Проведение исследования по выявлению особенностей </a:t>
-            </a:r>
-            <a:r>
-              <a:rPr lang="ru-RU" altLang="ru-RU" sz="3200" dirty="0" smtClean="0"/>
-              <a:t>вычислительного </a:t>
-            </a:r>
-            <a:r>
-              <a:rPr lang="ru-RU" altLang="ru-RU" sz="3200" dirty="0" smtClean="0"/>
-              <a:t>процесса в конвейерных системах </a:t>
+              <a:t>Проведение исследования по выявлению особенностей вычислительного процесса в конвейерных системах </a:t>
             </a:r>
           </a:p>
           <a:p>
@@ -17173,7 +17156,7 @@
   <p:timing>
     <p:tnLst>
       <p:par>
-        <p:cTn id="1" dur="indefinite" nodeType="tmRoot">
+        <p:cTn id="1" dur="indefinite" restart="never" nodeType="tmRoot">
           <p:childTnLst>
             <p:seq concurrent="1" nextAc="seek">
               <p:cTn id="2" dur="0" nodeType="mainSeq"/>
@@ -17266,20 +17249,12 @@
               <a:rPr lang="ru-RU" altLang="ru-RU" sz="3200" dirty="0" smtClean="0"/>
               <a:t>Логическая схема </a:t>
             </a:r>
-            <a:r>
-              <a:rPr lang="ru-RU" altLang="ru-RU" sz="3200" dirty="0" smtClean="0"/>
-              <a:t/>
-            </a:r>
             <a:br>
               <a:rPr lang="ru-RU" altLang="ru-RU" sz="3200" dirty="0" smtClean="0"/>
             </a:br>
             <a:r>
               <a:rPr lang="ru-RU" altLang="ru-RU" sz="3200" dirty="0" smtClean="0"/>
-              <a:t>системы конвейерной </a:t>
-            </a:r>
-            <a:r>
-              <a:rPr lang="ru-RU" altLang="ru-RU" sz="3200" dirty="0" smtClean="0"/>
-              <a:t>обработки</a:t>
+              <a:t>системы конвейерной обработки</a:t>
             </a:r>
           </a:p>
         </p:txBody>
@@ -17357,7 +17332,7 @@
   <p:timing>
     <p:tnLst>
       <p:par>
-        <p:cTn id="1" dur="indefinite" nodeType="tmRoot">
+        <p:cTn id="1" dur="indefinite" restart="never" nodeType="tmRoot">
           <p:childTnLst>
             <p:seq concurrent="1" nextAc="seek">
               <p:cTn id="2" dur="0" nodeType="mainSeq"/>
@@ -17527,7 +17502,7 @@
   <p:timing>
     <p:tnLst>
       <p:par>
-        <p:cTn id="1" dur="indefinite" nodeType="tmRoot">
+        <p:cTn id="1" dur="indefinite" restart="never" nodeType="tmRoot">
           <p:childTnLst>
             <p:seq concurrent="1" nextAc="seek">
               <p:cTn id="2" dur="0" nodeType="mainSeq"/>
@@ -17803,7 +17778,7 @@
   <p:timing>
     <p:tnLst>
       <p:par>
-        <p:cTn id="1" dur="indefinite" nodeType="tmRoot">
+        <p:cTn id="1" dur="indefinite" restart="never" nodeType="tmRoot">
           <p:childTnLst>
             <p:seq concurrent="1" nextAc="seek">
               <p:cTn id="2" dur="0" nodeType="mainSeq"/>
@@ -17886,108 +17861,34 @@
             </a:endParaRPr>
           </a:p>
           <a:p>
-            <a:pPr marL="523875" defTabSz="1007838" fontAlgn="auto">
-              <a:spcAft>
-                <a:spcPts val="0"/>
-              </a:spcAft>
-              <a:buFont typeface="Arial" pitchFamily="34" charset="0"/>
-              <a:buChar char="•"/>
-              <a:defRPr/>
-            </a:pPr>
-            <a:r>
-              <a:rPr lang="en-US" i="1" dirty="0" smtClean="0"/>
+            <a:pPr lvl="0"/>
+            <a:r>
+              <a:rPr lang="en-US" i="1" dirty="0"/>
               <a:t>n</a:t>
             </a:r>
             <a:r>
-              <a:rPr lang="en-US" dirty="0" smtClean="0"/>
+              <a:rPr lang="en-US" dirty="0"/>
               <a:t> – </a:t>
             </a:r>
             <a:r>
-              <a:rPr lang="ru-RU" dirty="0" smtClean="0"/>
+              <a:rPr lang="ru-RU" dirty="0"/>
               <a:t>количество типов данных,</a:t>
             </a:r>
-          </a:p>
-          <a:p>
-            <a:pPr marL="523875" defTabSz="1007838" fontAlgn="auto">
-              <a:spcAft>
-                <a:spcPts val="0"/>
-              </a:spcAft>
-              <a:buFont typeface="Arial" pitchFamily="34" charset="0"/>
-              <a:buChar char="•"/>
-              <a:defRPr/>
-            </a:pPr>
-            <a:r>
-              <a:rPr lang="en-US" i="1" dirty="0" err="1" smtClean="0">
-                <a:latin typeface="Times New Roman" pitchFamily="18" charset="0"/>
-                <a:cs typeface="Times New Roman" pitchFamily="18" charset="0"/>
-              </a:rPr>
+            <a:endParaRPr lang="uk-UA" dirty="0"/>
+          </a:p>
+          <a:p>
+            <a:pPr lvl="0"/>
+            <a:r>
+              <a:rPr lang="en-US" i="1" dirty="0" err="1"/>
               <a:t>i</a:t>
             </a:r>
             <a:r>
-              <a:rPr lang="en-US" i="1" dirty="0" smtClean="0">
-                <a:latin typeface="Times New Roman" pitchFamily="18" charset="0"/>
-                <a:cs typeface="Times New Roman" pitchFamily="18" charset="0"/>
-              </a:rPr>
-              <a:t> </a:t>
-            </a:r>
-            <a:r>
-              <a:rPr lang="en-US" i="1" dirty="0" smtClean="0"/>
-              <a:t>– </a:t>
-            </a:r>
-            <a:r>
-              <a:rPr lang="ru-RU" dirty="0" smtClean="0"/>
-              <a:t>идентификатор типа требований (         </a:t>
-            </a:r>
-            <a:r>
-              <a:rPr lang="ru-RU" dirty="0" smtClean="0"/>
-              <a:t> ),</a:t>
-            </a:r>
-            <a:endParaRPr lang="ru-RU" dirty="0" smtClean="0"/>
-          </a:p>
-          <a:p>
-            <a:pPr marL="523875" defTabSz="1007838" fontAlgn="auto">
-              <a:spcAft>
-                <a:spcPts val="0"/>
-              </a:spcAft>
-              <a:buFont typeface="Arial" pitchFamily="34" charset="0"/>
-              <a:buChar char="•"/>
-              <a:defRPr/>
-            </a:pPr>
-            <a:r>
-              <a:rPr lang="ru-RU" dirty="0" smtClean="0"/>
-              <a:t>    - количество партий </a:t>
-            </a:r>
-            <a:r>
-              <a:rPr lang="en-US" i="1" dirty="0" err="1" smtClean="0">
-                <a:latin typeface="Times New Roman" pitchFamily="18" charset="0"/>
-                <a:cs typeface="Times New Roman" pitchFamily="18" charset="0"/>
-              </a:rPr>
-              <a:t>i</a:t>
-            </a:r>
-            <a:r>
-              <a:rPr lang="en-US" dirty="0" smtClean="0"/>
-              <a:t>-</a:t>
-            </a:r>
-            <a:r>
-              <a:rPr lang="ru-RU" dirty="0" smtClean="0"/>
-              <a:t>того типа,</a:t>
-            </a:r>
-          </a:p>
-          <a:p>
-            <a:pPr marL="523875" defTabSz="1007838" fontAlgn="auto">
-              <a:spcAft>
-                <a:spcPts val="0"/>
-              </a:spcAft>
-              <a:buFont typeface="Arial" pitchFamily="34" charset="0"/>
-              <a:buChar char="•"/>
-              <a:defRPr/>
-            </a:pPr>
-            <a:r>
-              <a:rPr lang="en-US" i="1" dirty="0" smtClean="0">
-                <a:latin typeface="Times New Roman" pitchFamily="18" charset="0"/>
-                <a:cs typeface="Times New Roman" pitchFamily="18" charset="0"/>
-              </a:rPr>
-              <a:t>M</a:t>
+              <a:rPr lang="en-US" i="1" dirty="0"/>
+              <a:t> – </a:t>
+            </a:r>
+            <a:r>
+              <a:rPr lang="ru-RU" dirty="0"/>
+              <a:t>идентификатор типа требований (          </a:t>
             </a:r>
             <a:r>
               <a:rPr lang="en-US" dirty="0" smtClean="0"/>
@@ -17995,218 +17896,193 @@
             </a:r>
             <a:r>
               <a:rPr lang="ru-RU" dirty="0" smtClean="0"/>
-              <a:t>=</a:t>
+              <a:t>),</a:t>
+            </a:r>
+            <a:endParaRPr lang="uk-UA" dirty="0"/>
+          </a:p>
+          <a:p>
+            <a:pPr lvl="0"/>
+            <a:r>
+              <a:rPr lang="en-US" i="1" dirty="0"/>
+              <a:t>m</a:t>
+            </a:r>
+            <a:r>
+              <a:rPr lang="en-US" i="1" baseline="-25000" dirty="0"/>
+              <a:t>i</a:t>
+            </a:r>
+            <a:r>
+              <a:rPr lang="en-US" dirty="0"/>
+              <a:t> </a:t>
+            </a:r>
+            <a:r>
+              <a:rPr lang="ru-RU" dirty="0"/>
+              <a:t>– количество партий </a:t>
+            </a:r>
+            <a:r>
+              <a:rPr lang="en-US" i="1" dirty="0" err="1"/>
+              <a:t>i</a:t>
+            </a:r>
+            <a:r>
+              <a:rPr lang="ru-RU" dirty="0"/>
+              <a:t>-того типа,</a:t>
+            </a:r>
+            <a:endParaRPr lang="uk-UA" dirty="0"/>
+          </a:p>
+          <a:p>
+            <a:pPr lvl="0"/>
+            <a:r>
+              <a:rPr lang="en-US" i="1" dirty="0"/>
+              <a:t>M</a:t>
+            </a:r>
+            <a:r>
+              <a:rPr lang="en-US" dirty="0"/>
+              <a:t> </a:t>
+            </a:r>
+            <a:r>
+              <a:rPr lang="ru-RU" dirty="0"/>
+              <a:t>= (    |          ) – вектор количества партий данных </a:t>
+            </a:r>
+            <a:r>
+              <a:rPr lang="en-US" i="1" dirty="0" err="1"/>
+              <a:t>i</a:t>
+            </a:r>
+            <a:r>
+              <a:rPr lang="ru-RU" dirty="0"/>
+              <a:t>-</a:t>
+            </a:r>
+            <a:r>
+              <a:rPr lang="ru-RU" dirty="0" err="1"/>
+              <a:t>тых</a:t>
+            </a:r>
+            <a:r>
+              <a:rPr lang="ru-RU" dirty="0"/>
+              <a:t> типов,</a:t>
+            </a:r>
+            <a:endParaRPr lang="uk-UA" dirty="0"/>
+          </a:p>
+          <a:p>
+            <a:pPr lvl="0"/>
+            <a:r>
+              <a:rPr lang="en-US" i="1" dirty="0"/>
+              <a:t>h</a:t>
+            </a:r>
+            <a:r>
+              <a:rPr lang="en-US" dirty="0"/>
+              <a:t> – </a:t>
+            </a:r>
+            <a:r>
+              <a:rPr lang="ru-RU" dirty="0"/>
+              <a:t>идентификатор партии</a:t>
+            </a:r>
+            <a:r>
+              <a:rPr lang="en-US" dirty="0"/>
+              <a:t> (          </a:t>
             </a:r>
             <a:r>
               <a:rPr lang="en-US" dirty="0" smtClean="0"/>
+              <a:t> )</a:t>
+            </a:r>
+            <a:r>
+              <a:rPr lang="ru-RU" dirty="0"/>
+              <a:t>,</a:t>
+            </a:r>
+            <a:endParaRPr lang="uk-UA" dirty="0"/>
+          </a:p>
+          <a:p>
+            <a:pPr lvl="0"/>
+            <a:r>
+              <a:rPr lang="uk-UA" dirty="0"/>
               <a:t> </a:t>
             </a:r>
             <a:r>
-              <a:rPr lang="ru-RU" dirty="0" smtClean="0"/>
-              <a:t>(</a:t>
-            </a:r>
-            <a:r>
-              <a:rPr lang="en-US" dirty="0" smtClean="0"/>
-              <a:t>   </a:t>
-            </a:r>
-            <a:r>
-              <a:rPr lang="ru-RU" dirty="0" smtClean="0"/>
+              <a:rPr lang="en-US" i="1" dirty="0" err="1"/>
+              <a:t>a</a:t>
+            </a:r>
+            <a:r>
+              <a:rPr lang="en-US" i="1" baseline="-25000" dirty="0" err="1"/>
+              <a:t>ih</a:t>
+            </a:r>
+            <a:r>
+              <a:rPr lang="en-US" dirty="0"/>
               <a:t> </a:t>
             </a:r>
             <a:r>
-              <a:rPr lang="en-US" dirty="0" smtClean="0"/>
-              <a:t>|          </a:t>
-            </a:r>
-            <a:r>
-              <a:rPr lang="ru-RU" dirty="0" smtClean="0"/>
-              <a:t>) – вектор количества партий данных </a:t>
-            </a:r>
-            <a:r>
-              <a:rPr lang="en-US" i="1" dirty="0" err="1" smtClean="0">
-                <a:latin typeface="Times New Roman" pitchFamily="18" charset="0"/>
-                <a:cs typeface="Times New Roman" pitchFamily="18" charset="0"/>
-              </a:rPr>
+              <a:rPr lang="ru-RU" dirty="0"/>
+              <a:t>– количество данных </a:t>
+            </a:r>
+            <a:r>
+              <a:rPr lang="en-US" i="1" dirty="0" err="1"/>
               <a:t>i</a:t>
             </a:r>
             <a:r>
-              <a:rPr lang="en-US" dirty="0" smtClean="0"/>
+              <a:rPr lang="ru-RU" dirty="0"/>
+              <a:t>-го типа в </a:t>
+            </a:r>
+            <a:r>
+              <a:rPr lang="en-US" i="1" dirty="0"/>
+              <a:t>h</a:t>
+            </a:r>
+            <a:r>
+              <a:rPr lang="ru-RU" i="1" dirty="0"/>
               <a:t>-</a:t>
             </a:r>
             <a:r>
-              <a:rPr lang="ru-RU" dirty="0" err="1" smtClean="0"/>
-              <a:t>тых</a:t>
-            </a:r>
-            <a:r>
-              <a:rPr lang="ru-RU" dirty="0" smtClean="0"/>
-              <a:t> типов</a:t>
-            </a:r>
-            <a:r>
-              <a:rPr lang="en-US" dirty="0" smtClean="0"/>
-              <a:t>,</a:t>
-            </a:r>
-          </a:p>
-          <a:p>
-            <a:pPr marL="523875" defTabSz="1007838" fontAlgn="auto">
-              <a:spcAft>
-                <a:spcPts val="0"/>
-              </a:spcAft>
-              <a:buFont typeface="Arial" pitchFamily="34" charset="0"/>
-              <a:buChar char="•"/>
-              <a:defRPr/>
-            </a:pPr>
-            <a:r>
-              <a:rPr lang="en-US" i="1" dirty="0" smtClean="0">
-                <a:latin typeface="Times New Roman" pitchFamily="18" charset="0"/>
-                <a:cs typeface="Times New Roman" pitchFamily="18" charset="0"/>
-              </a:rPr>
-              <a:t>h</a:t>
-            </a:r>
-            <a:r>
-              <a:rPr lang="en-US" dirty="0" smtClean="0"/>
-              <a:t> – </a:t>
-            </a:r>
-            <a:r>
-              <a:rPr lang="ru-RU" dirty="0" smtClean="0"/>
-              <a:t>идентификатор партии</a:t>
-            </a:r>
-            <a:r>
-              <a:rPr lang="en-US" dirty="0" smtClean="0"/>
-              <a:t> (</a:t>
-            </a:r>
-            <a:r>
-              <a:rPr lang="ru-RU" dirty="0" smtClean="0"/>
+              <a:rPr lang="ru-RU" dirty="0"/>
+              <a:t>ой партии,</a:t>
+            </a:r>
+            <a:endParaRPr lang="uk-UA" dirty="0"/>
+          </a:p>
+          <a:p>
+            <a:pPr lvl="0"/>
+            <a:r>
+              <a:rPr lang="en-US" dirty="0"/>
+              <a:t>A – </a:t>
+            </a:r>
+            <a:r>
+              <a:rPr lang="ru-RU" dirty="0"/>
+              <a:t>матриц составов партий, </a:t>
+            </a:r>
+            <a:r>
+              <a:rPr lang="en-US" i="1" dirty="0" err="1"/>
+              <a:t>a</a:t>
+            </a:r>
+            <a:r>
+              <a:rPr lang="en-US" i="1" baseline="-25000" dirty="0" err="1"/>
+              <a:t>ih</a:t>
+            </a:r>
+            <a:endParaRPr lang="uk-UA" dirty="0"/>
+          </a:p>
+          <a:p>
+            <a:pPr lvl="0"/>
+            <a:r>
+              <a:rPr lang="ru-RU" dirty="0"/>
+              <a:t>[</a:t>
+            </a:r>
+            <a:r>
+              <a:rPr lang="ru-RU" i="1" dirty="0"/>
+              <a:t>М, А</a:t>
+            </a:r>
+            <a:r>
+              <a:rPr lang="ru-RU" dirty="0"/>
+              <a:t>]</a:t>
+            </a:r>
+            <a:r>
+              <a:rPr lang="ru-RU" i="1" dirty="0"/>
               <a:t> </a:t>
             </a:r>
             <a:r>
-              <a:rPr lang="en-US" dirty="0" smtClean="0"/>
-              <a:t>        </a:t>
-            </a:r>
-            <a:r>
-              <a:rPr lang="ru-RU" dirty="0" smtClean="0"/>
+              <a:rPr lang="ru-RU" dirty="0"/>
+              <a:t>–</a:t>
+            </a:r>
+            <a:r>
+              <a:rPr lang="ru-RU" i="1" dirty="0"/>
               <a:t> </a:t>
             </a:r>
             <a:r>
-              <a:rPr lang="en-US" dirty="0" smtClean="0"/>
-              <a:t>)</a:t>
-            </a:r>
-            <a:r>
-              <a:rPr lang="ru-RU" dirty="0" smtClean="0"/>
-              <a:t>,</a:t>
-            </a:r>
-          </a:p>
-          <a:p>
-            <a:pPr marL="523875" defTabSz="1007838" fontAlgn="auto">
-              <a:spcAft>
-                <a:spcPts val="0"/>
-              </a:spcAft>
-              <a:buFont typeface="Arial" pitchFamily="34" charset="0"/>
-              <a:buChar char="•"/>
-              <a:defRPr/>
-            </a:pPr>
-            <a:r>
-              <a:rPr lang="ru-RU" dirty="0" smtClean="0"/>
-              <a:t> </a:t>
-            </a:r>
-            <a:r>
-              <a:rPr lang="en-US" dirty="0" smtClean="0"/>
-              <a:t>   </a:t>
-            </a:r>
-            <a:r>
-              <a:rPr lang="ru-RU" dirty="0" smtClean="0"/>
-              <a:t> </a:t>
-            </a:r>
-            <a:r>
-              <a:rPr lang="en-US" dirty="0" smtClean="0"/>
-              <a:t>- </a:t>
-            </a:r>
-            <a:r>
-              <a:rPr lang="ru-RU" dirty="0" smtClean="0"/>
-              <a:t>количество данных </a:t>
-            </a:r>
-            <a:r>
-              <a:rPr lang="en-US" i="1" dirty="0" err="1" smtClean="0">
-                <a:latin typeface="Times New Roman" pitchFamily="18" charset="0"/>
-                <a:cs typeface="Times New Roman" pitchFamily="18" charset="0"/>
-              </a:rPr>
-              <a:t>i</a:t>
-            </a:r>
-            <a:r>
-              <a:rPr lang="ru-RU" dirty="0" smtClean="0"/>
-              <a:t>-го типа в </a:t>
-            </a:r>
-            <a:r>
-              <a:rPr lang="en-US" i="1" dirty="0" smtClean="0">
-                <a:latin typeface="Times New Roman" pitchFamily="18" charset="0"/>
-                <a:cs typeface="Times New Roman" pitchFamily="18" charset="0"/>
-              </a:rPr>
-              <a:t>h</a:t>
-            </a:r>
-            <a:r>
-              <a:rPr lang="ru-RU" i="1" dirty="0" smtClean="0"/>
-              <a:t>-</a:t>
-            </a:r>
-            <a:r>
-              <a:rPr lang="ru-RU" dirty="0" smtClean="0"/>
-              <a:t>ой партии,</a:t>
-            </a:r>
-            <a:endParaRPr lang="en-US" dirty="0" smtClean="0"/>
-          </a:p>
-          <a:p>
-            <a:pPr marL="523875" defTabSz="1007838" fontAlgn="auto">
-              <a:spcAft>
-                <a:spcPts val="0"/>
-              </a:spcAft>
-              <a:buFont typeface="Arial" pitchFamily="34" charset="0"/>
-              <a:buChar char="•"/>
-              <a:defRPr/>
-            </a:pPr>
-            <a:r>
-              <a:rPr lang="en-US" dirty="0" smtClean="0">
-                <a:latin typeface="Times New Roman" pitchFamily="18" charset="0"/>
-                <a:cs typeface="Times New Roman" pitchFamily="18" charset="0"/>
-              </a:rPr>
-              <a:t>A</a:t>
-            </a:r>
-            <a:r>
-              <a:rPr lang="ru-RU" dirty="0" smtClean="0">
-                <a:latin typeface="Times New Roman" pitchFamily="18" charset="0"/>
-                <a:cs typeface="Times New Roman" pitchFamily="18" charset="0"/>
-              </a:rPr>
-              <a:t>=</a:t>
-            </a:r>
-            <a:r>
-              <a:rPr lang="en-US" dirty="0" smtClean="0"/>
-              <a:t> – </a:t>
-            </a:r>
-            <a:r>
-              <a:rPr lang="ru-RU" dirty="0" smtClean="0"/>
-              <a:t>матриц составов партий,</a:t>
-            </a:r>
-          </a:p>
-          <a:p>
-            <a:pPr marL="523875" defTabSz="1007838" fontAlgn="auto">
-              <a:spcAft>
-                <a:spcPts val="0"/>
-              </a:spcAft>
-              <a:buFont typeface="Arial" pitchFamily="34" charset="0"/>
-              <a:buChar char="•"/>
-              <a:defRPr/>
-            </a:pPr>
-            <a:r>
-              <a:rPr lang="ru-RU" i="1" dirty="0" smtClean="0">
-                <a:latin typeface="Times New Roman" pitchFamily="18" charset="0"/>
-                <a:cs typeface="Times New Roman" pitchFamily="18" charset="0"/>
-              </a:rPr>
-              <a:t>[М, А] </a:t>
-            </a:r>
-            <a:r>
-              <a:rPr lang="ru-RU" i="1" dirty="0" smtClean="0"/>
-              <a:t>- </a:t>
-            </a:r>
-            <a:r>
-              <a:rPr lang="ru-RU" dirty="0" smtClean="0"/>
+              <a:rPr lang="ru-RU" dirty="0"/>
               <a:t>Решение, формируемое на первом уровне системы.</a:t>
             </a:r>
+            <a:endParaRPr lang="uk-UA" dirty="0"/>
           </a:p>
         </p:txBody>
       </p:sp>
@@ -18287,17 +18163,23 @@
           <p:cNvGraphicFramePr>
             <a:graphicFrameLocks noChangeAspect="1"/>
           </p:cNvGraphicFramePr>
-          <p:nvPr/>
+          <p:nvPr>
+            <p:extLst>
+              <p:ext uri="{D42A27DB-BD31-4B8C-83A1-F6EECF244321}">
+                <p14:modId xmlns:p14="http://schemas.microsoft.com/office/powerpoint/2010/main" val="1565685814"/>
+              </p:ext>
+            </p:extLst>
+          </p:nvPr>
         </p:nvGraphicFramePr>
         <p:xfrm>
-          <a:off x="7127875" y="1927225"/>
+          <a:off x="6984528" y="1927225"/>
           <a:ext cx="1008063" cy="560388"/>
         </p:xfrm>
         <a:graphic>
           <a:graphicData uri="http://schemas.openxmlformats.org/presentationml/2006/ole">
             <mc:AlternateContent xmlns:mc="http://schemas.openxmlformats.org/markup-compatibility/2006">
               <mc:Choice xmlns:v="urn:schemas-microsoft-com:vml" Requires="v">
-                <p:oleObj spid="_x0000_s8284" name="Equation" r:id="rId3" imgW="432363" imgH="241615" progId="Equation.3">
+                <p:oleObj spid="_x0000_s8366" name="Equation" r:id="rId3" imgW="432363" imgH="241615" progId="Equation.3">
                   <p:embed/>
                 </p:oleObj>
               </mc:Choice>
@@ -18327,7 +18209,7 @@
                     </p:blipFill>
                     <p:spPr bwMode="auto">
                       <a:xfrm>
-                        <a:off x="7127875" y="1927225"/>
+                        <a:off x="6984528" y="1927225"/>
                         <a:ext cx="1008063" cy="560388"/>
                       </a:xfrm>
                       <a:prstGeom prst="rect">
@@ -18437,95 +18319,6 @@
       </p:sp>
       <p:graphicFrame>
         <p:nvGraphicFramePr>
-          <p:cNvPr id="8198" name="Объект 28"/>
-          <p:cNvGraphicFramePr>
-            <a:graphicFrameLocks noChangeAspect="1"/>
-          </p:cNvGraphicFramePr>
-          <p:nvPr>
-            <p:extLst>
-              <p:ext uri="{D42A27DB-BD31-4B8C-83A1-F6EECF244321}">
-                <p14:modId xmlns:p14="http://schemas.microsoft.com/office/powerpoint/2010/main" val="870503641"/>
-              </p:ext>
-            </p:extLst>
-          </p:nvPr>
-        </p:nvGraphicFramePr>
-        <p:xfrm>
-          <a:off x="647824" y="2555701"/>
-          <a:ext cx="398462" cy="504825"/>
-        </p:xfrm>
-        <a:graphic>
-          <a:graphicData uri="http://schemas.openxmlformats.org/presentationml/2006/ole">
-            <mc:AlternateContent xmlns:mc="http://schemas.openxmlformats.org/markup-compatibility/2006">
-              <mc:Choice xmlns:v="urn:schemas-microsoft-com:vml" Requires="v">
-                <p:oleObj spid="_x0000_s8285" name="Equation" r:id="rId5" imgW="177646" imgH="228402" progId="Equation.3">
-                  <p:embed/>
-                </p:oleObj>
-              </mc:Choice>
-              <mc:Fallback>
-                <p:oleObj name="Equation" r:id="rId5" imgW="177646" imgH="228402" progId="Equation.3">
-                  <p:embed/>
-                  <p:pic>
-                    <p:nvPicPr>
-                      <p:cNvPr id="0" name="Объект 28"/>
-                      <p:cNvPicPr>
-                        <a:picLocks noChangeAspect="1" noChangeArrowheads="1"/>
-                      </p:cNvPicPr>
-                      <p:nvPr/>
-                    </p:nvPicPr>
-                    <p:blipFill>
-                      <a:blip r:embed="rId6">
-                        <a:extLst>
-                          <a:ext uri="{28A0092B-C50C-407E-A947-70E740481C1C}">
-                            <a14:useLocalDpi xmlns:a14="http://schemas.microsoft.com/office/drawing/2010/main" val="0"/>
-                          </a:ext>
-                        </a:extLst>
-                      </a:blip>
-                      <a:srcRect/>
-                      <a:stretch>
-                        <a:fillRect/>
-                      </a:stretch>
-                    </p:blipFill>
-                    <p:spPr bwMode="auto">
-                      <a:xfrm>
-                        <a:off x="647824" y="2555701"/>
-                        <a:ext cx="398462" cy="504825"/>
-                      </a:xfrm>
-                      <a:prstGeom prst="rect">
-                        <a:avLst/>
-                      </a:prstGeom>
-                      <a:noFill/>
-                      <a:ln>
-                        <a:noFill/>
-                      </a:ln>
-                      <a:extLst>
-                        <a:ext uri="{909E8E84-426E-40DD-AFC4-6F175D3DCCD1}">
-                          <a14:hiddenFill xmlns:a14="http://schemas.microsoft.com/office/drawing/2010/main">
-                            <a:solidFill>
-                              <a:srgbClr val="FFFFFF"/>
-                            </a:solidFill>
-                          </a14:hiddenFill>
-                        </a:ext>
-                        <a:ext uri="{91240B29-F687-4F45-9708-019B960494DF}">
-                          <a14:hiddenLine xmlns:a14="http://schemas.microsoft.com/office/drawing/2010/main" w="9525">
-                            <a:solidFill>
-                              <a:srgbClr val="000000"/>
-                            </a:solidFill>
-                            <a:miter lim="800000"/>
-                            <a:headEnd/>
-                            <a:tailEnd/>
-                          </a14:hiddenLine>
-                        </a:ext>
-                      </a:extLst>
-                    </p:spPr>
-                  </p:pic>
-                </p:oleObj>
-              </mc:Fallback>
-            </mc:AlternateContent>
-          </a:graphicData>
-        </a:graphic>
-      </p:graphicFrame>
-      <p:graphicFrame>
-        <p:nvGraphicFramePr>
           <p:cNvPr id="8199" name="Объект 30"/>
           <p:cNvGraphicFramePr>
             <a:graphicFrameLocks noChangeAspect="1"/>
@@ -18533,25 +18326,25 @@
           <p:nvPr>
             <p:extLst>
               <p:ext uri="{D42A27DB-BD31-4B8C-83A1-F6EECF244321}">
-                <p14:modId xmlns:p14="http://schemas.microsoft.com/office/powerpoint/2010/main" val="1079227385"/>
+                <p14:modId xmlns:p14="http://schemas.microsoft.com/office/powerpoint/2010/main" val="1048878322"/>
               </p:ext>
             </p:extLst>
           </p:nvPr>
         </p:nvGraphicFramePr>
         <p:xfrm>
-          <a:off x="2159992" y="3077021"/>
+          <a:off x="2015976" y="3077021"/>
           <a:ext cx="1008063" cy="558800"/>
         </p:xfrm>
         <a:graphic>
           <a:graphicData uri="http://schemas.openxmlformats.org/presentationml/2006/ole">
             <mc:AlternateContent xmlns:mc="http://schemas.openxmlformats.org/markup-compatibility/2006">
               <mc:Choice xmlns:v="urn:schemas-microsoft-com:vml" Requires="v">
-                <p:oleObj spid="_x0000_s8286" name="Equation" r:id="rId7" imgW="432363" imgH="241615" progId="Equation.3">
+                <p:oleObj spid="_x0000_s8367" name="Equation" r:id="rId5" imgW="432363" imgH="241615" progId="Equation.3">
                   <p:embed/>
                 </p:oleObj>
               </mc:Choice>
               <mc:Fallback>
-                <p:oleObj name="Equation" r:id="rId7" imgW="432363" imgH="241615" progId="Equation.3">
+                <p:oleObj name="Equation" r:id="rId5" imgW="432363" imgH="241615" progId="Equation.3">
                   <p:embed/>
                   <p:pic>
                     <p:nvPicPr>
@@ -18576,7 +18369,7 @@
                     </p:blipFill>
                     <p:spPr bwMode="auto">
                       <a:xfrm>
-                        <a:off x="2159992" y="3077021"/>
+                        <a:off x="2015976" y="3077021"/>
                         <a:ext cx="1008063" cy="558800"/>
                       </a:xfrm>
                       <a:prstGeom prst="rect">
@@ -18684,95 +18477,6 @@
           </a:p>
         </p:txBody>
       </p:sp>
-      <p:graphicFrame>
-        <p:nvGraphicFramePr>
-          <p:cNvPr id="8201" name="Объект 32"/>
-          <p:cNvGraphicFramePr>
-            <a:graphicFrameLocks noChangeAspect="1"/>
-          </p:cNvGraphicFramePr>
-          <p:nvPr>
-            <p:extLst>
-              <p:ext uri="{D42A27DB-BD31-4B8C-83A1-F6EECF244321}">
-                <p14:modId xmlns:p14="http://schemas.microsoft.com/office/powerpoint/2010/main" val="4134635520"/>
-              </p:ext>
-            </p:extLst>
-          </p:nvPr>
-        </p:nvGraphicFramePr>
-        <p:xfrm>
-          <a:off x="719832" y="4715941"/>
-          <a:ext cx="617537" cy="644525"/>
-        </p:xfrm>
-        <a:graphic>
-          <a:graphicData uri="http://schemas.openxmlformats.org/presentationml/2006/ole">
-            <mc:AlternateContent xmlns:mc="http://schemas.openxmlformats.org/markup-compatibility/2006">
-              <mc:Choice xmlns:v="urn:schemas-microsoft-com:vml" Requires="v">
-                <p:oleObj spid="_x0000_s8287" name="Equation" r:id="rId8" imgW="215806" imgH="228501" progId="Equation.3">
-                  <p:embed/>
-                </p:oleObj>
-              </mc:Choice>
-              <mc:Fallback>
-                <p:oleObj name="Equation" r:id="rId8" imgW="215806" imgH="228501" progId="Equation.3">
-                  <p:embed/>
-                  <p:pic>
-                    <p:nvPicPr>
-                      <p:cNvPr id="0" name="Объект 32"/>
-                      <p:cNvPicPr>
-                        <a:picLocks noChangeAspect="1" noChangeArrowheads="1"/>
-                      </p:cNvPicPr>
-                      <p:nvPr/>
-                    </p:nvPicPr>
-                    <p:blipFill>
-                      <a:blip r:embed="rId9">
-                        <a:extLst>
-                          <a:ext uri="{28A0092B-C50C-407E-A947-70E740481C1C}">
-                            <a14:useLocalDpi xmlns:a14="http://schemas.microsoft.com/office/drawing/2010/main" val="0"/>
-                          </a:ext>
-                        </a:extLst>
-                      </a:blip>
-                      <a:srcRect/>
-                      <a:stretch>
-                        <a:fillRect/>
-                      </a:stretch>
-                    </p:blipFill>
-                    <p:spPr bwMode="auto">
-                      <a:xfrm>
-                        <a:off x="719832" y="4715941"/>
-                        <a:ext cx="617537" cy="644525"/>
-                      </a:xfrm>
-                      <a:prstGeom prst="rect">
-                        <a:avLst/>
-                      </a:prstGeom>
-                      <a:noFill/>
-                      <a:ln>
-                        <a:noFill/>
-                      </a:ln>
-                      <a:extLst>
-                        <a:ext uri="{909E8E84-426E-40DD-AFC4-6F175D3DCCD1}">
-                          <a14:hiddenFill xmlns:a14="http://schemas.microsoft.com/office/drawing/2010/main">
-                            <a:solidFill>
-                              <a:srgbClr val="FFFFFF"/>
-                            </a:solidFill>
-                          </a14:hiddenFill>
-                        </a:ext>
-                        <a:ext uri="{91240B29-F687-4F45-9708-019B960494DF}">
-                          <a14:hiddenLine xmlns:a14="http://schemas.microsoft.com/office/drawing/2010/main" w="9525">
-                            <a:solidFill>
-                              <a:srgbClr val="000000"/>
-                            </a:solidFill>
-                            <a:miter lim="800000"/>
-                            <a:headEnd/>
-                            <a:tailEnd/>
-                          </a14:hiddenLine>
-                        </a:ext>
-                      </a:extLst>
-                    </p:spPr>
-                  </p:pic>
-                </p:oleObj>
-              </mc:Fallback>
-            </mc:AlternateContent>
-          </a:graphicData>
-        </a:graphic>
-      </p:graphicFrame>
       <p:sp>
         <p:nvSpPr>
           <p:cNvPr id="8202" name="Rectangle 30"/>
@@ -18853,25 +18557,25 @@
           <p:nvPr>
             <p:extLst>
               <p:ext uri="{D42A27DB-BD31-4B8C-83A1-F6EECF244321}">
-                <p14:modId xmlns:p14="http://schemas.microsoft.com/office/powerpoint/2010/main" val="160424135"/>
+                <p14:modId xmlns:p14="http://schemas.microsoft.com/office/powerpoint/2010/main" val="3641080092"/>
               </p:ext>
             </p:extLst>
           </p:nvPr>
         </p:nvGraphicFramePr>
         <p:xfrm>
-          <a:off x="5472360" y="4211885"/>
+          <a:off x="5400352" y="4139877"/>
           <a:ext cx="1079500" cy="576262"/>
         </p:xfrm>
         <a:graphic>
           <a:graphicData uri="http://schemas.openxmlformats.org/presentationml/2006/ole">
             <mc:AlternateContent xmlns:mc="http://schemas.openxmlformats.org/markup-compatibility/2006">
               <mc:Choice xmlns:v="urn:schemas-microsoft-com:vml" Requires="v">
-                <p:oleObj spid="_x0000_s8288" name="Equation" r:id="rId10" imgW="431613" imgH="228501" progId="Equation.3">
+                <p:oleObj spid="_x0000_s8368" name="Equation" r:id="rId6" imgW="431613" imgH="228501" progId="Equation.3">
                   <p:embed/>
                 </p:oleObj>
               </mc:Choice>
               <mc:Fallback>
-                <p:oleObj name="Equation" r:id="rId10" imgW="431613" imgH="228501" progId="Equation.3">
+                <p:oleObj name="Equation" r:id="rId6" imgW="431613" imgH="228501" progId="Equation.3">
                   <p:embed/>
                   <p:pic>
                     <p:nvPicPr>
@@ -18882,7 +18586,7 @@
                       <p:nvPr/>
                     </p:nvPicPr>
                     <p:blipFill>
-                      <a:blip r:embed="rId11">
+                      <a:blip r:embed="rId7">
                         <a:extLst>
                           <a:ext uri="{28A0092B-C50C-407E-A947-70E740481C1C}">
                             <a14:useLocalDpi xmlns:a14="http://schemas.microsoft.com/office/drawing/2010/main" val="0"/>
@@ -18896,7 +18600,7 @@
                     </p:blipFill>
                     <p:spPr bwMode="auto">
                       <a:xfrm>
-                        <a:off x="5472360" y="4211885"/>
+                        <a:off x="5400352" y="4139877"/>
                         <a:ext cx="1079500" cy="576262"/>
                       </a:xfrm>
                       <a:prstGeom prst="rect">
@@ -19006,30 +18710,36 @@
       </p:sp>
       <p:graphicFrame>
         <p:nvGraphicFramePr>
-          <p:cNvPr id="8205" name="Объект 36"/>
+          <p:cNvPr id="8206" name="Объект 1"/>
           <p:cNvGraphicFramePr>
             <a:graphicFrameLocks noChangeAspect="1"/>
           </p:cNvGraphicFramePr>
-          <p:nvPr/>
+          <p:nvPr>
+            <p:extLst>
+              <p:ext uri="{D42A27DB-BD31-4B8C-83A1-F6EECF244321}">
+                <p14:modId xmlns:p14="http://schemas.microsoft.com/office/powerpoint/2010/main" val="352625932"/>
+              </p:ext>
+            </p:extLst>
+          </p:nvPr>
         </p:nvGraphicFramePr>
         <p:xfrm>
-          <a:off x="6173788" y="5384800"/>
-          <a:ext cx="612775" cy="639763"/>
+          <a:off x="1511920" y="3131765"/>
+          <a:ext cx="398463" cy="504825"/>
         </p:xfrm>
         <a:graphic>
           <a:graphicData uri="http://schemas.openxmlformats.org/presentationml/2006/ole">
             <mc:AlternateContent xmlns:mc="http://schemas.openxmlformats.org/markup-compatibility/2006">
               <mc:Choice xmlns:v="urn:schemas-microsoft-com:vml" Requires="v">
-                <p:oleObj spid="_x0000_s8289" name="Equation" r:id="rId12" imgW="215806" imgH="228501" progId="Equation.3">
+                <p:oleObj spid="_x0000_s8369" name="Equation" r:id="rId8" imgW="177646" imgH="228402" progId="Equation.3">
                   <p:embed/>
                 </p:oleObj>
               </mc:Choice>
               <mc:Fallback>
-                <p:oleObj name="Equation" r:id="rId12" imgW="215806" imgH="228501" progId="Equation.3">
+                <p:oleObj name="Equation" r:id="rId8" imgW="177646" imgH="228402" progId="Equation.3">
                   <p:embed/>
                   <p:pic>
                     <p:nvPicPr>
-                      <p:cNvPr id="0" name="Объект 36"/>
+                      <p:cNvPr id="0" name="Объект 1"/>
                       <p:cNvPicPr>
                         <a:picLocks noChangeAspect="1" noChangeArrowheads="1"/>
                       </p:cNvPicPr>
@@ -19050,96 +18760,7 @@
                     </p:blipFill>
                     <p:spPr bwMode="auto">
                       <a:xfrm>
-                        <a:off x="6173788" y="5384800"/>
-                        <a:ext cx="612775" cy="639763"/>
-                      </a:xfrm>
-                      <a:prstGeom prst="rect">
-                        <a:avLst/>
-                      </a:prstGeom>
-                      <a:noFill/>
-                      <a:ln>
-                        <a:noFill/>
-                      </a:ln>
-                      <a:extLst>
-                        <a:ext uri="{909E8E84-426E-40DD-AFC4-6F175D3DCCD1}">
-                          <a14:hiddenFill xmlns:a14="http://schemas.microsoft.com/office/drawing/2010/main">
-                            <a:solidFill>
-                              <a:srgbClr val="FFFFFF"/>
-                            </a:solidFill>
-                          </a14:hiddenFill>
-                        </a:ext>
-                        <a:ext uri="{91240B29-F687-4F45-9708-019B960494DF}">
-                          <a14:hiddenLine xmlns:a14="http://schemas.microsoft.com/office/drawing/2010/main" w="9525">
-                            <a:solidFill>
-                              <a:srgbClr val="000000"/>
-                            </a:solidFill>
-                            <a:miter lim="800000"/>
-                            <a:headEnd/>
-                            <a:tailEnd/>
-                          </a14:hiddenLine>
-                        </a:ext>
-                      </a:extLst>
-                    </p:spPr>
-                  </p:pic>
-                </p:oleObj>
-              </mc:Fallback>
-            </mc:AlternateContent>
-          </a:graphicData>
-        </a:graphic>
-      </p:graphicFrame>
-      <p:graphicFrame>
-        <p:nvGraphicFramePr>
-          <p:cNvPr id="8206" name="Объект 1"/>
-          <p:cNvGraphicFramePr>
-            <a:graphicFrameLocks noChangeAspect="1"/>
-          </p:cNvGraphicFramePr>
-          <p:nvPr>
-            <p:extLst>
-              <p:ext uri="{D42A27DB-BD31-4B8C-83A1-F6EECF244321}">
-                <p14:modId xmlns:p14="http://schemas.microsoft.com/office/powerpoint/2010/main" val="2107431786"/>
-              </p:ext>
-            </p:extLst>
-          </p:nvPr>
-        </p:nvGraphicFramePr>
-        <p:xfrm>
-          <a:off x="1583928" y="3131765"/>
-          <a:ext cx="398463" cy="504825"/>
-        </p:xfrm>
-        <a:graphic>
-          <a:graphicData uri="http://schemas.openxmlformats.org/presentationml/2006/ole">
-            <mc:AlternateContent xmlns:mc="http://schemas.openxmlformats.org/markup-compatibility/2006">
-              <mc:Choice xmlns:v="urn:schemas-microsoft-com:vml" Requires="v">
-                <p:oleObj spid="_x0000_s8290" name="Equation" r:id="rId13" imgW="177646" imgH="228402" progId="Equation.3">
-                  <p:embed/>
-                </p:oleObj>
-              </mc:Choice>
-              <mc:Fallback>
-                <p:oleObj name="Equation" r:id="rId13" imgW="177646" imgH="228402" progId="Equation.3">
-                  <p:embed/>
-                  <p:pic>
-                    <p:nvPicPr>
-                      <p:cNvPr id="0" name="Объект 1"/>
-                      <p:cNvPicPr>
-                        <a:picLocks noChangeAspect="1" noChangeArrowheads="1"/>
-                      </p:cNvPicPr>
-                      <p:nvPr/>
-                    </p:nvPicPr>
-                    <p:blipFill>
-                      <a:blip r:embed="rId6">
-                        <a:extLst>
-                          <a:ext uri="{28A0092B-C50C-407E-A947-70E740481C1C}">
-                            <a14:useLocalDpi xmlns:a14="http://schemas.microsoft.com/office/drawing/2010/main" val="0"/>
-                          </a:ext>
-                        </a:extLst>
-                      </a:blip>
-                      <a:srcRect/>
-                      <a:stretch>
-                        <a:fillRect/>
-                      </a:stretch>
-                    </p:blipFill>
-                    <p:spPr bwMode="auto">
-                      <a:xfrm>
-                        <a:off x="1583928" y="3131765"/>
+                        <a:off x="1511920" y="3131765"/>
                         <a:ext cx="398463" cy="504825"/>
                       </a:xfrm>
                       <a:prstGeom prst="rect">
@@ -19226,7 +18847,7 @@
         </p:spPr>
         <p:txBody>
           <a:bodyPr rtlCol="0">
-            <a:normAutofit fontScale="92500"/>
+            <a:normAutofit/>
           </a:bodyPr>
           <a:lstStyle/>
           <a:p>
@@ -19268,10 +18889,7 @@
               <a:t>длительность группы номер </a:t>
             </a:r>
             <a:r>
-              <a:rPr lang="en-US" i="1" dirty="0" smtClean="0">
-                <a:latin typeface="Times New Roman" pitchFamily="18" charset="0"/>
-                <a:cs typeface="Times New Roman" pitchFamily="18" charset="0"/>
-              </a:rPr>
+              <a:rPr lang="en-US" i="1" dirty="0"/>
               <a:t>z</a:t>
             </a:r>
             <a:r>
@@ -19293,15 +18911,12 @@
               <a:defRPr/>
             </a:pPr>
             <a:r>
-              <a:rPr lang="ru-RU" i="1" dirty="0" smtClean="0">
-                <a:latin typeface="Times New Roman" pitchFamily="18" charset="0"/>
-                <a:cs typeface="Times New Roman" pitchFamily="18" charset="0"/>
-              </a:rPr>
-              <a:t>  </a:t>
-            </a:r>
-            <a:r>
-              <a:rPr lang="en-US" dirty="0" smtClean="0"/>
-              <a:t> </a:t>
+              <a:rPr lang="en-US" i="1" dirty="0" err="1"/>
+              <a:t>N</a:t>
+            </a:r>
+            <a:r>
+              <a:rPr lang="en-US" i="1" baseline="30000" dirty="0" err="1" smtClean="0"/>
+              <a:t>z</a:t>
             </a:r>
             <a:r>
               <a:rPr lang="ru-RU" dirty="0" smtClean="0"/>
@@ -19328,8 +18943,13 @@
             </a:r>
             <a:r>
               <a:rPr lang="ru-RU" dirty="0" smtClean="0"/>
-              <a:t>группа партий  (          ),</a:t>
-            </a:r>
+              <a:t>группа партий  (          </a:t>
+            </a:r>
+            <a:r>
+              <a:rPr lang="ru-RU" dirty="0" smtClean="0"/>
+              <a:t>),</a:t>
+            </a:r>
+            <a:endParaRPr lang="en-US" dirty="0" smtClean="0"/>
           </a:p>
           <a:p>
             <a:pPr marL="377940" indent="-377940" defTabSz="1007838" fontAlgn="auto">
@@ -19341,24 +18961,26 @@
               <a:defRPr/>
             </a:pPr>
             <a:r>
+              <a:rPr lang="en-US" i="1" dirty="0" err="1" smtClean="0"/>
+              <a:t>P</a:t>
+            </a:r>
+            <a:r>
+              <a:rPr lang="en-US" i="1" baseline="30000" dirty="0" err="1" smtClean="0"/>
+              <a:t>z</a:t>
+            </a:r>
+            <a:r>
+              <a:rPr lang="en-US" i="1" baseline="30000" dirty="0"/>
+              <a:t> </a:t>
+            </a:r>
+            <a:r>
               <a:rPr lang="ru-RU" dirty="0" smtClean="0"/>
-              <a:t>    - количество данных </a:t>
-            </a:r>
-            <a:r>
-              <a:rPr lang="en-US" i="1" dirty="0" err="1" smtClean="0">
-                <a:latin typeface="Times New Roman" pitchFamily="18" charset="0"/>
-                <a:cs typeface="Times New Roman" pitchFamily="18" charset="0"/>
-              </a:rPr>
-              <a:t>i</a:t>
-            </a:r>
-            <a:r>
-              <a:rPr lang="en-US" dirty="0" smtClean="0"/>
-              <a:t>-</a:t>
+              <a:t> – м</a:t>
             </a:r>
             <a:r>
               <a:rPr lang="ru-RU" dirty="0" smtClean="0"/>
-              <a:t>того типа в партии    ,</a:t>
-            </a:r>
+              <a:t>атрица определения порядка следования партий в группе,</a:t>
+            </a:r>
+            <a:endParaRPr lang="en-US" dirty="0" smtClean="0"/>
           </a:p>
           <a:p>
             <a:pPr marL="377940" indent="-377940" defTabSz="1007838" fontAlgn="auto">
@@ -19370,42 +18992,26 @@
               <a:defRPr/>
             </a:pPr>
             <a:r>
+              <a:rPr lang="en-US" i="1" dirty="0" err="1" smtClean="0"/>
+              <a:t>R</a:t>
+            </a:r>
+            <a:r>
+              <a:rPr lang="en-US" i="1" baseline="30000" dirty="0" err="1" smtClean="0"/>
+              <a:t>z</a:t>
+            </a:r>
+            <a:r>
               <a:rPr lang="en-US" dirty="0" smtClean="0"/>
-              <a:t> </a:t>
+              <a:t> – </a:t>
             </a:r>
             <a:r>
               <a:rPr lang="ru-RU" dirty="0" smtClean="0"/>
-              <a:t>     </a:t>
+              <a:t>матрица определения количества требований в партии</a:t>
             </a:r>
             <a:r>
               <a:rPr lang="ru-RU" dirty="0" smtClean="0"/>
-              <a:t> </a:t>
-            </a:r>
-            <a:r>
-              <a:rPr lang="en-US" dirty="0" smtClean="0"/>
-              <a:t>– </a:t>
-            </a:r>
-            <a:r>
-              <a:rPr lang="en-US" dirty="0" smtClean="0"/>
-              <a:t>{    </a:t>
-            </a:r>
-            <a:r>
-              <a:rPr lang="ru-RU" dirty="0" smtClean="0"/>
-              <a:t> </a:t>
-            </a:r>
-            <a:r>
-              <a:rPr lang="en-US" dirty="0" smtClean="0"/>
-              <a:t>|          </a:t>
-            </a:r>
-            <a:r>
-              <a:rPr lang="ru-RU" dirty="0" smtClean="0"/>
-              <a:t> </a:t>
-            </a:r>
-            <a:r>
-              <a:rPr lang="en-US" dirty="0" smtClean="0"/>
-              <a:t>},</a:t>
-            </a:r>
-            <a:endParaRPr lang="en-US" dirty="0" smtClean="0"/>
+              <a:t>,</a:t>
+            </a:r>
+            <a:endParaRPr lang="ru-RU" dirty="0" smtClean="0"/>
           </a:p>
           <a:p>
             <a:pPr marL="377940" indent="-377940" defTabSz="1007838" fontAlgn="auto">
@@ -19417,150 +19023,66 @@
               <a:defRPr/>
             </a:pPr>
             <a:r>
-              <a:rPr lang="en-US" i="1" dirty="0" smtClean="0">
-                <a:latin typeface="Times New Roman" pitchFamily="18" charset="0"/>
+              <a:rPr lang="ru-RU" dirty="0" smtClean="0">
                 <a:cs typeface="Times New Roman" pitchFamily="18" charset="0"/>
               </a:rPr>
-              <a:t>h</a:t>
-            </a:r>
-            <a:r>
-              <a:rPr lang="en-US" dirty="0" smtClean="0"/>
-              <a:t> – </a:t>
-            </a:r>
-            <a:r>
-              <a:rPr lang="ru-RU" dirty="0" smtClean="0"/>
-              <a:t>номер партии</a:t>
-            </a:r>
-            <a:r>
-              <a:rPr lang="en-US" dirty="0" smtClean="0"/>
-              <a:t> (</a:t>
-            </a:r>
-            <a:r>
-              <a:rPr lang="ru-RU" dirty="0" smtClean="0"/>
-              <a:t> </a:t>
-            </a:r>
-            <a:r>
-              <a:rPr lang="en-US" dirty="0" smtClean="0"/>
-              <a:t>        </a:t>
-            </a:r>
-            <a:r>
-              <a:rPr lang="ru-RU" dirty="0" smtClean="0"/>
-              <a:t>  </a:t>
-            </a:r>
-            <a:r>
-              <a:rPr lang="en-US" dirty="0" smtClean="0"/>
-              <a:t>)</a:t>
-            </a:r>
-            <a:r>
-              <a:rPr lang="ru-RU" dirty="0" smtClean="0"/>
-              <a:t>,</a:t>
-            </a:r>
-          </a:p>
-          <a:p>
-            <a:pPr marL="377940" indent="-377940" defTabSz="1007838" fontAlgn="auto">
-              <a:spcAft>
-                <a:spcPts val="0"/>
-              </a:spcAft>
-              <a:buFont typeface="Arial" pitchFamily="34" charset="0"/>
-              <a:buChar char="•"/>
-              <a:defRPr/>
-            </a:pPr>
-            <a:r>
-              <a:rPr lang="ru-RU" dirty="0" smtClean="0"/>
-              <a:t> </a:t>
-            </a:r>
-            <a:r>
-              <a:rPr lang="en-US" dirty="0" smtClean="0"/>
-              <a:t>   - </a:t>
-            </a:r>
-            <a:r>
-              <a:rPr lang="ru-RU" dirty="0" smtClean="0"/>
-              <a:t>количество данных </a:t>
-            </a:r>
-            <a:r>
-              <a:rPr lang="en-US" i="1" dirty="0" err="1" smtClean="0">
-                <a:latin typeface="Times New Roman" pitchFamily="18" charset="0"/>
-                <a:cs typeface="Times New Roman" pitchFamily="18" charset="0"/>
-              </a:rPr>
-              <a:t>i</a:t>
-            </a:r>
-            <a:r>
-              <a:rPr lang="ru-RU" dirty="0" smtClean="0"/>
-              <a:t>-го типа в </a:t>
-            </a:r>
-            <a:r>
-              <a:rPr lang="en-US" i="1" dirty="0" smtClean="0">
-                <a:latin typeface="Times New Roman" pitchFamily="18" charset="0"/>
-                <a:cs typeface="Times New Roman" pitchFamily="18" charset="0"/>
-              </a:rPr>
-              <a:t>h</a:t>
-            </a:r>
-            <a:r>
-              <a:rPr lang="ru-RU" i="1" dirty="0" smtClean="0"/>
-              <a:t>-</a:t>
-            </a:r>
-            <a:r>
-              <a:rPr lang="ru-RU" dirty="0" smtClean="0"/>
-              <a:t>ой партии,</a:t>
-            </a:r>
-            <a:endParaRPr lang="en-US" dirty="0" smtClean="0"/>
-          </a:p>
-          <a:p>
-            <a:pPr marL="377940" indent="-377940" defTabSz="1007838" fontAlgn="auto">
-              <a:spcAft>
-                <a:spcPts val="0"/>
-              </a:spcAft>
-              <a:buFont typeface="Arial" pitchFamily="34" charset="0"/>
-              <a:buChar char="•"/>
-              <a:defRPr/>
-            </a:pPr>
-            <a:r>
-              <a:rPr lang="en-US" dirty="0" smtClean="0">
-                <a:latin typeface="Times New Roman" pitchFamily="18" charset="0"/>
-                <a:cs typeface="Times New Roman" pitchFamily="18" charset="0"/>
-              </a:rPr>
-              <a:t>A</a:t>
-            </a:r>
-            <a:r>
-              <a:rPr lang="en-US" dirty="0" smtClean="0"/>
-              <a:t> – </a:t>
-            </a:r>
-            <a:r>
-              <a:rPr lang="ru-RU" dirty="0" smtClean="0"/>
-              <a:t>массив </a:t>
-            </a:r>
-            <a:r>
-              <a:rPr lang="en-US" dirty="0" smtClean="0"/>
-              <a:t> </a:t>
-            </a:r>
-            <a:r>
-              <a:rPr lang="ru-RU" dirty="0" smtClean="0"/>
-              <a:t>    ,</a:t>
-            </a:r>
-          </a:p>
-          <a:p>
-            <a:pPr marL="377940" indent="-377940" defTabSz="1007838" fontAlgn="auto">
-              <a:spcAft>
-                <a:spcPts val="0"/>
-              </a:spcAft>
-              <a:buFont typeface="Arial" pitchFamily="34" charset="0"/>
-              <a:buChar char="•"/>
-              <a:defRPr/>
-            </a:pPr>
+              <a:t>[</a:t>
+            </a:r>
+            <a:r>
+              <a:rPr lang="en-US" i="1" dirty="0" err="1"/>
+              <a:t>P</a:t>
+            </a:r>
+            <a:r>
+              <a:rPr lang="en-US" i="1" baseline="30000" dirty="0" err="1"/>
+              <a:t>z</a:t>
+            </a:r>
             <a:r>
               <a:rPr lang="ru-RU" i="1" dirty="0" smtClean="0">
                 <a:latin typeface="Times New Roman" pitchFamily="18" charset="0"/>
                 <a:cs typeface="Times New Roman" pitchFamily="18" charset="0"/>
               </a:rPr>
-              <a:t>[М, А] </a:t>
+              <a:t>, </a:t>
+            </a:r>
+            <a:r>
+              <a:rPr lang="en-US" i="1" dirty="0" err="1"/>
+              <a:t>R</a:t>
+            </a:r>
+            <a:r>
+              <a:rPr lang="en-US" i="1" baseline="30000" dirty="0" err="1"/>
+              <a:t>z</a:t>
+            </a:r>
+            <a:r>
+              <a:rPr lang="ru-RU" dirty="0" smtClean="0">
+                <a:cs typeface="Times New Roman" pitchFamily="18" charset="0"/>
+              </a:rPr>
+              <a:t>]</a:t>
+            </a:r>
+            <a:r>
+              <a:rPr lang="ru-RU" i="1" dirty="0" smtClean="0">
+                <a:latin typeface="Times New Roman" pitchFamily="18" charset="0"/>
+                <a:cs typeface="Times New Roman" pitchFamily="18" charset="0"/>
+              </a:rPr>
+              <a:t> </a:t>
+            </a:r>
+            <a:r>
+              <a:rPr lang="en-US" dirty="0"/>
+              <a:t>–</a:t>
             </a:r>
             <a:r>
               <a:rPr lang="ru-RU" i="1" dirty="0" smtClean="0"/>
-              <a:t>- </a:t>
+              <a:t> </a:t>
+            </a:r>
+            <a:r>
+              <a:rPr lang="ru-RU" dirty="0"/>
+              <a:t>р</a:t>
             </a:r>
             <a:r>
               <a:rPr lang="ru-RU" dirty="0" smtClean="0"/>
-              <a:t>Решение, формируемое на первом уровне системы.</a:t>
+              <a:t>ешение</a:t>
+            </a:r>
+            <a:r>
+              <a:rPr lang="ru-RU" dirty="0" smtClean="0"/>
+              <a:t>, формируемое на первом уровне системы.</a:t>
             </a:r>
           </a:p>
         </p:txBody>
@@ -19707,184 +19229,6 @@
           </a:p>
         </p:txBody>
       </p:sp>
-      <p:graphicFrame>
-        <p:nvGraphicFramePr>
-          <p:cNvPr id="9221" name="Объект 29"/>
-          <p:cNvGraphicFramePr>
-            <a:graphicFrameLocks noChangeAspect="1"/>
-          </p:cNvGraphicFramePr>
-          <p:nvPr>
-            <p:extLst>
-              <p:ext uri="{D42A27DB-BD31-4B8C-83A1-F6EECF244321}">
-                <p14:modId xmlns:p14="http://schemas.microsoft.com/office/powerpoint/2010/main" val="1986919490"/>
-              </p:ext>
-            </p:extLst>
-          </p:nvPr>
-        </p:nvGraphicFramePr>
-        <p:xfrm>
-          <a:off x="1871191" y="3285678"/>
-          <a:ext cx="504825" cy="638175"/>
-        </p:xfrm>
-        <a:graphic>
-          <a:graphicData uri="http://schemas.openxmlformats.org/presentationml/2006/ole">
-            <mc:AlternateContent xmlns:mc="http://schemas.openxmlformats.org/markup-compatibility/2006">
-              <mc:Choice xmlns:v="urn:schemas-microsoft-com:vml" Requires="v">
-                <p:oleObj spid="_x0000_s9361" name="Equation" r:id="rId3" imgW="177646" imgH="228402" progId="Equation.3">
-                  <p:embed/>
-                </p:oleObj>
-              </mc:Choice>
-              <mc:Fallback>
-                <p:oleObj name="Equation" r:id="rId3" imgW="177646" imgH="228402" progId="Equation.3">
-                  <p:embed/>
-                  <p:pic>
-                    <p:nvPicPr>
-                      <p:cNvPr id="0" name="Объект 29"/>
-                      <p:cNvPicPr>
-                        <a:picLocks noChangeAspect="1" noChangeArrowheads="1"/>
-                      </p:cNvPicPr>
-                      <p:nvPr/>
-                    </p:nvPicPr>
-                    <p:blipFill>
-                      <a:blip r:embed="rId4">
-                        <a:extLst>
-                          <a:ext uri="{28A0092B-C50C-407E-A947-70E740481C1C}">
-                            <a14:useLocalDpi xmlns:a14="http://schemas.microsoft.com/office/drawing/2010/main" val="0"/>
-                          </a:ext>
-                        </a:extLst>
-                      </a:blip>
-                      <a:srcRect/>
-                      <a:stretch>
-                        <a:fillRect/>
-                      </a:stretch>
-                    </p:blipFill>
-                    <p:spPr bwMode="auto">
-                      <a:xfrm>
-                        <a:off x="1871191" y="3285678"/>
-                        <a:ext cx="504825" cy="638175"/>
-                      </a:xfrm>
-                      <a:prstGeom prst="rect">
-                        <a:avLst/>
-                      </a:prstGeom>
-                      <a:noFill/>
-                      <a:ln>
-                        <a:noFill/>
-                      </a:ln>
-                      <a:extLst>
-                        <a:ext uri="{909E8E84-426E-40DD-AFC4-6F175D3DCCD1}">
-                          <a14:hiddenFill xmlns:a14="http://schemas.microsoft.com/office/drawing/2010/main">
-                            <a:solidFill>
-                              <a:srgbClr val="FFFFFF"/>
-                            </a:solidFill>
-                          </a14:hiddenFill>
-                        </a:ext>
-                        <a:ext uri="{91240B29-F687-4F45-9708-019B960494DF}">
-                          <a14:hiddenLine xmlns:a14="http://schemas.microsoft.com/office/drawing/2010/main" w="9525">
-                            <a:solidFill>
-                              <a:srgbClr val="000000"/>
-                            </a:solidFill>
-                            <a:miter lim="800000"/>
-                            <a:headEnd/>
-                            <a:tailEnd/>
-                          </a14:hiddenLine>
-                        </a:ext>
-                      </a:extLst>
-                    </p:spPr>
-                  </p:pic>
-                </p:oleObj>
-              </mc:Fallback>
-            </mc:AlternateContent>
-          </a:graphicData>
-        </a:graphic>
-      </p:graphicFrame>
-      <p:graphicFrame>
-        <p:nvGraphicFramePr>
-          <p:cNvPr id="9222" name="Объект 30"/>
-          <p:cNvGraphicFramePr>
-            <a:graphicFrameLocks noChangeAspect="1"/>
-          </p:cNvGraphicFramePr>
-          <p:nvPr>
-            <p:extLst>
-              <p:ext uri="{D42A27DB-BD31-4B8C-83A1-F6EECF244321}">
-                <p14:modId xmlns:p14="http://schemas.microsoft.com/office/powerpoint/2010/main" val="732824597"/>
-              </p:ext>
-            </p:extLst>
-          </p:nvPr>
-        </p:nvGraphicFramePr>
-        <p:xfrm>
-          <a:off x="2520082" y="3290888"/>
-          <a:ext cx="1008062" cy="560387"/>
-        </p:xfrm>
-        <a:graphic>
-          <a:graphicData uri="http://schemas.openxmlformats.org/presentationml/2006/ole">
-            <mc:AlternateContent xmlns:mc="http://schemas.openxmlformats.org/markup-compatibility/2006">
-              <mc:Choice xmlns:v="urn:schemas-microsoft-com:vml" Requires="v">
-                <p:oleObj spid="_x0000_s9362" name="Equation" r:id="rId5" imgW="432363" imgH="241615" progId="Equation.3">
-                  <p:embed/>
-                </p:oleObj>
-              </mc:Choice>
-              <mc:Fallback>
-                <p:oleObj name="Equation" r:id="rId5" imgW="432363" imgH="241615" progId="Equation.3">
-                  <p:embed/>
-                  <p:pic>
-                    <p:nvPicPr>
-                      <p:cNvPr id="0" name="Объект 30"/>
-                      <p:cNvPicPr>
-                        <a:picLocks noChangeAspect="1" noChangeArrowheads="1"/>
-                      </p:cNvPicPr>
-                      <p:nvPr/>
-                    </p:nvPicPr>
-                    <p:blipFill>
-                      <a:blip r:embed="rId6">
-                        <a:extLst>
-                          <a:ext uri="{28A0092B-C50C-407E-A947-70E740481C1C}">
-                            <a14:useLocalDpi xmlns:a14="http://schemas.microsoft.com/office/drawing/2010/main" val="0"/>
-                          </a:ext>
-                        </a:extLst>
-                      </a:blip>
-                      <a:srcRect/>
-                      <a:stretch>
-                        <a:fillRect/>
-                      </a:stretch>
-                    </p:blipFill>
-                    <p:spPr bwMode="auto">
-                      <a:xfrm>
-                        <a:off x="2520082" y="3290888"/>
-                        <a:ext cx="1008062" cy="560387"/>
-                      </a:xfrm>
-                      <a:prstGeom prst="rect">
-                        <a:avLst/>
-                      </a:prstGeom>
-                      <a:noFill/>
-                      <a:ln>
-                        <a:noFill/>
-                      </a:ln>
-                      <a:extLst>
-                        <a:ext uri="{909E8E84-426E-40DD-AFC4-6F175D3DCCD1}">
-                          <a14:hiddenFill xmlns:a14="http://schemas.microsoft.com/office/drawing/2010/main">
-                            <a:solidFill>
-                              <a:srgbClr val="FFFFFF"/>
-                            </a:solidFill>
-                          </a14:hiddenFill>
-                        </a:ext>
-                        <a:ext uri="{91240B29-F687-4F45-9708-019B960494DF}">
-                          <a14:hiddenLine xmlns:a14="http://schemas.microsoft.com/office/drawing/2010/main" w="9525">
-                            <a:solidFill>
-                              <a:srgbClr val="000000"/>
-                            </a:solidFill>
-                            <a:miter lim="800000"/>
-                            <a:headEnd/>
-                            <a:tailEnd/>
-                          </a14:hiddenLine>
-                        </a:ext>
-                      </a:extLst>
-                    </p:spPr>
-                  </p:pic>
-                </p:oleObj>
-              </mc:Fallback>
-            </mc:AlternateContent>
-          </a:graphicData>
-        </a:graphic>
-      </p:graphicFrame>
       <p:sp>
         <p:nvSpPr>
           <p:cNvPr id="9223" name="Rectangle 28"/>
@@ -19956,89 +19300,6 @@
           </a:p>
         </p:txBody>
       </p:sp>
-      <p:graphicFrame>
-        <p:nvGraphicFramePr>
-          <p:cNvPr id="9224" name="Объект 32"/>
-          <p:cNvGraphicFramePr>
-            <a:graphicFrameLocks noChangeAspect="1"/>
-          </p:cNvGraphicFramePr>
-          <p:nvPr/>
-        </p:nvGraphicFramePr>
-        <p:xfrm>
-          <a:off x="750888" y="4430713"/>
-          <a:ext cx="617537" cy="644525"/>
-        </p:xfrm>
-        <a:graphic>
-          <a:graphicData uri="http://schemas.openxmlformats.org/presentationml/2006/ole">
-            <mc:AlternateContent xmlns:mc="http://schemas.openxmlformats.org/markup-compatibility/2006">
-              <mc:Choice xmlns:v="urn:schemas-microsoft-com:vml" Requires="v">
-                <p:oleObj spid="_x0000_s9363" name="Equation" r:id="rId7" imgW="215806" imgH="228501" progId="Equation.3">
-                  <p:embed/>
-                </p:oleObj>
-              </mc:Choice>
-              <mc:Fallback>
-                <p:oleObj name="Equation" r:id="rId7" imgW="215806" imgH="228501" progId="Equation.3">
-                  <p:embed/>
-                  <p:pic>
-                    <p:nvPicPr>
-                      <p:cNvPr id="0" name="Объект 32"/>
-                      <p:cNvPicPr>
-                        <a:picLocks noChangeAspect="1" noChangeArrowheads="1"/>
-                      </p:cNvPicPr>
-                      <p:nvPr/>
-                    </p:nvPicPr>
-                    <p:blipFill>
-                      <a:blip r:embed="rId8">
-                        <a:extLst>
-                          <a:ext uri="{28A0092B-C50C-407E-A947-70E740481C1C}">
-                            <a14:useLocalDpi xmlns:a14="http://schemas.microsoft.com/office/drawing/2010/main" val="0"/>
-                          </a:ext>
-                        </a:extLst>
-                      </a:blip>
-                      <a:srcRect/>
-                      <a:stretch>
-                        <a:fillRect/>
-                      </a:stretch>
-                    </p:blipFill>
-                    <p:spPr bwMode="auto">
-                      <a:xfrm>
-                        <a:off x="750888" y="4430713"/>
-                        <a:ext cx="617537" cy="644525"/>
-                      </a:xfrm>
-                      <a:prstGeom prst="rect">
-                        <a:avLst/>
-                      </a:prstGeom>
-                      <a:noFill/>
-                      <a:ln>
-                        <a:noFill/>
-                      </a:ln>
-                      <a:extLst>
-                        <a:ext uri="{909E8E84-426E-40DD-AFC4-6F175D3DCCD1}">
-                          <a14:hiddenFill xmlns:a14="http://schemas.microsoft.com/office/drawing/2010/main">
-                            <a:solidFill>
-                              <a:srgbClr val="FFFFFF"/>
-                            </a:solidFill>
-                          </a14:hiddenFill>
-                        </a:ext>
-                        <a:ext uri="{91240B29-F687-4F45-9708-019B960494DF}">
-                          <a14:hiddenLine xmlns:a14="http://schemas.microsoft.com/office/drawing/2010/main" w="9525">
-                            <a:solidFill>
-                              <a:srgbClr val="000000"/>
-                            </a:solidFill>
-                            <a:miter lim="800000"/>
-                            <a:headEnd/>
-                            <a:tailEnd/>
-                          </a14:hiddenLine>
-                        </a:ext>
-                      </a:extLst>
-                    </p:spPr>
-                  </p:pic>
-                </p:oleObj>
-              </mc:Fallback>
-            </mc:AlternateContent>
-          </a:graphicData>
-        </a:graphic>
-      </p:graphicFrame>
       <p:sp>
         <p:nvSpPr>
           <p:cNvPr id="9225" name="Rectangle 30"/>
@@ -20110,89 +19371,6 @@
           </a:p>
         </p:txBody>
       </p:sp>
-      <p:graphicFrame>
-        <p:nvGraphicFramePr>
-          <p:cNvPr id="9226" name="Объект 34"/>
-          <p:cNvGraphicFramePr>
-            <a:graphicFrameLocks noChangeAspect="1"/>
-          </p:cNvGraphicFramePr>
-          <p:nvPr/>
-        </p:nvGraphicFramePr>
-        <p:xfrm>
-          <a:off x="4032250" y="3851275"/>
-          <a:ext cx="1079500" cy="576263"/>
-        </p:xfrm>
-        <a:graphic>
-          <a:graphicData uri="http://schemas.openxmlformats.org/presentationml/2006/ole">
-            <mc:AlternateContent xmlns:mc="http://schemas.openxmlformats.org/markup-compatibility/2006">
-              <mc:Choice xmlns:v="urn:schemas-microsoft-com:vml" Requires="v">
-                <p:oleObj spid="_x0000_s9364" name="Equation" r:id="rId9" imgW="431613" imgH="228501" progId="Equation.3">
-                  <p:embed/>
-                </p:oleObj>
-              </mc:Choice>
-              <mc:Fallback>
-                <p:oleObj name="Equation" r:id="rId9" imgW="431613" imgH="228501" progId="Equation.3">
-                  <p:embed/>
-                  <p:pic>
-                    <p:nvPicPr>
-                      <p:cNvPr id="0" name="Объект 34"/>
-                      <p:cNvPicPr>
-                        <a:picLocks noChangeAspect="1" noChangeArrowheads="1"/>
-                      </p:cNvPicPr>
-                      <p:nvPr/>
-                    </p:nvPicPr>
-                    <p:blipFill>
-                      <a:blip r:embed="rId10">
-                        <a:extLst>
-                          <a:ext uri="{28A0092B-C50C-407E-A947-70E740481C1C}">
-                            <a14:useLocalDpi xmlns:a14="http://schemas.microsoft.com/office/drawing/2010/main" val="0"/>
-                          </a:ext>
-                        </a:extLst>
-                      </a:blip>
-                      <a:srcRect/>
-                      <a:stretch>
-                        <a:fillRect/>
-                      </a:stretch>
-                    </p:blipFill>
-                    <p:spPr bwMode="auto">
-                      <a:xfrm>
-                        <a:off x="4032250" y="3851275"/>
-                        <a:ext cx="1079500" cy="576263"/>
-                      </a:xfrm>
-                      <a:prstGeom prst="rect">
-                        <a:avLst/>
-                      </a:prstGeom>
-                      <a:noFill/>
-                      <a:ln>
-                        <a:noFill/>
-                      </a:ln>
-                      <a:extLst>
-                        <a:ext uri="{909E8E84-426E-40DD-AFC4-6F175D3DCCD1}">
-                          <a14:hiddenFill xmlns:a14="http://schemas.microsoft.com/office/drawing/2010/main">
-                            <a:solidFill>
-                              <a:srgbClr val="FFFFFF"/>
-                            </a:solidFill>
-                          </a14:hiddenFill>
-                        </a:ext>
-                        <a:ext uri="{91240B29-F687-4F45-9708-019B960494DF}">
-                          <a14:hiddenLine xmlns:a14="http://schemas.microsoft.com/office/drawing/2010/main" w="9525">
-                            <a:solidFill>
-                              <a:srgbClr val="000000"/>
-                            </a:solidFill>
-                            <a:miter lim="800000"/>
-                            <a:headEnd/>
-                            <a:tailEnd/>
-                          </a14:hiddenLine>
-                        </a:ext>
-                      </a:extLst>
-                    </p:spPr>
-                  </p:pic>
-                </p:oleObj>
-              </mc:Fallback>
-            </mc:AlternateContent>
-          </a:graphicData>
-        </a:graphic>
-      </p:graphicFrame>
       <p:sp>
         <p:nvSpPr>
           <p:cNvPr id="9227" name="Rectangle 31"/>
@@ -20264,89 +19442,6 @@
           </a:p>
         </p:txBody>
       </p:sp>
-      <p:graphicFrame>
-        <p:nvGraphicFramePr>
-          <p:cNvPr id="9228" name="Объект 36"/>
-          <p:cNvGraphicFramePr>
-            <a:graphicFrameLocks noChangeAspect="1"/>
-          </p:cNvGraphicFramePr>
-          <p:nvPr/>
-        </p:nvGraphicFramePr>
-        <p:xfrm>
-          <a:off x="2808288" y="4975225"/>
-          <a:ext cx="576262" cy="676275"/>
-        </p:xfrm>
-        <a:graphic>
-          <a:graphicData uri="http://schemas.openxmlformats.org/presentationml/2006/ole">
-            <mc:AlternateContent xmlns:mc="http://schemas.openxmlformats.org/markup-compatibility/2006">
-              <mc:Choice xmlns:v="urn:schemas-microsoft-com:vml" Requires="v">
-                <p:oleObj spid="_x0000_s9365" name="Формула" r:id="rId11" imgW="203040" imgH="241200" progId="Equation.3">
-                  <p:embed/>
-                </p:oleObj>
-              </mc:Choice>
-              <mc:Fallback>
-                <p:oleObj name="Формула" r:id="rId11" imgW="203040" imgH="241200" progId="Equation.3">
-                  <p:embed/>
-                  <p:pic>
-                    <p:nvPicPr>
-                      <p:cNvPr id="0" name="Объект 36"/>
-                      <p:cNvPicPr>
-                        <a:picLocks noChangeAspect="1" noChangeArrowheads="1"/>
-                      </p:cNvPicPr>
-                      <p:nvPr/>
-                    </p:nvPicPr>
-                    <p:blipFill>
-                      <a:blip r:embed="rId12">
-                        <a:extLst>
-                          <a:ext uri="{28A0092B-C50C-407E-A947-70E740481C1C}">
-                            <a14:useLocalDpi xmlns:a14="http://schemas.microsoft.com/office/drawing/2010/main" val="0"/>
-                          </a:ext>
-                        </a:extLst>
-                      </a:blip>
-                      <a:srcRect/>
-                      <a:stretch>
-                        <a:fillRect/>
-                      </a:stretch>
-                    </p:blipFill>
-                    <p:spPr bwMode="auto">
-                      <a:xfrm>
-                        <a:off x="2808288" y="4975225"/>
-                        <a:ext cx="576262" cy="676275"/>
-                      </a:xfrm>
-                      <a:prstGeom prst="rect">
-                        <a:avLst/>
-                      </a:prstGeom>
-                      <a:noFill/>
-                      <a:ln>
-                        <a:noFill/>
-                      </a:ln>
-                      <a:extLst>
-                        <a:ext uri="{909E8E84-426E-40DD-AFC4-6F175D3DCCD1}">
-                          <a14:hiddenFill xmlns:a14="http://schemas.microsoft.com/office/drawing/2010/main">
-                            <a:solidFill>
-                              <a:srgbClr val="FFFFFF"/>
-                            </a:solidFill>
-                          </a14:hiddenFill>
-                        </a:ext>
-                        <a:ext uri="{91240B29-F687-4F45-9708-019B960494DF}">
-                          <a14:hiddenLine xmlns:a14="http://schemas.microsoft.com/office/drawing/2010/main" w="9525">
-                            <a:solidFill>
-                              <a:srgbClr val="000000"/>
-                            </a:solidFill>
-                            <a:miter lim="800000"/>
-                            <a:headEnd/>
-                            <a:tailEnd/>
-                          </a14:hiddenLine>
-                        </a:ext>
-                      </a:extLst>
-                    </p:spPr>
-                  </p:pic>
-                </p:oleObj>
-              </mc:Fallback>
-            </mc:AlternateContent>
-          </a:graphicData>
-        </a:graphic>
-      </p:graphicFrame>
       <p:sp>
         <p:nvSpPr>
           <p:cNvPr id="9229" name="Rectangle 2"/>
@@ -20440,12 +19535,12 @@
           <a:graphicData uri="http://schemas.openxmlformats.org/presentationml/2006/ole">
             <mc:AlternateContent xmlns:mc="http://schemas.openxmlformats.org/markup-compatibility/2006">
               <mc:Choice xmlns:v="urn:schemas-microsoft-com:vml" Requires="v">
-                <p:oleObj spid="_x0000_s9366" name="Equation" r:id="rId13" imgW="139882" imgH="203465" progId="Equation.3">
+                <p:oleObj spid="_x0000_s9416" name="Equation" r:id="rId3" imgW="139882" imgH="203465" progId="Equation.3">
                   <p:embed/>
                 </p:oleObj>
               </mc:Choice>
               <mc:Fallback>
-                <p:oleObj name="Equation" r:id="rId13" imgW="139882" imgH="203465" progId="Equation.3">
+                <p:oleObj name="Equation" r:id="rId3" imgW="139882" imgH="203465" progId="Equation.3">
                   <p:embed/>
                   <p:pic>
                     <p:nvPicPr>
@@ -20456,7 +19551,7 @@
                       <p:nvPr/>
                     </p:nvPicPr>
                     <p:blipFill>
-                      <a:blip r:embed="rId14">
+                      <a:blip r:embed="rId4">
                         <a:extLst>
                           <a:ext uri="{28A0092B-C50C-407E-A947-70E740481C1C}">
                             <a14:useLocalDpi xmlns:a14="http://schemas.microsoft.com/office/drawing/2010/main" val="0"/>
@@ -20584,22 +19679,28 @@
           <p:cNvGraphicFramePr>
             <a:graphicFrameLocks noChangeAspect="1"/>
           </p:cNvGraphicFramePr>
-          <p:nvPr/>
+          <p:nvPr>
+            <p:extLst>
+              <p:ext uri="{D42A27DB-BD31-4B8C-83A1-F6EECF244321}">
+                <p14:modId xmlns:p14="http://schemas.microsoft.com/office/powerpoint/2010/main" val="638478146"/>
+              </p:ext>
+            </p:extLst>
+          </p:nvPr>
         </p:nvGraphicFramePr>
         <p:xfrm>
-          <a:off x="4487863" y="2124075"/>
+          <a:off x="4896296" y="2267669"/>
           <a:ext cx="1057275" cy="492125"/>
         </p:xfrm>
         <a:graphic>
           <a:graphicData uri="http://schemas.openxmlformats.org/presentationml/2006/ole">
             <mc:AlternateContent xmlns:mc="http://schemas.openxmlformats.org/markup-compatibility/2006">
               <mc:Choice xmlns:v="urn:schemas-microsoft-com:vml" Requires="v">
-                <p:oleObj spid="_x0000_s9367" name="Формула" r:id="rId15" imgW="545760" imgH="253800" progId="Equation.3">
+                <p:oleObj spid="_x0000_s9417" name="Формула" r:id="rId5" imgW="545760" imgH="253800" progId="Equation.3">
                   <p:embed/>
                 </p:oleObj>
               </mc:Choice>
               <mc:Fallback>
-                <p:oleObj name="Формула" r:id="rId15" imgW="545760" imgH="253800" progId="Equation.3">
+                <p:oleObj name="Формула" r:id="rId5" imgW="545760" imgH="253800" progId="Equation.3">
                   <p:embed/>
                   <p:pic>
                     <p:nvPicPr>
@@ -20610,7 +19711,7 @@
                       <p:nvPr/>
                     </p:nvPicPr>
                     <p:blipFill>
-                      <a:blip r:embed="rId16">
+                      <a:blip r:embed="rId6">
                         <a:extLst>
                           <a:ext uri="{28A0092B-C50C-407E-A947-70E740481C1C}">
                             <a14:useLocalDpi xmlns:a14="http://schemas.microsoft.com/office/drawing/2010/main" val="0"/>
@@ -20624,7 +19725,7 @@
                     </p:blipFill>
                     <p:spPr bwMode="auto">
                       <a:xfrm>
-                        <a:off x="4487863" y="2124075"/>
+                        <a:off x="4896296" y="2267669"/>
                         <a:ext cx="1057275" cy="492125"/>
                       </a:xfrm>
                       <a:prstGeom prst="rect">
@@ -20732,95 +19833,6 @@
           </a:p>
         </p:txBody>
       </p:sp>
-      <p:graphicFrame>
-        <p:nvGraphicFramePr>
-          <p:cNvPr id="9234" name="Объект 9"/>
-          <p:cNvGraphicFramePr>
-            <a:graphicFrameLocks noChangeAspect="1"/>
-          </p:cNvGraphicFramePr>
-          <p:nvPr>
-            <p:extLst>
-              <p:ext uri="{D42A27DB-BD31-4B8C-83A1-F6EECF244321}">
-                <p14:modId xmlns:p14="http://schemas.microsoft.com/office/powerpoint/2010/main" val="3463976077"/>
-              </p:ext>
-            </p:extLst>
-          </p:nvPr>
-        </p:nvGraphicFramePr>
-        <p:xfrm>
-          <a:off x="711126" y="2122488"/>
-          <a:ext cx="512762" cy="449262"/>
-        </p:xfrm>
-        <a:graphic>
-          <a:graphicData uri="http://schemas.openxmlformats.org/presentationml/2006/ole">
-            <mc:AlternateContent xmlns:mc="http://schemas.openxmlformats.org/markup-compatibility/2006">
-              <mc:Choice xmlns:v="urn:schemas-microsoft-com:vml" Requires="v">
-                <p:oleObj spid="_x0000_s9368" name="Equation" r:id="rId17" imgW="229097" imgH="203642" progId="Equation.3">
-                  <p:embed/>
-                </p:oleObj>
-              </mc:Choice>
-              <mc:Fallback>
-                <p:oleObj name="Equation" r:id="rId17" imgW="229097" imgH="203642" progId="Equation.3">
-                  <p:embed/>
-                  <p:pic>
-                    <p:nvPicPr>
-                      <p:cNvPr id="0" name="Объект 9"/>
-                      <p:cNvPicPr>
-                        <a:picLocks noChangeAspect="1" noChangeArrowheads="1"/>
-                      </p:cNvPicPr>
-                      <p:nvPr/>
-                    </p:nvPicPr>
-                    <p:blipFill>
-                      <a:blip r:embed="rId18">
-                        <a:extLst>
-                          <a:ext uri="{28A0092B-C50C-407E-A947-70E740481C1C}">
-                            <a14:useLocalDpi xmlns:a14="http://schemas.microsoft.com/office/drawing/2010/main" val="0"/>
-                          </a:ext>
-                        </a:extLst>
-                      </a:blip>
-                      <a:srcRect/>
-                      <a:stretch>
-                        <a:fillRect/>
-                      </a:stretch>
-                    </p:blipFill>
-                    <p:spPr bwMode="auto">
-                      <a:xfrm>
-                        <a:off x="711126" y="2122488"/>
-                        <a:ext cx="512762" cy="449262"/>
-                      </a:xfrm>
-                      <a:prstGeom prst="rect">
-                        <a:avLst/>
-                      </a:prstGeom>
-                      <a:noFill/>
-                      <a:ln>
-                        <a:noFill/>
-                      </a:ln>
-                      <a:extLst>
-                        <a:ext uri="{909E8E84-426E-40DD-AFC4-6F175D3DCCD1}">
-                          <a14:hiddenFill xmlns:a14="http://schemas.microsoft.com/office/drawing/2010/main">
-                            <a:solidFill>
-                              <a:srgbClr val="FFFFFF"/>
-                            </a:solidFill>
-                          </a14:hiddenFill>
-                        </a:ext>
-                        <a:ext uri="{91240B29-F687-4F45-9708-019B960494DF}">
-                          <a14:hiddenLine xmlns:a14="http://schemas.microsoft.com/office/drawing/2010/main" w="9525">
-                            <a:solidFill>
-                              <a:srgbClr val="000000"/>
-                            </a:solidFill>
-                            <a:miter lim="800000"/>
-                            <a:headEnd/>
-                            <a:tailEnd/>
-                          </a14:hiddenLine>
-                        </a:ext>
-                      </a:extLst>
-                    </p:spPr>
-                  </p:pic>
-                </p:oleObj>
-              </mc:Fallback>
-            </mc:AlternateContent>
-          </a:graphicData>
-        </a:graphic>
-      </p:graphicFrame>
       <p:sp>
         <p:nvSpPr>
           <p:cNvPr id="9235" name="Rectangle 18"/>
@@ -20892,178 +19904,6 @@
           </a:p>
         </p:txBody>
       </p:sp>
-      <p:graphicFrame>
-        <p:nvGraphicFramePr>
-          <p:cNvPr id="9236" name="Объект 11"/>
-          <p:cNvGraphicFramePr>
-            <a:graphicFrameLocks noChangeAspect="1"/>
-          </p:cNvGraphicFramePr>
-          <p:nvPr>
-            <p:extLst>
-              <p:ext uri="{D42A27DB-BD31-4B8C-83A1-F6EECF244321}">
-                <p14:modId xmlns:p14="http://schemas.microsoft.com/office/powerpoint/2010/main" val="1848094145"/>
-              </p:ext>
-            </p:extLst>
-          </p:nvPr>
-        </p:nvGraphicFramePr>
-        <p:xfrm>
-          <a:off x="728588" y="2640013"/>
-          <a:ext cx="495300" cy="538162"/>
-        </p:xfrm>
-        <a:graphic>
-          <a:graphicData uri="http://schemas.openxmlformats.org/presentationml/2006/ole">
-            <mc:AlternateContent xmlns:mc="http://schemas.openxmlformats.org/markup-compatibility/2006">
-              <mc:Choice xmlns:v="urn:schemas-microsoft-com:vml" Requires="v">
-                <p:oleObj spid="_x0000_s9369" name="Equation" r:id="rId19" imgW="216275" imgH="241720" progId="Equation.3">
-                  <p:embed/>
-                </p:oleObj>
-              </mc:Choice>
-              <mc:Fallback>
-                <p:oleObj name="Equation" r:id="rId19" imgW="216275" imgH="241720" progId="Equation.3">
-                  <p:embed/>
-                  <p:pic>
-                    <p:nvPicPr>
-                      <p:cNvPr id="0" name="Объект 11"/>
-                      <p:cNvPicPr>
-                        <a:picLocks noChangeAspect="1" noChangeArrowheads="1"/>
-                      </p:cNvPicPr>
-                      <p:nvPr/>
-                    </p:nvPicPr>
-                    <p:blipFill>
-                      <a:blip r:embed="rId20">
-                        <a:extLst>
-                          <a:ext uri="{28A0092B-C50C-407E-A947-70E740481C1C}">
-                            <a14:useLocalDpi xmlns:a14="http://schemas.microsoft.com/office/drawing/2010/main" val="0"/>
-                          </a:ext>
-                        </a:extLst>
-                      </a:blip>
-                      <a:srcRect/>
-                      <a:stretch>
-                        <a:fillRect/>
-                      </a:stretch>
-                    </p:blipFill>
-                    <p:spPr bwMode="auto">
-                      <a:xfrm>
-                        <a:off x="728588" y="2640013"/>
-                        <a:ext cx="495300" cy="538162"/>
-                      </a:xfrm>
-                      <a:prstGeom prst="rect">
-                        <a:avLst/>
-                      </a:prstGeom>
-                      <a:noFill/>
-                      <a:ln>
-                        <a:noFill/>
-                      </a:ln>
-                      <a:extLst>
-                        <a:ext uri="{909E8E84-426E-40DD-AFC4-6F175D3DCCD1}">
-                          <a14:hiddenFill xmlns:a14="http://schemas.microsoft.com/office/drawing/2010/main">
-                            <a:solidFill>
-                              <a:srgbClr val="FFFFFF"/>
-                            </a:solidFill>
-                          </a14:hiddenFill>
-                        </a:ext>
-                        <a:ext uri="{91240B29-F687-4F45-9708-019B960494DF}">
-                          <a14:hiddenLine xmlns:a14="http://schemas.microsoft.com/office/drawing/2010/main" w="9525">
-                            <a:solidFill>
-                              <a:srgbClr val="000000"/>
-                            </a:solidFill>
-                            <a:miter lim="800000"/>
-                            <a:headEnd/>
-                            <a:tailEnd/>
-                          </a14:hiddenLine>
-                        </a:ext>
-                      </a:extLst>
-                    </p:spPr>
-                  </p:pic>
-                </p:oleObj>
-              </mc:Fallback>
-            </mc:AlternateContent>
-          </a:graphicData>
-        </a:graphic>
-      </p:graphicFrame>
-      <p:graphicFrame>
-        <p:nvGraphicFramePr>
-          <p:cNvPr id="9237" name="Объект 24"/>
-          <p:cNvGraphicFramePr>
-            <a:graphicFrameLocks noChangeAspect="1"/>
-          </p:cNvGraphicFramePr>
-          <p:nvPr/>
-        </p:nvGraphicFramePr>
-        <p:xfrm>
-          <a:off x="8280400" y="2728913"/>
-          <a:ext cx="512763" cy="449262"/>
-        </p:xfrm>
-        <a:graphic>
-          <a:graphicData uri="http://schemas.openxmlformats.org/presentationml/2006/ole">
-            <mc:AlternateContent xmlns:mc="http://schemas.openxmlformats.org/markup-compatibility/2006">
-              <mc:Choice xmlns:v="urn:schemas-microsoft-com:vml" Requires="v">
-                <p:oleObj spid="_x0000_s9370" name="Equation" r:id="rId21" imgW="229097" imgH="203642" progId="Equation.3">
-                  <p:embed/>
-                </p:oleObj>
-              </mc:Choice>
-              <mc:Fallback>
-                <p:oleObj name="Equation" r:id="rId21" imgW="229097" imgH="203642" progId="Equation.3">
-                  <p:embed/>
-                  <p:pic>
-                    <p:nvPicPr>
-                      <p:cNvPr id="0" name="Объект 24"/>
-                      <p:cNvPicPr>
-                        <a:picLocks noChangeAspect="1" noChangeArrowheads="1"/>
-                      </p:cNvPicPr>
-                      <p:nvPr/>
-                    </p:nvPicPr>
-                    <p:blipFill>
-                      <a:blip r:embed="rId18">
-                        <a:extLst>
-                          <a:ext uri="{28A0092B-C50C-407E-A947-70E740481C1C}">
-                            <a14:useLocalDpi xmlns:a14="http://schemas.microsoft.com/office/drawing/2010/main" val="0"/>
-                          </a:ext>
-                        </a:extLst>
-                      </a:blip>
-                      <a:srcRect/>
-                      <a:stretch>
-                        <a:fillRect/>
-                      </a:stretch>
-                    </p:blipFill>
-                    <p:spPr bwMode="auto">
-                      <a:xfrm>
-                        <a:off x="8280400" y="2728913"/>
-                        <a:ext cx="512763" cy="449262"/>
-                      </a:xfrm>
-                      <a:prstGeom prst="rect">
-                        <a:avLst/>
-                      </a:prstGeom>
-                      <a:noFill/>
-                      <a:ln>
-                        <a:noFill/>
-                      </a:ln>
-                      <a:extLst>
-                        <a:ext uri="{909E8E84-426E-40DD-AFC4-6F175D3DCCD1}">
-                          <a14:hiddenFill xmlns:a14="http://schemas.microsoft.com/office/drawing/2010/main">
-                            <a:solidFill>
-                              <a:srgbClr val="FFFFFF"/>
-                            </a:solidFill>
-                          </a14:hiddenFill>
-                        </a:ext>
-                        <a:ext uri="{91240B29-F687-4F45-9708-019B960494DF}">
-                          <a14:hiddenLine xmlns:a14="http://schemas.microsoft.com/office/drawing/2010/main" w="9525">
-                            <a:solidFill>
-                              <a:srgbClr val="000000"/>
-                            </a:solidFill>
-                            <a:miter lim="800000"/>
-                            <a:headEnd/>
-                            <a:tailEnd/>
-                          </a14:hiddenLine>
-                        </a:ext>
-                      </a:extLst>
-                    </p:spPr>
-                  </p:pic>
-                </p:oleObj>
-              </mc:Fallback>
-            </mc:AlternateContent>
-          </a:graphicData>
-        </a:graphic>
-      </p:graphicFrame>
       <p:sp>
         <p:nvSpPr>
           <p:cNvPr id="9238" name="Rectangle 20"/>
@@ -21135,89 +19975,6 @@
           </a:p>
         </p:txBody>
       </p:sp>
-      <p:graphicFrame>
-        <p:nvGraphicFramePr>
-          <p:cNvPr id="9239" name="Объект 13"/>
-          <p:cNvGraphicFramePr>
-            <a:graphicFrameLocks noChangeAspect="1"/>
-          </p:cNvGraphicFramePr>
-          <p:nvPr/>
-        </p:nvGraphicFramePr>
-        <p:xfrm>
-          <a:off x="736600" y="3263900"/>
-          <a:ext cx="774700" cy="587375"/>
-        </p:xfrm>
-        <a:graphic>
-          <a:graphicData uri="http://schemas.openxmlformats.org/presentationml/2006/ole">
-            <mc:AlternateContent xmlns:mc="http://schemas.openxmlformats.org/markup-compatibility/2006">
-              <mc:Choice xmlns:v="urn:schemas-microsoft-com:vml" Requires="v">
-                <p:oleObj spid="_x0000_s9371" name="Equation" r:id="rId22" imgW="305330" imgH="241720" progId="Equation.3">
-                  <p:embed/>
-                </p:oleObj>
-              </mc:Choice>
-              <mc:Fallback>
-                <p:oleObj name="Equation" r:id="rId22" imgW="305330" imgH="241720" progId="Equation.3">
-                  <p:embed/>
-                  <p:pic>
-                    <p:nvPicPr>
-                      <p:cNvPr id="0" name="Объект 13"/>
-                      <p:cNvPicPr>
-                        <a:picLocks noChangeAspect="1" noChangeArrowheads="1"/>
-                      </p:cNvPicPr>
-                      <p:nvPr/>
-                    </p:nvPicPr>
-                    <p:blipFill>
-                      <a:blip r:embed="rId23">
-                        <a:extLst>
-                          <a:ext uri="{28A0092B-C50C-407E-A947-70E740481C1C}">
-                            <a14:useLocalDpi xmlns:a14="http://schemas.microsoft.com/office/drawing/2010/main" val="0"/>
-                          </a:ext>
-                        </a:extLst>
-                      </a:blip>
-                      <a:srcRect/>
-                      <a:stretch>
-                        <a:fillRect/>
-                      </a:stretch>
-                    </p:blipFill>
-                    <p:spPr bwMode="auto">
-                      <a:xfrm>
-                        <a:off x="736600" y="3263900"/>
-                        <a:ext cx="774700" cy="587375"/>
-                      </a:xfrm>
-                      <a:prstGeom prst="rect">
-                        <a:avLst/>
-                      </a:prstGeom>
-                      <a:noFill/>
-                      <a:ln>
-                        <a:noFill/>
-                      </a:ln>
-                      <a:extLst>
-                        <a:ext uri="{909E8E84-426E-40DD-AFC4-6F175D3DCCD1}">
-                          <a14:hiddenFill xmlns:a14="http://schemas.microsoft.com/office/drawing/2010/main">
-                            <a:solidFill>
-                              <a:srgbClr val="FFFFFF"/>
-                            </a:solidFill>
-                          </a14:hiddenFill>
-                        </a:ext>
-                        <a:ext uri="{91240B29-F687-4F45-9708-019B960494DF}">
-                          <a14:hiddenLine xmlns:a14="http://schemas.microsoft.com/office/drawing/2010/main" w="9525">
-                            <a:solidFill>
-                              <a:srgbClr val="000000"/>
-                            </a:solidFill>
-                            <a:miter lim="800000"/>
-                            <a:headEnd/>
-                            <a:tailEnd/>
-                          </a14:hiddenLine>
-                        </a:ext>
-                      </a:extLst>
-                    </p:spPr>
-                  </p:pic>
-                </p:oleObj>
-              </mc:Fallback>
-            </mc:AlternateContent>
-          </a:graphicData>
-        </a:graphic>
-      </p:graphicFrame>
     </p:spTree>
   </p:cSld>
   <p:clrMapOvr>
@@ -21364,22 +20121,28 @@
           <p:cNvGraphicFramePr>
             <a:graphicFrameLocks noChangeAspect="1"/>
           </p:cNvGraphicFramePr>
-          <p:nvPr/>
+          <p:nvPr>
+            <p:extLst>
+              <p:ext uri="{D42A27DB-BD31-4B8C-83A1-F6EECF244321}">
+                <p14:modId xmlns:p14="http://schemas.microsoft.com/office/powerpoint/2010/main" val="2873420340"/>
+              </p:ext>
+            </p:extLst>
+          </p:nvPr>
         </p:nvGraphicFramePr>
         <p:xfrm>
-          <a:off x="792163" y="2217738"/>
-          <a:ext cx="6696075" cy="698500"/>
+          <a:off x="447675" y="2266950"/>
+          <a:ext cx="7745413" cy="708025"/>
         </p:xfrm>
         <a:graphic>
           <a:graphicData uri="http://schemas.openxmlformats.org/presentationml/2006/ole">
             <mc:AlternateContent xmlns:mc="http://schemas.openxmlformats.org/markup-compatibility/2006">
               <mc:Choice xmlns:v="urn:schemas-microsoft-com:vml" Requires="v">
-                <p:oleObj spid="_x0000_s14376" name="Equation" r:id="rId3" imgW="2184400" imgH="228600" progId="Equation.3">
+                <p:oleObj spid="_x0000_s14412" name="Формула" r:id="rId3" imgW="3187440" imgH="291960" progId="Equation.3">
                   <p:embed/>
                 </p:oleObj>
               </mc:Choice>
               <mc:Fallback>
-                <p:oleObj name="Equation" r:id="rId3" imgW="2184400" imgH="228600" progId="Equation.3">
+                <p:oleObj name="Формула" r:id="rId3" imgW="3187440" imgH="291960" progId="Equation.3">
                   <p:embed/>
                   <p:pic>
                     <p:nvPicPr>
@@ -21390,13 +20153,7 @@
                       <p:nvPr/>
                     </p:nvPicPr>
                     <p:blipFill>
-                      <a:blip r:embed="rId4">
-                        <a:extLst>
-                          <a:ext uri="{28A0092B-C50C-407E-A947-70E740481C1C}">
-                            <a14:useLocalDpi xmlns:a14="http://schemas.microsoft.com/office/drawing/2010/main" val="0"/>
-                          </a:ext>
-                        </a:extLst>
-                      </a:blip>
+                      <a:blip r:embed="rId4"/>
                       <a:srcRect/>
                       <a:stretch>
                         <a:fillRect/>
@@ -21404,8 +20161,8 @@
                     </p:blipFill>
                     <p:spPr bwMode="auto">
                       <a:xfrm>
-                        <a:off x="792163" y="2217738"/>
-                        <a:ext cx="6696075" cy="698500"/>
+                        <a:off x="447675" y="2266950"/>
+                        <a:ext cx="7745413" cy="708025"/>
                       </a:xfrm>
                       <a:prstGeom prst="rect">
                         <a:avLst/>
@@ -21416,18 +20173,7 @@
                       <a:ln>
                         <a:noFill/>
                       </a:ln>
-                      <a:extLst>
-                        <a:ext uri="{91240B29-F687-4F45-9708-019B960494DF}">
-                          <a14:hiddenLine xmlns:a14="http://schemas.microsoft.com/office/drawing/2010/main" w="9525">
-                            <a:solidFill>
-                              <a:srgbClr val="000000"/>
-                            </a:solidFill>
-                            <a:miter lim="800000"/>
-                            <a:headEnd/>
-                            <a:tailEnd/>
-                          </a14:hiddenLine>
-                        </a:ext>
-                      </a:extLst>
+                      <a:extLst/>
                     </p:spPr>
                   </p:pic>
                 </p:oleObj>
@@ -21458,7 +20204,7 @@
           <a:graphicData uri="http://schemas.openxmlformats.org/presentationml/2006/ole">
             <mc:AlternateContent xmlns:mc="http://schemas.openxmlformats.org/markup-compatibility/2006">
               <mc:Choice xmlns:v="urn:schemas-microsoft-com:vml" Requires="v">
-                <p:oleObj spid="_x0000_s14377" name="Equation" r:id="rId5" imgW="3149600" imgH="228600" progId="Equation.3">
+                <p:oleObj spid="_x0000_s14413" name="Equation" r:id="rId5" imgW="3149600" imgH="228600" progId="Equation.3">
                   <p:embed/>
                 </p:oleObj>
               </mc:Choice>
@@ -21517,20 +20263,20 @@
           <p:nvPr>
             <p:extLst>
               <p:ext uri="{D42A27DB-BD31-4B8C-83A1-F6EECF244321}">
-                <p14:modId xmlns:p14="http://schemas.microsoft.com/office/powerpoint/2010/main" val="2637501709"/>
+                <p14:modId xmlns:p14="http://schemas.microsoft.com/office/powerpoint/2010/main" val="2311352390"/>
               </p:ext>
             </p:extLst>
           </p:nvPr>
         </p:nvGraphicFramePr>
         <p:xfrm>
-          <a:off x="731838" y="5106988"/>
+          <a:off x="431800" y="4931965"/>
           <a:ext cx="8543925" cy="612775"/>
         </p:xfrm>
         <a:graphic>
           <a:graphicData uri="http://schemas.openxmlformats.org/presentationml/2006/ole">
             <mc:AlternateContent xmlns:mc="http://schemas.openxmlformats.org/markup-compatibility/2006">
               <mc:Choice xmlns:v="urn:schemas-microsoft-com:vml" Requires="v">
-                <p:oleObj spid="_x0000_s14378" name="Формула" r:id="rId7" imgW="4356000" imgH="304560" progId="Equation.3">
+                <p:oleObj spid="_x0000_s14414" name="Формула" r:id="rId7" imgW="4356000" imgH="304560" progId="Equation.3">
                   <p:embed/>
                 </p:oleObj>
               </mc:Choice>
@@ -21554,7 +20300,7 @@
                     </p:blipFill>
                     <p:spPr bwMode="auto">
                       <a:xfrm>
-                        <a:off x="731838" y="5106988"/>
+                        <a:off x="431800" y="4931965"/>
                         <a:ext cx="8543925" cy="612775"/>
                       </a:xfrm>
                       <a:prstGeom prst="rect">
@@ -22129,7 +20875,7 @@
   <a:extraClrSchemeLst/>
   <a:extLst>
     <a:ext uri="{05A4C25C-085E-4340-85A3-A5531E510DB2}">
-      <thm15:themeFamily xmlns:thm15="http://schemas.microsoft.com/office/thememl/2012/main" xmlns="" name="Office Theme" id="{62F939B6-93AF-4DB8-9C6B-D6C7DFDC589F}" vid="{4A3C46E8-61CC-4603-A589-7422A47A8E4A}"/>
+      <thm15:themeFamily xmlns="" xmlns:thm15="http://schemas.microsoft.com/office/thememl/2012/main" name="Office Theme" id="{62F939B6-93AF-4DB8-9C6B-D6C7DFDC589F}" vid="{4A3C46E8-61CC-4603-A589-7422A47A8E4A}"/>
     </a:ext>
   </a:extLst>
 </a:theme>

--- a/К защите/Саша/В диплом/На защиту/На защиту.pptx
+++ b/К защите/Саша/В диплом/На защиту/На защиту.pptx
@@ -520,12 +520,12 @@
         </c:dLbls>
         <c:gapWidth val="150"/>
         <c:shape val="box"/>
-        <c:axId val="93423104"/>
-        <c:axId val="93425024"/>
-        <c:axId val="93311872"/>
+        <c:axId val="84907520"/>
+        <c:axId val="84909440"/>
+        <c:axId val="83678080"/>
       </c:bar3DChart>
       <c:catAx>
-        <c:axId val="93423104"/>
+        <c:axId val="84907520"/>
         <c:scaling>
           <c:orientation val="minMax"/>
         </c:scaling>
@@ -574,7 +574,7 @@
         <c:majorTickMark val="none"/>
         <c:minorTickMark val="none"/>
         <c:tickLblPos val="nextTo"/>
-        <c:crossAx val="93425024"/>
+        <c:crossAx val="84909440"/>
         <c:crosses val="autoZero"/>
         <c:auto val="1"/>
         <c:lblAlgn val="ctr"/>
@@ -582,7 +582,7 @@
         <c:noMultiLvlLbl val="0"/>
       </c:catAx>
       <c:valAx>
-        <c:axId val="93425024"/>
+        <c:axId val="84909440"/>
         <c:scaling>
           <c:orientation val="minMax"/>
         </c:scaling>
@@ -628,12 +628,12 @@
         <c:majorTickMark val="none"/>
         <c:minorTickMark val="none"/>
         <c:tickLblPos val="nextTo"/>
-        <c:crossAx val="93423104"/>
+        <c:crossAx val="84907520"/>
         <c:crosses val="autoZero"/>
         <c:crossBetween val="between"/>
       </c:valAx>
       <c:serAx>
-        <c:axId val="93311872"/>
+        <c:axId val="83678080"/>
         <c:scaling>
           <c:orientation val="minMax"/>
         </c:scaling>
@@ -678,7 +678,7 @@
         <c:majorTickMark val="none"/>
         <c:minorTickMark val="none"/>
         <c:tickLblPos val="nextTo"/>
-        <c:crossAx val="93425024"/>
+        <c:crossAx val="84909440"/>
         <c:crosses val="autoZero"/>
       </c:serAx>
     </c:plotArea>
@@ -1096,12 +1096,12 @@
         </c:dLbls>
         <c:gapWidth val="150"/>
         <c:shape val="box"/>
-        <c:axId val="103211776"/>
-        <c:axId val="103213696"/>
-        <c:axId val="103182336"/>
+        <c:axId val="86692608"/>
+        <c:axId val="86694528"/>
+        <c:axId val="86671360"/>
       </c:bar3DChart>
       <c:catAx>
-        <c:axId val="103211776"/>
+        <c:axId val="86692608"/>
         <c:scaling>
           <c:orientation val="minMax"/>
         </c:scaling>
@@ -1160,7 +1160,7 @@
         <c:majorTickMark val="none"/>
         <c:minorTickMark val="none"/>
         <c:tickLblPos val="nextTo"/>
-        <c:crossAx val="103213696"/>
+        <c:crossAx val="86694528"/>
         <c:crosses val="autoZero"/>
         <c:auto val="1"/>
         <c:lblAlgn val="ctr"/>
@@ -1168,7 +1168,7 @@
         <c:noMultiLvlLbl val="0"/>
       </c:catAx>
       <c:valAx>
-        <c:axId val="103213696"/>
+        <c:axId val="86694528"/>
         <c:scaling>
           <c:orientation val="minMax"/>
         </c:scaling>
@@ -1238,12 +1238,12 @@
         <c:majorTickMark val="none"/>
         <c:minorTickMark val="none"/>
         <c:tickLblPos val="nextTo"/>
-        <c:crossAx val="103211776"/>
+        <c:crossAx val="86692608"/>
         <c:crosses val="autoZero"/>
         <c:crossBetween val="between"/>
       </c:valAx>
       <c:serAx>
-        <c:axId val="103182336"/>
+        <c:axId val="86671360"/>
         <c:scaling>
           <c:orientation val="minMax"/>
         </c:scaling>
@@ -1296,7 +1296,7 @@
         <c:majorTickMark val="none"/>
         <c:minorTickMark val="none"/>
         <c:tickLblPos val="nextTo"/>
-        <c:crossAx val="103213696"/>
+        <c:crossAx val="86694528"/>
         <c:crosses val="autoZero"/>
       </c:serAx>
     </c:plotArea>
@@ -1722,12 +1722,12 @@
         </c:dLbls>
         <c:gapWidth val="150"/>
         <c:shape val="box"/>
-        <c:axId val="103532416"/>
-        <c:axId val="103533952"/>
-        <c:axId val="103185472"/>
+        <c:axId val="86755200"/>
+        <c:axId val="86756736"/>
+        <c:axId val="86674496"/>
       </c:bar3DChart>
       <c:catAx>
-        <c:axId val="103532416"/>
+        <c:axId val="86755200"/>
         <c:scaling>
           <c:orientation val="minMax"/>
         </c:scaling>
@@ -1738,7 +1738,7 @@
         <c:majorTickMark val="none"/>
         <c:minorTickMark val="none"/>
         <c:tickLblPos val="nextTo"/>
-        <c:crossAx val="103533952"/>
+        <c:crossAx val="86756736"/>
         <c:crosses val="autoZero"/>
         <c:auto val="1"/>
         <c:lblAlgn val="ctr"/>
@@ -1746,7 +1746,7 @@
         <c:noMultiLvlLbl val="0"/>
       </c:catAx>
       <c:valAx>
-        <c:axId val="103533952"/>
+        <c:axId val="86756736"/>
         <c:scaling>
           <c:orientation val="minMax"/>
         </c:scaling>
@@ -1757,12 +1757,12 @@
         <c:majorTickMark val="none"/>
         <c:minorTickMark val="none"/>
         <c:tickLblPos val="nextTo"/>
-        <c:crossAx val="103532416"/>
+        <c:crossAx val="86755200"/>
         <c:crosses val="autoZero"/>
         <c:crossBetween val="between"/>
       </c:valAx>
       <c:serAx>
-        <c:axId val="103185472"/>
+        <c:axId val="86674496"/>
         <c:scaling>
           <c:orientation val="minMax"/>
         </c:scaling>
@@ -1772,7 +1772,7 @@
         <c:majorTickMark val="none"/>
         <c:minorTickMark val="none"/>
         <c:tickLblPos val="nextTo"/>
-        <c:crossAx val="103533952"/>
+        <c:crossAx val="86756736"/>
         <c:crosses val="autoZero"/>
       </c:serAx>
     </c:plotArea>
@@ -2202,12 +2202,12 @@
         </c:dLbls>
         <c:gapWidth val="150"/>
         <c:shape val="box"/>
-        <c:axId val="105074688"/>
-        <c:axId val="105076224"/>
-        <c:axId val="103536832"/>
+        <c:axId val="90005504"/>
+        <c:axId val="90007040"/>
+        <c:axId val="86759616"/>
       </c:bar3DChart>
       <c:catAx>
-        <c:axId val="105074688"/>
+        <c:axId val="90005504"/>
         <c:scaling>
           <c:orientation val="minMax"/>
         </c:scaling>
@@ -2218,7 +2218,7 @@
         <c:majorTickMark val="none"/>
         <c:minorTickMark val="none"/>
         <c:tickLblPos val="nextTo"/>
-        <c:crossAx val="105076224"/>
+        <c:crossAx val="90007040"/>
         <c:crosses val="autoZero"/>
         <c:auto val="1"/>
         <c:lblAlgn val="ctr"/>
@@ -2226,7 +2226,7 @@
         <c:noMultiLvlLbl val="0"/>
       </c:catAx>
       <c:valAx>
-        <c:axId val="105076224"/>
+        <c:axId val="90007040"/>
         <c:scaling>
           <c:orientation val="minMax"/>
         </c:scaling>
@@ -2237,12 +2237,12 @@
         <c:majorTickMark val="none"/>
         <c:minorTickMark val="none"/>
         <c:tickLblPos val="nextTo"/>
-        <c:crossAx val="105074688"/>
+        <c:crossAx val="90005504"/>
         <c:crosses val="autoZero"/>
         <c:crossBetween val="between"/>
       </c:valAx>
       <c:serAx>
-        <c:axId val="103536832"/>
+        <c:axId val="86759616"/>
         <c:scaling>
           <c:orientation val="minMax"/>
         </c:scaling>
@@ -2252,7 +2252,7 @@
         <c:majorTickMark val="none"/>
         <c:minorTickMark val="none"/>
         <c:tickLblPos val="nextTo"/>
-        <c:crossAx val="105076224"/>
+        <c:crossAx val="90007040"/>
         <c:crosses val="autoZero"/>
       </c:serAx>
     </c:plotArea>
@@ -12700,7 +12700,7 @@
           <a:graphicData uri="http://schemas.openxmlformats.org/presentationml/2006/ole">
             <mc:AlternateContent xmlns:mc="http://schemas.openxmlformats.org/markup-compatibility/2006">
               <mc:Choice xmlns:v="urn:schemas-microsoft-com:vml" Requires="v">
-                <p:oleObj spid="_x0000_s13349" name="Equation" r:id="rId4" imgW="1308100" imgH="241300" progId="Equation.3">
+                <p:oleObj spid="_x0000_s13356" name="Equation" r:id="rId4" imgW="1308100" imgH="241300" progId="Equation.3">
                   <p:embed/>
                 </p:oleObj>
               </mc:Choice>
@@ -12987,7 +12987,7 @@
           <a:graphicData uri="http://schemas.openxmlformats.org/presentationml/2006/ole">
             <mc:AlternateContent xmlns:mc="http://schemas.openxmlformats.org/markup-compatibility/2006">
               <mc:Choice xmlns:v="urn:schemas-microsoft-com:vml" Requires="v">
-                <p:oleObj spid="_x0000_s10308" name="Equation" r:id="rId3" imgW="2184400" imgH="228600" progId="Equation.3">
+                <p:oleObj spid="_x0000_s10322" name="Equation" r:id="rId3" imgW="2184400" imgH="228600" progId="Equation.3">
                   <p:embed/>
                 </p:oleObj>
               </mc:Choice>
@@ -13338,7 +13338,7 @@
           <a:graphicData uri="http://schemas.openxmlformats.org/presentationml/2006/ole">
             <mc:AlternateContent xmlns:mc="http://schemas.openxmlformats.org/markup-compatibility/2006">
               <mc:Choice xmlns:v="urn:schemas-microsoft-com:vml" Requires="v">
-                <p:oleObj spid="_x0000_s10309" name="Формула" r:id="rId5" imgW="1739900" imgH="419100" progId="Equation.3">
+                <p:oleObj spid="_x0000_s10323" name="Формула" r:id="rId5" imgW="1739900" imgH="419100" progId="Equation.3">
                   <p:embed/>
                 </p:oleObj>
               </mc:Choice>
@@ -13853,7 +13853,7 @@
           <a:graphicData uri="http://schemas.openxmlformats.org/presentationml/2006/ole">
             <mc:AlternateContent xmlns:mc="http://schemas.openxmlformats.org/markup-compatibility/2006">
               <mc:Choice xmlns:v="urn:schemas-microsoft-com:vml" Requires="v">
-                <p:oleObj spid="_x0000_s11334" name="Equation" r:id="rId4" imgW="3149600" imgH="228600" progId="Equation.3">
+                <p:oleObj spid="_x0000_s11348" name="Equation" r:id="rId4" imgW="3149600" imgH="228600" progId="Equation.3">
                   <p:embed/>
                 </p:oleObj>
               </mc:Choice>
@@ -14068,7 +14068,7 @@
           <a:graphicData uri="http://schemas.openxmlformats.org/presentationml/2006/ole">
             <mc:AlternateContent xmlns:mc="http://schemas.openxmlformats.org/markup-compatibility/2006">
               <mc:Choice xmlns:v="urn:schemas-microsoft-com:vml" Requires="v">
-                <p:oleObj spid="_x0000_s11335" name="Формула" r:id="rId6" imgW="4825800" imgH="1866600" progId="Equation.3">
+                <p:oleObj spid="_x0000_s11349" name="Формула" r:id="rId6" imgW="4825800" imgH="1866600" progId="Equation.3">
                   <p:embed/>
                 </p:oleObj>
               </mc:Choice>
@@ -14137,7 +14137,7 @@
         </p:nvSpPr>
         <p:spPr>
           <a:xfrm>
-            <a:off x="7488584" y="5724053"/>
+            <a:off x="6048424" y="6444133"/>
             <a:ext cx="1800200" cy="646331"/>
           </a:xfrm>
           <a:prstGeom prst="rect">
@@ -14674,7 +14674,7 @@
           <a:graphicData uri="http://schemas.openxmlformats.org/presentationml/2006/ole">
             <mc:AlternateContent xmlns:mc="http://schemas.openxmlformats.org/markup-compatibility/2006">
               <mc:Choice xmlns:v="urn:schemas-microsoft-com:vml" Requires="v">
-                <p:oleObj spid="_x0000_s12387" name="Equation" r:id="rId3" imgW="1308100" imgH="241300" progId="Equation.3">
+                <p:oleObj spid="_x0000_s12408" name="Equation" r:id="rId3" imgW="1308100" imgH="241300" progId="Equation.3">
                   <p:embed/>
                 </p:oleObj>
               </mc:Choice>
@@ -14757,7 +14757,7 @@
           <a:graphicData uri="http://schemas.openxmlformats.org/presentationml/2006/ole">
             <mc:AlternateContent xmlns:mc="http://schemas.openxmlformats.org/markup-compatibility/2006">
               <mc:Choice xmlns:v="urn:schemas-microsoft-com:vml" Requires="v">
-                <p:oleObj spid="_x0000_s12388" name="Equation" r:id="rId5" imgW="3060700" imgH="228600" progId="Equation.3">
+                <p:oleObj spid="_x0000_s12409" name="Equation" r:id="rId5" imgW="3060700" imgH="228600" progId="Equation.3">
                   <p:embed/>
                 </p:oleObj>
               </mc:Choice>
@@ -14895,7 +14895,7 @@
           <a:graphicData uri="http://schemas.openxmlformats.org/presentationml/2006/ole">
             <mc:AlternateContent xmlns:mc="http://schemas.openxmlformats.org/markup-compatibility/2006">
               <mc:Choice xmlns:v="urn:schemas-microsoft-com:vml" Requires="v">
-                <p:oleObj spid="_x0000_s12389" name="Формула" r:id="rId7" imgW="3784600" imgH="952500" progId="Equation.3">
+                <p:oleObj spid="_x0000_s12410" name="Формула" r:id="rId7" imgW="3784600" imgH="952500" progId="Equation.3">
                   <p:embed/>
                 </p:oleObj>
               </mc:Choice>
@@ -14970,7 +14970,7 @@
         </p:nvSpPr>
         <p:spPr>
           <a:xfrm>
-            <a:off x="7920632" y="5079401"/>
+            <a:off x="6624488" y="5467515"/>
             <a:ext cx="1800200" cy="646331"/>
           </a:xfrm>
           <a:prstGeom prst="rect">
@@ -16728,8 +16728,8 @@
         </p:blipFill>
         <p:spPr bwMode="auto">
           <a:xfrm>
-            <a:off x="601736" y="1542312"/>
-            <a:ext cx="8848911" cy="6192464"/>
+            <a:off x="601736" y="1547589"/>
+            <a:ext cx="8848911" cy="5899154"/>
           </a:xfrm>
           <a:prstGeom prst="rect">
             <a:avLst/>
@@ -17556,19 +17556,15 @@
           <a:p>
             <a:pPr lvl="0"/>
             <a:r>
-              <a:rPr lang="uk-UA" dirty="0"/>
-              <a:t> </a:t>
-            </a:r>
-            <a:r>
-              <a:rPr lang="en-US" i="1" dirty="0" err="1"/>
+              <a:rPr lang="en-US" i="1" dirty="0" err="1" smtClean="0"/>
               <a:t>a</a:t>
             </a:r>
             <a:r>
-              <a:rPr lang="en-US" i="1" baseline="-25000" dirty="0" err="1"/>
+              <a:rPr lang="en-US" i="1" baseline="-25000" dirty="0" err="1" smtClean="0"/>
               <a:t>ih</a:t>
             </a:r>
             <a:r>
-              <a:rPr lang="en-US" dirty="0"/>
+              <a:rPr lang="en-US" dirty="0" smtClean="0"/>
               <a:t> </a:t>
             </a:r>
             <a:r>
@@ -17744,7 +17740,7 @@
           <a:graphicData uri="http://schemas.openxmlformats.org/presentationml/2006/ole">
             <mc:AlternateContent xmlns:mc="http://schemas.openxmlformats.org/markup-compatibility/2006">
               <mc:Choice xmlns:v="urn:schemas-microsoft-com:vml" Requires="v">
-                <p:oleObj spid="_x0000_s8390" name="Equation" r:id="rId3" imgW="432363" imgH="241615" progId="Equation.3">
+                <p:oleObj spid="_x0000_s8418" name="Equation" r:id="rId3" imgW="432363" imgH="241615" progId="Equation.3">
                   <p:embed/>
                 </p:oleObj>
               </mc:Choice>
@@ -17904,7 +17900,7 @@
           <a:graphicData uri="http://schemas.openxmlformats.org/presentationml/2006/ole">
             <mc:AlternateContent xmlns:mc="http://schemas.openxmlformats.org/markup-compatibility/2006">
               <mc:Choice xmlns:v="urn:schemas-microsoft-com:vml" Requires="v">
-                <p:oleObj spid="_x0000_s8391" name="Equation" r:id="rId5" imgW="432363" imgH="241615" progId="Equation.3">
+                <p:oleObj spid="_x0000_s8419" name="Equation" r:id="rId5" imgW="432363" imgH="241615" progId="Equation.3">
                   <p:embed/>
                 </p:oleObj>
               </mc:Choice>
@@ -18135,7 +18131,7 @@
           <a:graphicData uri="http://schemas.openxmlformats.org/presentationml/2006/ole">
             <mc:AlternateContent xmlns:mc="http://schemas.openxmlformats.org/markup-compatibility/2006">
               <mc:Choice xmlns:v="urn:schemas-microsoft-com:vml" Requires="v">
-                <p:oleObj spid="_x0000_s8392" name="Equation" r:id="rId6" imgW="431613" imgH="228501" progId="Equation.3">
+                <p:oleObj spid="_x0000_s8420" name="Equation" r:id="rId6" imgW="431613" imgH="228501" progId="Equation.3">
                   <p:embed/>
                 </p:oleObj>
               </mc:Choice>
@@ -18295,7 +18291,7 @@
           <a:graphicData uri="http://schemas.openxmlformats.org/presentationml/2006/ole">
             <mc:AlternateContent xmlns:mc="http://schemas.openxmlformats.org/markup-compatibility/2006">
               <mc:Choice xmlns:v="urn:schemas-microsoft-com:vml" Requires="v">
-                <p:oleObj spid="_x0000_s8393" name="Equation" r:id="rId8" imgW="177646" imgH="228402" progId="Equation.3">
+                <p:oleObj spid="_x0000_s8421" name="Equation" r:id="rId8" imgW="177646" imgH="228402" progId="Equation.3">
                   <p:embed/>
                 </p:oleObj>
               </mc:Choice>
@@ -18447,7 +18443,7 @@
             </a:r>
             <a:r>
               <a:rPr lang="en-US" i="1" dirty="0" smtClean="0"/>
-              <a:t>– </a:t>
+              <a:t>  – </a:t>
             </a:r>
             <a:r>
               <a:rPr lang="ru-RU" dirty="0" smtClean="0"/>
@@ -19070,20 +19066,20 @@
           <p:nvPr>
             <p:extLst>
               <p:ext uri="{D42A27DB-BD31-4B8C-83A1-F6EECF244321}">
-                <p14:modId xmlns:p14="http://schemas.microsoft.com/office/powerpoint/2010/main" val="2902400863"/>
+                <p14:modId xmlns:p14="http://schemas.microsoft.com/office/powerpoint/2010/main" val="2189713107"/>
               </p:ext>
             </p:extLst>
           </p:nvPr>
         </p:nvGraphicFramePr>
         <p:xfrm>
-          <a:off x="765101" y="1382713"/>
+          <a:off x="837109" y="1552724"/>
           <a:ext cx="458787" cy="642937"/>
         </p:xfrm>
         <a:graphic>
           <a:graphicData uri="http://schemas.openxmlformats.org/presentationml/2006/ole">
             <mc:AlternateContent xmlns:mc="http://schemas.openxmlformats.org/markup-compatibility/2006">
               <mc:Choice xmlns:v="urn:schemas-microsoft-com:vml" Requires="v">
-                <p:oleObj spid="_x0000_s9428" name="Equation" r:id="rId3" imgW="139882" imgH="203465" progId="Equation.3">
+                <p:oleObj spid="_x0000_s9442" name="Equation" r:id="rId3" imgW="139882" imgH="203465" progId="Equation.3">
                   <p:embed/>
                 </p:oleObj>
               </mc:Choice>
@@ -19113,7 +19109,7 @@
                     </p:blipFill>
                     <p:spPr bwMode="auto">
                       <a:xfrm>
-                        <a:off x="765101" y="1382713"/>
+                        <a:off x="837109" y="1552724"/>
                         <a:ext cx="458787" cy="642937"/>
                       </a:xfrm>
                       <a:prstGeom prst="rect">
@@ -19243,7 +19239,7 @@
           <a:graphicData uri="http://schemas.openxmlformats.org/presentationml/2006/ole">
             <mc:AlternateContent xmlns:mc="http://schemas.openxmlformats.org/markup-compatibility/2006">
               <mc:Choice xmlns:v="urn:schemas-microsoft-com:vml" Requires="v">
-                <p:oleObj spid="_x0000_s9429" name="Формула" r:id="rId5" imgW="545760" imgH="253800" progId="Equation.3">
+                <p:oleObj spid="_x0000_s9443" name="Формула" r:id="rId5" imgW="545760" imgH="253800" progId="Equation.3">
                   <p:embed/>
                 </p:oleObj>
               </mc:Choice>
@@ -19685,7 +19681,7 @@
           <a:graphicData uri="http://schemas.openxmlformats.org/presentationml/2006/ole">
             <mc:AlternateContent xmlns:mc="http://schemas.openxmlformats.org/markup-compatibility/2006">
               <mc:Choice xmlns:v="urn:schemas-microsoft-com:vml" Requires="v">
-                <p:oleObj spid="_x0000_s14434" name="Equation" r:id="rId3" imgW="3149600" imgH="228600" progId="Equation.3">
+                <p:oleObj spid="_x0000_s14455" name="Equation" r:id="rId3" imgW="3149600" imgH="228600" progId="Equation.3">
                   <p:embed/>
                 </p:oleObj>
               </mc:Choice>
@@ -19757,7 +19753,7 @@
           <a:graphicData uri="http://schemas.openxmlformats.org/presentationml/2006/ole">
             <mc:AlternateContent xmlns:mc="http://schemas.openxmlformats.org/markup-compatibility/2006">
               <mc:Choice xmlns:v="urn:schemas-microsoft-com:vml" Requires="v">
-                <p:oleObj spid="_x0000_s14435" name="Формула" r:id="rId5" imgW="4356000" imgH="304560" progId="Equation.3">
+                <p:oleObj spid="_x0000_s14456" name="Формула" r:id="rId5" imgW="4356000" imgH="304560" progId="Equation.3">
                   <p:embed/>
                 </p:oleObj>
               </mc:Choice>
@@ -19886,7 +19882,7 @@
           <a:graphicData uri="http://schemas.openxmlformats.org/presentationml/2006/ole">
             <mc:AlternateContent xmlns:mc="http://schemas.openxmlformats.org/markup-compatibility/2006">
               <mc:Choice xmlns:v="urn:schemas-microsoft-com:vml" Requires="v">
-                <p:oleObj spid="_x0000_s14436" name="Формула" r:id="rId7" imgW="3187440" imgH="291960" progId="Equation.3">
+                <p:oleObj spid="_x0000_s14457" name="Формула" r:id="rId7" imgW="3187440" imgH="291960" progId="Equation.3">
                   <p:embed/>
                 </p:oleObj>
               </mc:Choice>
@@ -20545,7 +20541,7 @@
   <a:extraClrSchemeLst/>
   <a:extLst>
     <a:ext uri="{05A4C25C-085E-4340-85A3-A5531E510DB2}">
-      <thm15:themeFamily xmlns:thm15="http://schemas.microsoft.com/office/thememl/2012/main" xmlns="" name="Office Theme" id="{62F939B6-93AF-4DB8-9C6B-D6C7DFDC589F}" vid="{4A3C46E8-61CC-4603-A589-7422A47A8E4A}"/>
+      <thm15:themeFamily xmlns="" xmlns:thm15="http://schemas.microsoft.com/office/thememl/2012/main" name="Office Theme" id="{62F939B6-93AF-4DB8-9C6B-D6C7DFDC589F}" vid="{4A3C46E8-61CC-4603-A589-7422A47A8E4A}"/>
     </a:ext>
   </a:extLst>
 </a:theme>
